--- a/Keylogger_Project.pptx
+++ b/Keylogger_Project.pptx
@@ -5,24 +5,25 @@
     <p:sldMasterId id="2147483712" r:id="rId4"/>
   </p:sldMasterIdLst>
   <p:notesMasterIdLst>
-    <p:notesMasterId r:id="rId20"/>
+    <p:notesMasterId r:id="rId21"/>
   </p:notesMasterIdLst>
   <p:sldIdLst>
     <p:sldId id="258" r:id="rId5"/>
-    <p:sldId id="259" r:id="rId6"/>
-    <p:sldId id="269" r:id="rId7"/>
-    <p:sldId id="270" r:id="rId8"/>
-    <p:sldId id="271" r:id="rId9"/>
-    <p:sldId id="261" r:id="rId10"/>
-    <p:sldId id="262" r:id="rId11"/>
-    <p:sldId id="265" r:id="rId12"/>
-    <p:sldId id="267" r:id="rId13"/>
-    <p:sldId id="273" r:id="rId14"/>
-    <p:sldId id="274" r:id="rId15"/>
-    <p:sldId id="275" r:id="rId16"/>
-    <p:sldId id="276" r:id="rId17"/>
-    <p:sldId id="266" r:id="rId18"/>
-    <p:sldId id="272" r:id="rId19"/>
+    <p:sldId id="276" r:id="rId6"/>
+    <p:sldId id="259" r:id="rId7"/>
+    <p:sldId id="269" r:id="rId8"/>
+    <p:sldId id="270" r:id="rId9"/>
+    <p:sldId id="271" r:id="rId10"/>
+    <p:sldId id="261" r:id="rId11"/>
+    <p:sldId id="262" r:id="rId12"/>
+    <p:sldId id="265" r:id="rId13"/>
+    <p:sldId id="267" r:id="rId14"/>
+    <p:sldId id="275" r:id="rId15"/>
+    <p:sldId id="277" r:id="rId16"/>
+    <p:sldId id="278" r:id="rId17"/>
+    <p:sldId id="279" r:id="rId18"/>
+    <p:sldId id="266" r:id="rId19"/>
+    <p:sldId id="272" r:id="rId20"/>
   </p:sldIdLst>
   <p:sldSz cx="12192000" cy="6858000"/>
   <p:notesSz cx="6858000" cy="9144000"/>
@@ -145,18 +146,18 @@
           <inkml:channelProperty channel="F" name="resolution" value="0" units="1/dev"/>
         </inkml:channelProperties>
       </inkml:inkSource>
-      <inkml:timestamp xml:id="ts0" timeString="2023-07-09T20:46:00.602"/>
+      <inkml:timestamp xml:id="ts0" timeString="2023-07-09T20:54:18.144"/>
     </inkml:context>
     <inkml:brush xml:id="br0">
       <inkml:brushProperty name="width" value="0.05" units="cm"/>
       <inkml:brushProperty name="height" value="0.05" units="cm"/>
     </inkml:brush>
   </inkml:definitions>
-  <inkml:trace contextRef="#ctx0" brushRef="#br0">590 921 24575,'0'-14'0,"1"1"0,1-1 0,0 1 0,0 0 0,2 0 0,-1 0 0,2 0 0,0 1 0,0-1 0,1 1 0,1 1 0,0-1 0,1 1 0,12-15 0,52-67 0,5 3 0,3 4 0,168-138 0,-211 192 0,-25 21 0,0 1 0,1 0 0,0 1 0,0 1 0,19-9 0,-22 13 0,14-7 0,1 1 0,0 1 0,51-11 0,149-32 0,-194 45 0,2 1 0,-1 2 0,0 1 0,1 1 0,0 2 0,-1 1 0,1 2 0,-1 1 0,1 2 0,-2 1 0,46 15 0,0 3 0,-45-17 0,0 2 0,-1 2 0,0 1 0,43 25 0,-34-13 0,-1 1 0,-1 2 0,-2 1 0,-1 2 0,55 64 0,-28-13 0,57 101 0,38 99 0,-113-200 0,-22-40 0,-3 1 0,-2 1 0,-1 0 0,-3 2 0,-1-1 0,-3 1 0,-1 1 0,-3-1 0,0 58 0,-3 5 0,-14 124 0,7-187 0,-3 0 0,-2 0 0,-1-1 0,-3 0 0,-26 58 0,5-34 0,-2-1 0,-4-2 0,-3-2 0,-85 96 0,114-142 0,-12 14 0,0-1 0,-2-2 0,-1-1 0,-1-1 0,-52 34 0,29-32 0,-1-1 0,-1-3 0,-1-3 0,-1-2 0,-1-3 0,-87 15 0,59-20 0,0-4 0,-1-3 0,-170-13 0,184-1 0,1-4 0,-119-35 0,84 12 0,-107-52 0,113 39 0,3-4 0,1-5 0,4-4 0,-97-82 0,161 117 0,0-2 0,3 0 0,0-2 0,-33-49 0,43 55 0,-1 0 0,-24-47 0,37 62 0,1-1 0,0 0 0,0 0 0,1-1 0,1 1 0,0-1 0,0 1 0,0-13 0,2 20 0,3-238 0,0 218 0,1 0 0,2 1 0,14-40 0,-10 32 0,8-38 0,-12 34 0,2 0 0,1 1 0,2 1 0,1 0 0,22-43 0,4-2 0,17-32 0,-35 72 0,-3-1 0,20-61 0,8-18 0,39-55 0,-81 167 0,0 0 0,1 0 0,0 0 0,0 1 0,0 0 0,1-1 0,0 2 0,0-1 0,0 0 0,0 1 0,1 0 0,6-3 0,11-6 0,45-18 0,-37 18 0,-20 9-170,0 1-1,0 0 0,1 1 1,-1 0-1,1 0 0,-1 1 1,13 1-1,-4 0-6655</inkml:trace>
+  <inkml:trace contextRef="#ctx0" brushRef="#br0">1 0 24575</inkml:trace>
 </inkml:ink>
 </file>
 
-<file path=ppt/ink/ink10.xml><?xml version="1.0" encoding="utf-8"?>
+<file path=ppt/ink/ink2.xml><?xml version="1.0" encoding="utf-8"?>
 <inkml:ink xmlns:inkml="http://www.w3.org/2003/InkML">
   <inkml:definitions>
     <inkml:context xml:id="ctx0">
@@ -184,389 +185,6 @@
 </inkml:ink>
 </file>
 
-<file path=ppt/ink/ink11.xml><?xml version="1.0" encoding="utf-8"?>
-<inkml:ink xmlns:inkml="http://www.w3.org/2003/InkML">
-  <inkml:definitions>
-    <inkml:context xml:id="ctx0">
-      <inkml:inkSource xml:id="inkSrc0">
-        <inkml:traceFormat>
-          <inkml:channel name="X" type="integer" min="-2.14748E9" max="2.14748E9" units="cm"/>
-          <inkml:channel name="Y" type="integer" min="-2.14748E9" max="2.14748E9" units="cm"/>
-          <inkml:channel name="F" type="integer" max="32767" units="dev"/>
-        </inkml:traceFormat>
-        <inkml:channelProperties>
-          <inkml:channelProperty channel="X" name="resolution" value="1000" units="1/cm"/>
-          <inkml:channelProperty channel="Y" name="resolution" value="1000" units="1/cm"/>
-          <inkml:channelProperty channel="F" name="resolution" value="0" units="1/dev"/>
-        </inkml:channelProperties>
-      </inkml:inkSource>
-      <inkml:timestamp xml:id="ts0" timeString="2023-07-09T20:46:29.643"/>
-    </inkml:context>
-    <inkml:brush xml:id="br0">
-      <inkml:brushProperty name="width" value="0.05" units="cm"/>
-      <inkml:brushProperty name="height" value="0.05" units="cm"/>
-    </inkml:brush>
-  </inkml:definitions>
-  <inkml:trace contextRef="#ctx0" brushRef="#br0">6840 733 24575,'0'-36'0,"-1"-1"0,-2 0 0,-1 1 0,-13-51 0,3 47 0,-22-49 0,8 24 0,13 31 0,-1 1 0,-2 1 0,-1 1 0,-35-43 0,46 65 0,0 1 0,0-1 0,-1 2 0,0-1 0,0 2 0,-1-1 0,0 1 0,0 0 0,0 1 0,-1 0 0,0 1 0,0 0 0,0 1 0,0 0 0,-13-1 0,-19-1 0,1 2 0,-79 5 0,39 0 0,-2-3 0,-91 3 0,132 5 0,1 1 0,0 2 0,-56 22 0,84-27 0,-223 69 0,201-64 0,-1-1 0,-63 7 0,-78-3 0,-537-7 0,399-9 0,-86 34 0,177-8 0,-809-3 0,669-23 0,317 5 0,1 2 0,-75 15 0,-92 34 0,149-35 0,-386 80 0,359-82 0,33-5 0,-96 5 0,-9-5 0,-36 1 0,85-14 0,-125 4 0,238-2 0,0 0 0,1 0 0,-1 0 0,0 1 0,0-1 0,0 0 0,1 1 0,-1 0 0,0-1 0,1 1 0,-1 0 0,0 0 0,1 0 0,-1 0 0,1 0 0,-1 0 0,1 1 0,0-1 0,-1 0 0,1 1 0,-1 1 0,1 0 0,0-1 0,0 0 0,0 1 0,1-1 0,-1 1 0,1-1 0,0 1 0,0-1 0,0 1 0,0-1 0,0 1 0,1-1 0,-1 1 0,1 2 0,4 9 0,0 1 0,1-1 0,1 0 0,9 16 0,-10-20 0,36 67 0,3-1 0,3-3 0,3-2 0,3-3 0,69 67 0,-121-133 0,136 125 0,-109-104 0,1-1 0,1-1 0,36 18 0,170 85 0,-189-97 0,26 12 0,-40-25 0,0-2 0,1-1 0,71 12 0,-48-16 0,103 0 0,-101-8 0,-1-3 0,114-21 0,355-116 0,-278 70 0,107 2 0,-259 54 0,4 0 0,0 5 0,1 4 0,199 15 0,-87 9 0,254 33 0,-254-21 0,1-9 0,222-7 0,-388-16 0,-1-2 0,92-21 0,93-38 0,-116 28 0,1295-297 0,-1388 327 0,174-25 0,-194 29 0,1 0 0,-1-1 0,1 1 0,-1-1 0,0 0 0,0 0 0,1-1 0,-1 0 0,-1 0 0,7-4 0,-9 5 0,0 1 0,0-1 0,0 1 0,-1-1 0,1 0 0,-1 0 0,1 0 0,-1 0 0,0 0 0,1 0 0,-1 0 0,0 0 0,0 0 0,-1 0 0,1-1 0,0 1 0,-1 0 0,1-1 0,-1 1 0,0-1 0,0 1 0,0 0 0,0-1 0,0 1 0,0 0 0,-2-4 0,1 4 0,0 0 0,0 0 0,0 0 0,0 1 0,0-1 0,-1 0 0,1 1 0,-1-1 0,1 1 0,-1 0 0,0-1 0,1 1 0,-1 0 0,0 0 0,0 0 0,0 0 0,0 0 0,-3 0 0,-45-11 0,36 10 0,-82-14 0,-1 5 0,-180 3 0,271 9 0,-1-1 0,1 0 0,0-1 0,-1 0 0,1 0 0,-1 0 0,1-1 0,-7-2 0,10 3 0,0-1 0,0 0 0,1 0 0,-1-1 0,0 1 0,1-1 0,-1 1 0,1-1 0,0 0 0,0 0 0,0 0 0,0 0 0,0 0 0,1 0 0,0 0 0,-2-6 0,-6-28-1365,7 19-5461</inkml:trace>
-</inkml:ink>
-</file>
-
-<file path=ppt/ink/ink12.xml><?xml version="1.0" encoding="utf-8"?>
-<inkml:ink xmlns:inkml="http://www.w3.org/2003/InkML">
-  <inkml:definitions>
-    <inkml:context xml:id="ctx0">
-      <inkml:inkSource xml:id="inkSrc0">
-        <inkml:traceFormat>
-          <inkml:channel name="X" type="integer" min="-2.14748E9" max="2.14748E9" units="cm"/>
-          <inkml:channel name="Y" type="integer" min="-2.14748E9" max="2.14748E9" units="cm"/>
-          <inkml:channel name="F" type="integer" max="32767" units="dev"/>
-        </inkml:traceFormat>
-        <inkml:channelProperties>
-          <inkml:channelProperty channel="X" name="resolution" value="1000" units="1/cm"/>
-          <inkml:channelProperty channel="Y" name="resolution" value="1000" units="1/cm"/>
-          <inkml:channelProperty channel="F" name="resolution" value="0" units="1/dev"/>
-        </inkml:channelProperties>
-      </inkml:inkSource>
-      <inkml:timestamp xml:id="ts0" timeString="2023-07-09T20:46:42.357"/>
-    </inkml:context>
-    <inkml:brush xml:id="br0">
-      <inkml:brushProperty name="width" value="0.05" units="cm"/>
-      <inkml:brushProperty name="height" value="0.05" units="cm"/>
-    </inkml:brush>
-  </inkml:definitions>
-  <inkml:trace contextRef="#ctx0" brushRef="#br0">3935 1131 24575,'0'-32'0,"1"0"0,-2-1 0,0 0 0,-13-59 0,-1 31 0,-22-103 0,32 114 0,2 1 0,2-1 0,7-60 0,-4 100 0,1 0 0,0 0 0,1 1 0,0-1 0,0 1 0,1 0 0,0 0 0,1 0 0,7-7 0,12-24 0,-13 23 0,-1 0 0,23-24 0,5-7 0,-33 41 0,0 0 0,1 0 0,0 1 0,0 0 0,0 1 0,0-1 0,1 1 0,0 0 0,0 1 0,1 0 0,14-5 0,10-1 0,60-10 0,-71 15 0,-12 3 0,81-16 0,1 3 0,152-5 0,-191 22 0,0 3 0,-1 2 0,0 2 0,0 2 0,78 29 0,-99-31 0,-21-7 0,0 1 0,0 0 0,16 8 0,-23-9 0,0 0 0,0 0 0,0 0 0,0 0 0,-1 0 0,1 1 0,-1-1 0,1 1 0,-1 0 0,0 0 0,0 0 0,0 0 0,0 0 0,-1 0 0,2 4 0,1 6 0,-1 1 0,0-1 0,-1 0 0,0 1 0,-2 0 0,0 13 0,1 10 0,50 771 44,59 6-586,24-201 418,-80-418 136,90 214 1,-107-310 286,30 132-1,-57-193-298,-2 0 0,-1 0 0,-2 1 0,-1 43 0,-3-31 0,0 38 0,-2-80 0,0 0 0,0 0 0,-1 0 0,0 0 0,-1 0 0,0 0 0,-6 11 0,-103 174 0,28-53 0,-51 93 0,-49 58 0,154-251 0,-2-2 0,-2-1 0,-46 39 0,22-30 0,-3-2 0,-1-3 0,-2-3 0,-107 47 0,142-74 0,-1-1 0,-1-2 0,-32 6 0,31-8 0,1 1 0,-56 22 0,67-22 0,-1 0 0,0-2 0,0 0 0,-1-2 0,0 0 0,-25 1 0,-136-5 0,92-2 0,11 3 0,23 0 0,0-2 0,-94-14 0,111 8 0,-290-45 0,128 27 0,73-7 0,19 4 0,72 20 0,-1 1 0,1-1 0,-64-24 0,68 20 0,0 2 0,-2 1 0,-65-7 0,99 16 0,-49-10 0,40 7 0,1 1 0,0 0 0,-1 0 0,0 1 0,1 0 0,-1 1 0,0 1 0,1-1 0,-1 2 0,-11 2 0,-15 3 0,-1-1 0,-1-2 0,1-1 0,0-2 0,-42-5 0,-14 2 0,53 0 0,-57-11 0,25 3 0,-90-13 0,118 17 0,0-2 0,-53-16 0,80 17 0,1-1 0,0-1 0,0-1 0,-30-23 0,-1 0 0,-150-103 0,94 61 0,66 48 0,1-2 0,-42-42 0,60 51 0,1-1 0,0 0 0,2-2 0,0 0 0,-14-28 0,-10-31 0,-18-36 0,-92-139 0,102 179 0,-46-101 0,28 50 0,32 58 0,-40-124 0,73 190 0,-6-21 0,2 0 0,1 0 0,2-1 0,0 1 0,1-1 0,5-40 0,-1-4 0,-2 43 0,2 0 0,1 0 0,1 0 0,2 0 0,1 1 0,0 0 0,2 1 0,2 0 0,22-40 0,2-13 0,-24 49 0,19-32 0,84-159 0,-22 43 0,-20 46 0,155-311 0,-222 429 0,-1-1 0,0 0 0,-1 0 0,-1 0 0,2-26 0,-4-77 0,0-6 0,37-151 0,-35 212 0,-3 47 0,1 0 0,0 1 0,7-29 0,-7 39 0,1 0 0,0 0 0,0 0 0,0 0 0,1 1 0,-1-1 0,1 0 0,0 1 0,1 0 0,-1 0 0,1 0 0,0 0 0,0 1 0,0-1 0,6-3 0,78-49 0,111-51 0,-190 103 0,0 1 0,0 0 0,1 1 0,-1 0 0,1 0 0,17 0 0,59 6 0,-73-2 0,-1 1 0,0 1 0,0 0 0,-1 1 0,1 0 0,-1 0 0,0 2 0,0-1 0,-1 1 0,18 15 0,-23-17 0,-1 1 0,1-1 0,-1 1 0,-1 0 0,1 0 0,4 10 0,-6-10 0,1-1 0,-1 1 0,1-1 0,0 0 0,1 0 0,-1-1 0,1 1 0,0-1 0,0 0 0,9 7 0,5 1 0,2-2 0,-1 0 0,1-1 0,31 8 0,87 17 0,-12-4 0,26 13 0,-122-38 0,1-1 0,-1-1 0,1-2 0,49-4 0,-7 1 0,-11 2 0,41 0 0,113-15 0,-105 6 0,166 7 0,-133 4 0,-45 0 0,107-5 0,-142-8 0,-47 7 0,1 1 0,25-2 0,26 5-1365,-48 0-5461</inkml:trace>
-</inkml:ink>
-</file>
-
-<file path=ppt/ink/ink13.xml><?xml version="1.0" encoding="utf-8"?>
-<inkml:ink xmlns:inkml="http://www.w3.org/2003/InkML">
-  <inkml:definitions>
-    <inkml:context xml:id="ctx0">
-      <inkml:inkSource xml:id="inkSrc0">
-        <inkml:traceFormat>
-          <inkml:channel name="X" type="integer" min="-2.14748E9" max="2.14748E9" units="cm"/>
-          <inkml:channel name="Y" type="integer" min="-2.14748E9" max="2.14748E9" units="cm"/>
-          <inkml:channel name="F" type="integer" max="32767" units="dev"/>
-        </inkml:traceFormat>
-        <inkml:channelProperties>
-          <inkml:channelProperty channel="X" name="resolution" value="1000" units="1/cm"/>
-          <inkml:channelProperty channel="Y" name="resolution" value="1000" units="1/cm"/>
-          <inkml:channelProperty channel="F" name="resolution" value="0" units="1/dev"/>
-        </inkml:channelProperties>
-      </inkml:inkSource>
-      <inkml:timestamp xml:id="ts0" timeString="2023-07-09T20:46:47.686"/>
-    </inkml:context>
-    <inkml:brush xml:id="br0">
-      <inkml:brushProperty name="width" value="0.05" units="cm"/>
-      <inkml:brushProperty name="height" value="0.05" units="cm"/>
-    </inkml:brush>
-  </inkml:definitions>
-  <inkml:trace contextRef="#ctx0" brushRef="#br0">0 1 24575,'0'0'-8191</inkml:trace>
-</inkml:ink>
-</file>
-
-<file path=ppt/ink/ink14.xml><?xml version="1.0" encoding="utf-8"?>
-<inkml:ink xmlns:inkml="http://www.w3.org/2003/InkML">
-  <inkml:definitions>
-    <inkml:context xml:id="ctx0">
-      <inkml:inkSource xml:id="inkSrc0">
-        <inkml:traceFormat>
-          <inkml:channel name="X" type="integer" min="-2.14748E9" max="2.14748E9" units="cm"/>
-          <inkml:channel name="Y" type="integer" min="-2.14748E9" max="2.14748E9" units="cm"/>
-          <inkml:channel name="F" type="integer" max="32767" units="dev"/>
-        </inkml:traceFormat>
-        <inkml:channelProperties>
-          <inkml:channelProperty channel="X" name="resolution" value="1000" units="1/cm"/>
-          <inkml:channelProperty channel="Y" name="resolution" value="1000" units="1/cm"/>
-          <inkml:channelProperty channel="F" name="resolution" value="0" units="1/dev"/>
-        </inkml:channelProperties>
-      </inkml:inkSource>
-      <inkml:timestamp xml:id="ts0" timeString="2023-07-09T20:52:50.339"/>
-    </inkml:context>
-    <inkml:brush xml:id="br0">
-      <inkml:brushProperty name="width" value="0.05" units="cm"/>
-      <inkml:brushProperty name="height" value="0.05" units="cm"/>
-      <inkml:brushProperty name="color" value="#E71224"/>
-    </inkml:brush>
-  </inkml:definitions>
-  <inkml:trace contextRef="#ctx0" brushRef="#br0">1 1 24575,'7'6'0,"1"-1"0,0 1 0,1-1 0,0-1 0,-1 1 0,14 3 0,-7-2 0,100 38 0,-64-25 0,0 1 0,70 40 0,-86-40 0,-8-4 0,29 22 0,81 60 0,12-10 0,-112-64 0,26 15 0,-2 3 0,107 96 0,-102-70 0,-32-30 0,2-2 0,1-2 0,72 50 0,156 95 0,-102-69 0,-133-92 0,2-1 0,0-2 0,39 12 0,27 13 0,126 47 0,-83-36 0,272 118 0,-294-118 0,-1-1 0,132 76 0,-51-11 0,298 198 0,-464-288 0,228 160 0,-121-102 0,228 101 0,-284-152 5,2-4 0,128 25-1,183 10-131,-150-27-452,55 20 544,-4 13 0,-3 14 1,486 204-1,-757-277 118,0 1 0,-1 1 0,-1 1 1,0 1-1,-1 1 0,-1 0 0,0 2 0,-1 0 0,27 32 0,152 230-83,-130-175 0,97 112 0,-75-109 0,-32-36 0,109 102 0,121 68 0,-122-89 0,14 12 0,-43-49 0,82 62 0,239 129 0,-310-210 0,-134-86 0,-10-7 0,1 0 0,-1 0 0,0 0 0,1 0 0,-1-1 0,1 0 0,0 0 0,-1 0 0,9 1 0,-1 0 0,0 0 0,-1 1 0,1 0 0,-1 0 0,0 1 0,-1 1 0,1 0 0,-1 0 0,16 14 0,-5-5 0,60 40 0,127 64 0,-24-18 0,-173-94 39,-1 0 0,20 17 0,-21-16-410,0-1 1,1 1-1,15 7 1,-12-9-6456</inkml:trace>
-</inkml:ink>
-</file>
-
-<file path=ppt/ink/ink15.xml><?xml version="1.0" encoding="utf-8"?>
-<inkml:ink xmlns:inkml="http://www.w3.org/2003/InkML">
-  <inkml:definitions>
-    <inkml:context xml:id="ctx0">
-      <inkml:inkSource xml:id="inkSrc0">
-        <inkml:traceFormat>
-          <inkml:channel name="X" type="integer" min="-2.14748E9" max="2.14748E9" units="cm"/>
-          <inkml:channel name="Y" type="integer" min="-2.14748E9" max="2.14748E9" units="cm"/>
-          <inkml:channel name="F" type="integer" max="32767" units="dev"/>
-        </inkml:traceFormat>
-        <inkml:channelProperties>
-          <inkml:channelProperty channel="X" name="resolution" value="1000" units="1/cm"/>
-          <inkml:channelProperty channel="Y" name="resolution" value="1000" units="1/cm"/>
-          <inkml:channelProperty channel="F" name="resolution" value="0" units="1/dev"/>
-        </inkml:channelProperties>
-      </inkml:inkSource>
-      <inkml:timestamp xml:id="ts0" timeString="2023-07-09T20:52:51.717"/>
-    </inkml:context>
-    <inkml:brush xml:id="br0">
-      <inkml:brushProperty name="width" value="0.05" units="cm"/>
-      <inkml:brushProperty name="height" value="0.05" units="cm"/>
-      <inkml:brushProperty name="color" value="#E71224"/>
-    </inkml:brush>
-  </inkml:definitions>
-  <inkml:trace contextRef="#ctx0" brushRef="#br0">501 1168 24575,'-2'-33'0,"-2"0"0,-1 0 0,-17-58 0,11 45 0,2 20 0,0 1 0,-2-1 0,-24-41 0,6 14 0,-19-66 0,31 74 0,-22-42 0,15 40 0,-80-165 0,82 163 0,-53-83 0,51 99-1365,13 22-5461</inkml:trace>
-</inkml:ink>
-</file>
-
-<file path=ppt/ink/ink16.xml><?xml version="1.0" encoding="utf-8"?>
-<inkml:ink xmlns:inkml="http://www.w3.org/2003/InkML">
-  <inkml:definitions>
-    <inkml:context xml:id="ctx0">
-      <inkml:inkSource xml:id="inkSrc0">
-        <inkml:traceFormat>
-          <inkml:channel name="X" type="integer" min="-2.14748E9" max="2.14748E9" units="cm"/>
-          <inkml:channel name="Y" type="integer" min="-2.14748E9" max="2.14748E9" units="cm"/>
-          <inkml:channel name="F" type="integer" max="32767" units="dev"/>
-        </inkml:traceFormat>
-        <inkml:channelProperties>
-          <inkml:channelProperty channel="X" name="resolution" value="1000" units="1/cm"/>
-          <inkml:channelProperty channel="Y" name="resolution" value="1000" units="1/cm"/>
-          <inkml:channelProperty channel="F" name="resolution" value="0" units="1/dev"/>
-        </inkml:channelProperties>
-      </inkml:inkSource>
-      <inkml:timestamp xml:id="ts0" timeString="2023-07-09T20:52:53.123"/>
-    </inkml:context>
-    <inkml:brush xml:id="br0">
-      <inkml:brushProperty name="width" value="0.05" units="cm"/>
-      <inkml:brushProperty name="height" value="0.05" units="cm"/>
-      <inkml:brushProperty name="color" value="#E71224"/>
-    </inkml:brush>
-  </inkml:definitions>
-  <inkml:trace contextRef="#ctx0" brushRef="#br0">2163 1 24575,'-615'0'0,"561"3"0,1 3 0,0 2 0,-92 27 0,26-14 0,12-3 0,-60 11 0,27-6 0,31 1 0,-2-6 0,-223 9 0,199-28-1365,114 1-5461</inkml:trace>
-</inkml:ink>
-</file>
-
-<file path=ppt/ink/ink2.xml><?xml version="1.0" encoding="utf-8"?>
-<inkml:ink xmlns:inkml="http://www.w3.org/2003/InkML">
-  <inkml:definitions>
-    <inkml:context xml:id="ctx0">
-      <inkml:inkSource xml:id="inkSrc0">
-        <inkml:traceFormat>
-          <inkml:channel name="X" type="integer" min="-2.14748E9" max="2.14748E9" units="cm"/>
-          <inkml:channel name="Y" type="integer" min="-2.14748E9" max="2.14748E9" units="cm"/>
-          <inkml:channel name="F" type="integer" max="32767" units="dev"/>
-        </inkml:traceFormat>
-        <inkml:channelProperties>
-          <inkml:channelProperty channel="X" name="resolution" value="1000" units="1/cm"/>
-          <inkml:channelProperty channel="Y" name="resolution" value="1000" units="1/cm"/>
-          <inkml:channelProperty channel="F" name="resolution" value="0" units="1/dev"/>
-        </inkml:channelProperties>
-      </inkml:inkSource>
-      <inkml:timestamp xml:id="ts0" timeString="2023-07-09T20:46:05.748"/>
-    </inkml:context>
-    <inkml:brush xml:id="br0">
-      <inkml:brushProperty name="width" value="0.05" units="cm"/>
-      <inkml:brushProperty name="height" value="0.05" units="cm"/>
-    </inkml:brush>
-  </inkml:definitions>
-  <inkml:trace contextRef="#ctx0" brushRef="#br0">652 358 24575,'2'-3'0,"0"-1"0,-1 1 0,2-1 0,-1 1 0,0 0 0,1 0 0,-1 0 0,1 0 0,0 0 0,0 1 0,0-1 0,1 1 0,5-4 0,42-19 0,1 2 0,62-18 0,-106 38 0,177-52 0,-94 30 0,314-68 0,-266 64 0,-76 20 0,1 3 0,0 2 0,88 7 0,-34-1 0,176 6 0,-238-3 0,0 3 0,-1 2 0,65 20 0,-36-7 0,0-4 0,2-4 0,144 7 0,84 2 0,-260-18 0,64 16 0,-12-1 0,-76-14 0,0 1 0,46 19 0,-38-13 0,-33-12 0,1 1 0,-1 1 0,0-1 0,1 1 0,-2 0 0,1 0 0,0 0 0,-1 1 0,0-1 0,0 1 0,0 0 0,0 1 0,-1-1 0,0 1 0,0-1 0,-1 1 0,1 0 0,-1 0 0,2 11 0,2 9 0,-1 1 0,-1 0 0,1 32 0,-4 157 0,-2-117 0,-2-66 0,-1 0 0,-1 0 0,-2-1 0,-15 42 0,14-46 0,1-7 0,0 0 0,-2-1 0,0 0 0,-1 0 0,-1-1 0,0-1 0,-2 1 0,0-2 0,-1 0 0,-1-1 0,0 0 0,-1-1 0,-1-1 0,0 0 0,-1-1 0,-1-1 0,0-1 0,0-1 0,-1 0 0,0-2 0,-31 9 0,-18 0 0,0-4 0,0-3 0,-79 2 0,-218-11 0,326-2 0,-16-3 0,0-2 0,0-2 0,-62-19 0,104 22 0,1 0 0,0 0 0,0-2 0,-22-13 0,-22-11 0,-51-20 0,-74-30 0,146 68 0,0 1 0,-1 1 0,-44-6 0,-3 1 0,-121-39 0,165 45 0,-81-9 0,28 6 0,-186-47 0,218 42 0,1-2 0,-88-43 0,24 2 0,-308-165 0,349 179 0,20 12 0,-113-81 0,149 96 0,21 17 0,0-1 0,0 0 0,0 0 0,1-1 0,0 1 0,0-1 0,0 0 0,0 0 0,1-1 0,-6-9 0,10 15 0,-1-1 0,1 0 0,0 0 0,0 1 0,-1-1 0,1 0 0,0 1 0,0-1 0,0 0 0,0 0 0,0 0 0,0 1 0,0-1 0,0 0 0,1 0 0,-1 1 0,0-1 0,0 0 0,0 1 0,1-1 0,-1 0 0,1 1 0,-1-1 0,0 0 0,1 1 0,0-2 0,22-9 0,31 5 0,-50 5 0,22 0 0,0 0 0,0 2 0,0 1 0,-1 1 0,1 1 0,-1 1 0,48 16 0,-49-12 22,0-2-1,0-1 0,0-1 1,39 4-1,98-5-1122,-144-4 730,3-1-6455</inkml:trace>
-</inkml:ink>
-</file>
-
-<file path=ppt/ink/ink3.xml><?xml version="1.0" encoding="utf-8"?>
-<inkml:ink xmlns:inkml="http://www.w3.org/2003/InkML">
-  <inkml:definitions>
-    <inkml:context xml:id="ctx0">
-      <inkml:inkSource xml:id="inkSrc0">
-        <inkml:traceFormat>
-          <inkml:channel name="X" type="integer" min="-2.14748E9" max="2.14748E9" units="cm"/>
-          <inkml:channel name="Y" type="integer" min="-2.14748E9" max="2.14748E9" units="cm"/>
-          <inkml:channel name="F" type="integer" max="32767" units="dev"/>
-        </inkml:traceFormat>
-        <inkml:channelProperties>
-          <inkml:channelProperty channel="X" name="resolution" value="1000" units="1/cm"/>
-          <inkml:channelProperty channel="Y" name="resolution" value="1000" units="1/cm"/>
-          <inkml:channelProperty channel="F" name="resolution" value="0" units="1/dev"/>
-        </inkml:channelProperties>
-      </inkml:inkSource>
-      <inkml:timestamp xml:id="ts0" timeString="2023-07-09T20:47:11.313"/>
-    </inkml:context>
-    <inkml:brush xml:id="br0">
-      <inkml:brushProperty name="width" value="0.05" units="cm"/>
-      <inkml:brushProperty name="height" value="0.05" units="cm"/>
-    </inkml:brush>
-  </inkml:definitions>
-  <inkml:trace contextRef="#ctx0" brushRef="#br0">0 0 24575,'0'0'-8191</inkml:trace>
-</inkml:ink>
-</file>
-
-<file path=ppt/ink/ink4.xml><?xml version="1.0" encoding="utf-8"?>
-<inkml:ink xmlns:inkml="http://www.w3.org/2003/InkML">
-  <inkml:definitions>
-    <inkml:context xml:id="ctx0">
-      <inkml:inkSource xml:id="inkSrc0">
-        <inkml:traceFormat>
-          <inkml:channel name="X" type="integer" min="-2.14748E9" max="2.14748E9" units="cm"/>
-          <inkml:channel name="Y" type="integer" min="-2.14748E9" max="2.14748E9" units="cm"/>
-          <inkml:channel name="F" type="integer" max="32767" units="dev"/>
-        </inkml:traceFormat>
-        <inkml:channelProperties>
-          <inkml:channelProperty channel="X" name="resolution" value="1000" units="1/cm"/>
-          <inkml:channelProperty channel="Y" name="resolution" value="1000" units="1/cm"/>
-          <inkml:channelProperty channel="F" name="resolution" value="0" units="1/dev"/>
-        </inkml:channelProperties>
-      </inkml:inkSource>
-      <inkml:timestamp xml:id="ts0" timeString="2023-07-09T20:47:13.212"/>
-    </inkml:context>
-    <inkml:brush xml:id="br0">
-      <inkml:brushProperty name="width" value="0.05" units="cm"/>
-      <inkml:brushProperty name="height" value="0.05" units="cm"/>
-    </inkml:brush>
-  </inkml:definitions>
-  <inkml:trace contextRef="#ctx0" brushRef="#br0">0 0 24575,'0'0'-8191</inkml:trace>
-</inkml:ink>
-</file>
-
-<file path=ppt/ink/ink5.xml><?xml version="1.0" encoding="utf-8"?>
-<inkml:ink xmlns:inkml="http://www.w3.org/2003/InkML">
-  <inkml:definitions>
-    <inkml:context xml:id="ctx0">
-      <inkml:inkSource xml:id="inkSrc0">
-        <inkml:traceFormat>
-          <inkml:channel name="X" type="integer" min="-2.14748E9" max="2.14748E9" units="cm"/>
-          <inkml:channel name="Y" type="integer" min="-2.14748E9" max="2.14748E9" units="cm"/>
-          <inkml:channel name="F" type="integer" max="32767" units="dev"/>
-        </inkml:traceFormat>
-        <inkml:channelProperties>
-          <inkml:channelProperty channel="X" name="resolution" value="1000" units="1/cm"/>
-          <inkml:channelProperty channel="Y" name="resolution" value="1000" units="1/cm"/>
-          <inkml:channelProperty channel="F" name="resolution" value="0" units="1/dev"/>
-        </inkml:channelProperties>
-      </inkml:inkSource>
-      <inkml:timestamp xml:id="ts0" timeString="2023-07-09T20:46:15.716"/>
-    </inkml:context>
-    <inkml:brush xml:id="br0">
-      <inkml:brushProperty name="width" value="0.05" units="cm"/>
-      <inkml:brushProperty name="height" value="0.05" units="cm"/>
-    </inkml:brush>
-  </inkml:definitions>
-  <inkml:trace contextRef="#ctx0" brushRef="#br0">1179 941 24575,'-1'-68'0,"3"-76"0,-1 138 0,0-1 0,0 1 0,1 0 0,0 0 0,1 0 0,-1 0 0,1 0 0,0 1 0,0-1 0,1 1 0,6-8 0,7-5 0,31-28 0,-18 18 0,-13 12 0,24-26 0,2 1 0,2 3 0,1 2 0,60-36 0,-24 31 0,2 4 0,114-34 0,-190 68 0,43-15 0,-18 5 0,1 2 0,0 2 0,61-10 0,94-14 0,-3 1 0,-104 19 0,-60 8 0,-1 2 0,1 0 0,0 1 0,0 1 0,0 1 0,22 3 0,168 46 0,-142-30 0,-44-13 0,-1 1 0,1 1 0,-1 1 0,-1 1 0,25 14 0,-9 1 0,-3-4 0,-2 2 0,0 1 0,56 52 0,-40-20 0,-2 2 0,-2 2 0,-3 2 0,65 124 0,-52-69 0,-6 2 0,37 128 0,-37-45 0,-16-56 0,-18-85 0,-3 0 0,8 76 0,-20-88 0,-2 1 0,-3-1 0,-1 1 0,-19 82 0,-2-31 0,-46 115 0,62-195 0,-1 0 0,-1-1 0,-1 0 0,-1 0 0,0-2 0,-1 0 0,-30 30 0,-8 0 0,-70 49 0,74-64 0,-2-2 0,-62 28 0,64-36 0,2 2 0,1 2 0,-51 39 0,-107 77 0,121-89 0,57-39 0,-1 0 0,0-2 0,0 0 0,-2-2 0,1-1 0,-1-2 0,-1 0 0,1-2 0,-40 4 0,6-3 0,-119 10 0,155-16 0,-1-2 0,1-1 0,0-1 0,-49-11 0,-89-35 0,150 43 0,0-1 0,1 0 0,0-1 0,1 0 0,-1-1 0,2 0 0,-12-12 0,-19-13 0,-17-13 0,-93-94 0,135 127 0,0 0 0,-1 1 0,-1 0 0,-25-11 0,0-2 0,-272-145 0,295 162 0,0 1 0,-1 1 0,0 1 0,0 0 0,0 2 0,-37-2 0,-2-4 0,41 6 0,0 0 0,-20 1 0,-146 4 0,-77-3 0,239 0 0,-1-1 0,1-1 0,-1-2 0,1 0 0,1-2 0,-1 0 0,1-2 0,1-1 0,0 0 0,0-2 0,1 0 0,1-1 0,0-2 0,-17-17 0,37 33 0,-21-19 0,-23-27 0,38 38 0,0 0 0,0-1 0,1 1 0,0-1 0,1 0 0,0 0 0,-3-12 0,-9-29 0,8 28 0,0-1 0,2 1 0,1-2 0,1 1 0,-1-31 0,5 15 0,3 1 0,1-1 0,2 1 0,1 0 0,2 0 0,2 1 0,15-36 0,-3 21 0,2 0 0,2 2 0,2 2 0,42-54 0,124-117 0,-109 129 0,-24 21 0,-3-3 0,63-99 0,63-115 0,-175 268 0,1 1 0,1 0 0,1 1 0,0 0 0,24-21 0,-33 33 0,1 1 0,-1-1 0,1 1 0,0 0 0,0 0 0,0 0 0,0 1 0,0 0 0,1 0 0,-1 0 0,1 1 0,0-1 0,-1 1 0,1 1 0,0-1 0,0 1 0,-1 0 0,1 0 0,0 1 0,0 0 0,-1 0 0,1 0 0,-1 1 0,7 1 0,-7 0 8,0 0-1,0 1 0,-1-1 1,1 1-1,-1 0 0,1 0 1,-1 0-1,-1 1 0,1-1 1,3 6-1,16 17-1453,-10-14-5380</inkml:trace>
-</inkml:ink>
-</file>
-
-<file path=ppt/ink/ink6.xml><?xml version="1.0" encoding="utf-8"?>
-<inkml:ink xmlns:inkml="http://www.w3.org/2003/InkML">
-  <inkml:definitions>
-    <inkml:context xml:id="ctx0">
-      <inkml:inkSource xml:id="inkSrc0">
-        <inkml:traceFormat>
-          <inkml:channel name="X" type="integer" min="-2.14748E9" max="2.14748E9" units="cm"/>
-          <inkml:channel name="Y" type="integer" min="-2.14748E9" max="2.14748E9" units="cm"/>
-          <inkml:channel name="F" type="integer" max="32767" units="dev"/>
-        </inkml:traceFormat>
-        <inkml:channelProperties>
-          <inkml:channelProperty channel="X" name="resolution" value="1000" units="1/cm"/>
-          <inkml:channelProperty channel="Y" name="resolution" value="1000" units="1/cm"/>
-          <inkml:channelProperty channel="F" name="resolution" value="0" units="1/dev"/>
-        </inkml:channelProperties>
-      </inkml:inkSource>
-      <inkml:timestamp xml:id="ts0" timeString="2023-07-09T20:54:16.351"/>
-    </inkml:context>
-    <inkml:brush xml:id="br0">
-      <inkml:brushProperty name="width" value="0.05" units="cm"/>
-      <inkml:brushProperty name="height" value="0.05" units="cm"/>
-    </inkml:brush>
-  </inkml:definitions>
-  <inkml:trace contextRef="#ctx0" brushRef="#br0">2188 334 24575,'-1'-3'0,"-1"0"0,1 0 0,-1 1 0,0-1 0,0 1 0,0 0 0,0-1 0,0 1 0,0 0 0,-1 0 0,1 0 0,-1 1 0,1-1 0,-6-2 0,1 0 0,-228-143 0,77 56 0,144 83 0,0 0 0,0 1 0,-1 1 0,0 1 0,0 0 0,0 1 0,-1 0 0,-30-2 0,-9 3 0,-70 5 0,34 1 0,-356-3 0,439 0 0,0 1 0,0 0 0,0 0 0,1 1 0,-1 0 0,1 0 0,-1 1 0,-11 6 0,-54 36 0,40-22 0,-213 117 0,221-128 0,9-4 0,0 0 0,-1-1 0,-1-1 0,-22 6 0,-24 1 0,-129 22 0,191-35 0,0 0 0,0 0 0,0 0 0,0 0 0,0 0 0,0 1 0,0-1 0,1 1 0,-1 0 0,0 0 0,0-1 0,0 1 0,1 0 0,-1 0 0,0 1 0,1-1 0,-1 0 0,1 0 0,0 1 0,-1-1 0,1 1 0,0-1 0,0 1 0,0 0 0,0-1 0,0 1 0,0 0 0,0 0 0,1 0 0,-1-1 0,1 1 0,-1 0 0,1 0 0,0 0 0,-1 0 0,1 0 0,0 0 0,0 0 0,1 0 0,-1 0 0,0 0 0,1 0 0,-1 0 0,1 0 0,0-1 0,1 5 0,3 6 0,1 0 0,0 0 0,1-1 0,0 1 0,15 16 0,11 8 0,2-2 0,1-1 0,2-1 0,1-3 0,1-1 0,1-1 0,58 25 0,-74-40 0,1-2 0,0-1 0,0-1 0,1-1 0,51 7 0,-9-8 0,79-2 0,-125-6 0,-1 0 0,1-1 0,-1-1 0,27-8 0,87-36 0,-1 1 0,-120 41 0,1 0 0,-1-1 0,24-15 0,-23 13 0,0 0 0,28-10 0,106-38 0,-116 48 0,1 2 0,41-3 0,27-5 0,-95 12 0,1 0 0,0 0 0,-1 0 0,1-1 0,13-9 0,18-9 0,-20 15 0,37-9 0,9-3 0,-23 7 0,-36 10 0,0 1 0,0-1 0,0 0 0,0-1 0,0 0 0,0 0 0,-1 0 0,1-1 0,11-9 0,-11 6-114,0 1 1,-1-1-1,1-1 0,-2 1 0,1-1 1,-1-1-1,0 1 0,0 0 0,-1-1 1,-1 0-1,4-12 0,-2 1-6712</inkml:trace>
-</inkml:ink>
-</file>
-
-<file path=ppt/ink/ink7.xml><?xml version="1.0" encoding="utf-8"?>
-<inkml:ink xmlns:inkml="http://www.w3.org/2003/InkML">
-  <inkml:definitions>
-    <inkml:context xml:id="ctx0">
-      <inkml:inkSource xml:id="inkSrc0">
-        <inkml:traceFormat>
-          <inkml:channel name="X" type="integer" min="-2.14748E9" max="2.14748E9" units="cm"/>
-          <inkml:channel name="Y" type="integer" min="-2.14748E9" max="2.14748E9" units="cm"/>
-          <inkml:channel name="F" type="integer" max="32767" units="dev"/>
-        </inkml:traceFormat>
-        <inkml:channelProperties>
-          <inkml:channelProperty channel="X" name="resolution" value="1000" units="1/cm"/>
-          <inkml:channelProperty channel="Y" name="resolution" value="1000" units="1/cm"/>
-          <inkml:channelProperty channel="F" name="resolution" value="0" units="1/dev"/>
-        </inkml:channelProperties>
-      </inkml:inkSource>
-      <inkml:timestamp xml:id="ts0" timeString="2023-07-09T20:54:18.144"/>
-    </inkml:context>
-    <inkml:brush xml:id="br0">
-      <inkml:brushProperty name="width" value="0.05" units="cm"/>
-      <inkml:brushProperty name="height" value="0.05" units="cm"/>
-    </inkml:brush>
-  </inkml:definitions>
-  <inkml:trace contextRef="#ctx0" brushRef="#br0">1 0 24575</inkml:trace>
-</inkml:ink>
-</file>
-
-<file path=ppt/ink/ink8.xml><?xml version="1.0" encoding="utf-8"?>
-<inkml:ink xmlns:inkml="http://www.w3.org/2003/InkML">
-  <inkml:definitions>
-    <inkml:context xml:id="ctx0">
-      <inkml:inkSource xml:id="inkSrc0">
-        <inkml:traceFormat>
-          <inkml:channel name="X" type="integer" min="-2.14748E9" max="2.14748E9" units="cm"/>
-          <inkml:channel name="Y" type="integer" min="-2.14748E9" max="2.14748E9" units="cm"/>
-          <inkml:channel name="F" type="integer" max="32767" units="dev"/>
-        </inkml:traceFormat>
-        <inkml:channelProperties>
-          <inkml:channelProperty channel="X" name="resolution" value="1000" units="1/cm"/>
-          <inkml:channelProperty channel="Y" name="resolution" value="1000" units="1/cm"/>
-          <inkml:channelProperty channel="F" name="resolution" value="0" units="1/dev"/>
-        </inkml:channelProperties>
-      </inkml:inkSource>
-      <inkml:timestamp xml:id="ts0" timeString="2023-07-09T20:55:43.682"/>
-    </inkml:context>
-    <inkml:brush xml:id="br0">
-      <inkml:brushProperty name="width" value="0.05" units="cm"/>
-      <inkml:brushProperty name="height" value="0.05" units="cm"/>
-      <inkml:brushProperty name="color" value="#E71224"/>
-    </inkml:brush>
-  </inkml:definitions>
-  <inkml:trace contextRef="#ctx0" brushRef="#br0">481 1729 24575,'-2'-22'0,"-1"0"0,-1 0 0,-1 0 0,-1 0 0,-1 1 0,-1 0 0,-11-21 0,1-1 0,-56-157 0,-12-31 0,75 208 0,-19-29 0,23 40 0,-1 1 0,2-1 0,0 0 0,0-1 0,1 1 0,0-1 0,1 0 0,1-1 0,-2-13 0,-2-103 0,-5-63 0,7 149 0,-2 1 0,-18-61 0,18 79 0,-4-39 0,8 44 0,0 1 0,-2-1 0,0 1 0,-8-21 0,-29-70-1365,35 95-5461</inkml:trace>
-</inkml:ink>
-</file>
-
-<file path=ppt/ink/ink9.xml><?xml version="1.0" encoding="utf-8"?>
-<inkml:ink xmlns:inkml="http://www.w3.org/2003/InkML">
-  <inkml:definitions>
-    <inkml:context xml:id="ctx0">
-      <inkml:inkSource xml:id="inkSrc0">
-        <inkml:traceFormat>
-          <inkml:channel name="X" type="integer" min="-2.14748E9" max="2.14748E9" units="cm"/>
-          <inkml:channel name="Y" type="integer" min="-2.14748E9" max="2.14748E9" units="cm"/>
-          <inkml:channel name="F" type="integer" max="32767" units="dev"/>
-        </inkml:traceFormat>
-        <inkml:channelProperties>
-          <inkml:channelProperty channel="X" name="resolution" value="1000" units="1/cm"/>
-          <inkml:channelProperty channel="Y" name="resolution" value="1000" units="1/cm"/>
-          <inkml:channelProperty channel="F" name="resolution" value="0" units="1/dev"/>
-        </inkml:channelProperties>
-      </inkml:inkSource>
-      <inkml:timestamp xml:id="ts0" timeString="2023-07-09T20:55:46.749"/>
-    </inkml:context>
-    <inkml:brush xml:id="br0">
-      <inkml:brushProperty name="width" value="0.05" units="cm"/>
-      <inkml:brushProperty name="height" value="0.05" units="cm"/>
-      <inkml:brushProperty name="color" value="#E71224"/>
-    </inkml:brush>
-  </inkml:definitions>
-  <inkml:trace contextRef="#ctx0" brushRef="#br0">253 0 24575,'-2'38'0,"-11"61"0,2-23 0,7-57 0,0 0 0,-2 0 0,0 0 0,-1-1 0,-1 0 0,-19 31 0,11-20 0,7-12 0,-24 28 0,-4 9 0,29-39 0,-15 26 0,22-39 0,0 0 0,0 0 0,-1-1 0,1 1 0,-1 0 0,1 0 0,-1-1 0,0 1 0,0-1 0,1 0 0,-1 1 0,0-1 0,0 0 0,-4 1 0,6-2 0,-1 0 0,1 0 0,-1 0 0,1 0 0,-1 0 0,1 0 0,-1-1 0,1 1 0,-1 0 0,1 0 0,-1-1 0,1 1 0,0 0 0,-1-1 0,1 1 0,0 0 0,-1-1 0,1 1 0,0 0 0,-1-1 0,1 1 0,0-1 0,0 1 0,-1-1 0,1 1 0,0-1 0,0 1 0,0-1 0,0 1 0,0-1 0,-1 1 0,1-1 0,0 1 0,0-1 0,0 1 0,0-1 0,1 1 0,-1-1 0,0 1 0,0-1 0,0 0 0,4-29 0,-3 25 0,6-25 0,1 1 0,1-1 0,18-39 0,-14 41 0,-2-1 0,-1-1 0,8-39 0,-18 61 0,2 1 0,-1 0 0,1 0 0,0 0 0,1 0 0,0 0 0,6-12 0,-6 15 0,1 0 0,-1 1 0,1-1 0,-1 1 0,1-1 0,0 1 0,0 0 0,1 0 0,-1 1 0,0 0 0,1-1 0,6-1 0,38-14 0,-30 12 0,-1 0 0,-1-1 0,1-1 0,-1-1 0,-1 0 0,0-1 0,21-17 0,-35 25 0,1 0 0,0 0 0,0 1 0,0-1 0,0 1 0,0 0 0,0-1 0,0 1 0,0 1 0,0-1 0,1 0 0,-1 1 0,0 0 0,1-1 0,-1 1 0,0 1 0,1-1 0,-1 0 0,0 1 0,0 0 0,5 1 0,8 3 0,0 1 0,0 1 0,16 9 0,0 0 0,-8-6 0,-1 1 0,0 0 0,-1 2 0,0 1 0,0 1 0,-2 1 0,34 32 0,-42-34-341,0 0 0,0 0-1,10 19 1,-14-19-6485</inkml:trace>
-</inkml:ink>
-</file>
-
 <file path=ppt/notesMasters/notesMaster1.xml><?xml version="1.0" encoding="utf-8"?>
 <p:notesMaster xmlns:a="http://schemas.openxmlformats.org/drawingml/2006/main" xmlns:r="http://schemas.openxmlformats.org/officeDocument/2006/relationships" xmlns:p="http://schemas.openxmlformats.org/presentationml/2006/main">
   <p:cSld>
@@ -649,7 +267,7 @@
           <a:p>
             <a:fld id="{46256A78-79A6-408F-8148-4F87BB81602D}" type="datetimeFigureOut">
               <a:rPr lang="en-IN" smtClean="0"/>
-              <a:t>12-07-2023</a:t>
+              <a:t>14-07-2023</a:t>
             </a:fld>
             <a:endParaRPr lang="en-IN"/>
           </a:p>
@@ -1153,7 +771,7 @@
           <a:p>
             <a:fld id="{ED291B17-9318-49DB-B28B-6E5994AE9581}" type="datetime1">
               <a:rPr lang="en-US" smtClean="0"/>
-              <a:t>7/12/2023</a:t>
+              <a:t>7/14/2023</a:t>
             </a:fld>
             <a:endParaRPr lang="en-US"/>
           </a:p>
@@ -1362,7 +980,7 @@
           <a:p>
             <a:fld id="{2CED4963-E985-44C4-B8C4-FDD613B7C2F8}" type="datetime1">
               <a:rPr lang="en-US" smtClean="0"/>
-              <a:t>7/12/2023</a:t>
+              <a:t>7/14/2023</a:t>
             </a:fld>
             <a:endParaRPr lang="en-US"/>
           </a:p>
@@ -1730,7 +1348,7 @@
           <a:p>
             <a:fld id="{ED291B17-9318-49DB-B28B-6E5994AE9581}" type="datetime1">
               <a:rPr lang="en-US" smtClean="0"/>
-              <a:t>7/12/2023</a:t>
+              <a:t>7/14/2023</a:t>
             </a:fld>
             <a:endParaRPr lang="en-US"/>
           </a:p>
@@ -1934,7 +1552,7 @@
           <a:p>
             <a:fld id="{78DD82B9-B8EE-4375-B6FF-88FA6ABB15D9}" type="datetime1">
               <a:rPr lang="en-US" smtClean="0"/>
-              <a:t>7/12/2023</a:t>
+              <a:t>7/14/2023</a:t>
             </a:fld>
             <a:endParaRPr lang="en-US"/>
           </a:p>
@@ -2191,7 +1809,7 @@
           <a:p>
             <a:fld id="{B2497495-0637-405E-AE64-5CC7506D51F5}" type="datetime1">
               <a:rPr lang="en-US" smtClean="0"/>
-              <a:t>7/12/2023</a:t>
+              <a:t>7/14/2023</a:t>
             </a:fld>
             <a:endParaRPr lang="en-US"/>
           </a:p>
@@ -2449,7 +2067,7 @@
           <a:p>
             <a:fld id="{7BFFD690-9426-415D-8B65-26881E07B2D4}" type="datetime1">
               <a:rPr lang="en-US" smtClean="0"/>
-              <a:t>7/12/2023</a:t>
+              <a:t>7/14/2023</a:t>
             </a:fld>
             <a:endParaRPr lang="en-US"/>
           </a:p>
@@ -2876,7 +2494,7 @@
           <a:p>
             <a:fld id="{04C4989A-474C-40DE-95B9-011C28B71673}" type="datetime1">
               <a:rPr lang="en-US" smtClean="0"/>
-              <a:t>7/12/2023</a:t>
+              <a:t>7/14/2023</a:t>
             </a:fld>
             <a:endParaRPr lang="en-US"/>
           </a:p>
@@ -3006,7 +2624,7 @@
           <a:p>
             <a:fld id="{5DB4ED54-5B5E-4A04-93D3-5772E3CE3818}" type="datetime1">
               <a:rPr lang="en-US" smtClean="0"/>
-              <a:t>7/12/2023</a:t>
+              <a:t>7/14/2023</a:t>
             </a:fld>
             <a:endParaRPr lang="en-US"/>
           </a:p>
@@ -3109,7 +2727,7 @@
           <a:p>
             <a:fld id="{4EDE50D6-574B-40AF-946F-D52A04ADE379}" type="datetime1">
               <a:rPr lang="en-US" smtClean="0"/>
-              <a:t>7/12/2023</a:t>
+              <a:t>7/14/2023</a:t>
             </a:fld>
             <a:endParaRPr lang="en-US"/>
           </a:p>
@@ -3492,7 +3110,7 @@
           <a:p>
             <a:fld id="{D82884F1-FFEA-405F-9602-3DCA865EDA4E}" type="datetime1">
               <a:rPr lang="en-US" smtClean="0"/>
-              <a:t>7/12/2023</a:t>
+              <a:t>7/14/2023</a:t>
             </a:fld>
             <a:endParaRPr lang="en-US"/>
           </a:p>
@@ -3786,7 +3404,7 @@
           <a:p>
             <a:fld id="{7E18DB4A-8810-4A10-AD5C-D5E2C667F5B3}" type="datetime1">
               <a:rPr lang="en-US" smtClean="0"/>
-              <a:t>7/12/2023</a:t>
+              <a:t>7/14/2023</a:t>
             </a:fld>
             <a:endParaRPr lang="en-US"/>
           </a:p>
@@ -4007,7 +3625,7 @@
           <a:p>
             <a:fld id="{ED291B17-9318-49DB-B28B-6E5994AE9581}" type="datetime1">
               <a:rPr lang="en-US" smtClean="0"/>
-              <a:t>7/12/2023</a:t>
+              <a:t>7/14/2023</a:t>
             </a:fld>
             <a:endParaRPr lang="en-US"/>
           </a:p>
@@ -4603,83 +4221,366 @@
       </p:grpSpPr>
       <p:sp>
         <p:nvSpPr>
-          <p:cNvPr id="2" name="Title 1">
+          <p:cNvPr id="9" name="Subtitle 2">
             <a:extLst>
               <a:ext uri="{FF2B5EF4-FFF2-40B4-BE49-F238E27FC236}">
-                <a16:creationId xmlns:a16="http://schemas.microsoft.com/office/drawing/2014/main" id="{A03B2EC1-B7BF-CE7B-C9A6-7635DA95F4F6}"/>
+                <a16:creationId xmlns:a16="http://schemas.microsoft.com/office/drawing/2014/main" id="{878702B9-6750-E07F-CADF-E2B2B8AB02D4}"/>
               </a:ext>
             </a:extLst>
           </p:cNvPr>
-          <p:cNvSpPr>
-            <a:spLocks noGrp="1"/>
+          <p:cNvSpPr txBox="1">
+            <a:spLocks/>
           </p:cNvSpPr>
-          <p:nvPr>
-            <p:ph type="title"/>
-          </p:nvPr>
-        </p:nvSpPr>
-        <p:spPr/>
+          <p:nvPr/>
+        </p:nvSpPr>
+        <p:spPr>
+          <a:xfrm>
+            <a:off x="410865" y="1177633"/>
+            <a:ext cx="10993546" cy="2331079"/>
+          </a:xfrm>
+          <a:prstGeom prst="rect">
+            <a:avLst/>
+          </a:prstGeom>
+        </p:spPr>
         <p:txBody>
-          <a:bodyPr>
-            <a:normAutofit/>
+          <a:bodyPr vert="horz" lIns="91440" tIns="45720" rIns="91440" bIns="45720" rtlCol="0" anchor="ctr">
+            <a:normAutofit fontScale="85000" lnSpcReduction="20000"/>
           </a:bodyPr>
-          <a:lstStyle/>
-          <a:p>
-            <a:r>
-              <a:rPr lang="en-GB" u="sng" dirty="0">
-                <a:effectLst>
-                  <a:outerShdw blurRad="38100" dist="38100" dir="2700000" algn="tl">
-                    <a:srgbClr val="000000">
-                      <a:alpha val="43137"/>
-                    </a:srgbClr>
-                  </a:outerShdw>
-                </a:effectLst>
+          <a:lstStyle>
+            <a:lvl1pPr marL="306000" indent="-306000" algn="l" defTabSz="457200" rtl="0" eaLnBrk="1" latinLnBrk="0" hangingPunct="1">
+              <a:lnSpc>
+                <a:spcPct val="110000"/>
+              </a:lnSpc>
+              <a:spcBef>
+                <a:spcPct val="20000"/>
+              </a:spcBef>
+              <a:spcAft>
+                <a:spcPts val="600"/>
+              </a:spcAft>
+              <a:buClr>
+                <a:schemeClr val="accent1"/>
+              </a:buClr>
+              <a:buSzPct val="92000"/>
+              <a:buFont typeface="Wingdings 2" panose="05020102010507070707" pitchFamily="18" charset="2"/>
+              <a:buChar char=""/>
+              <a:defRPr sz="1700" kern="1200">
+                <a:solidFill>
+                  <a:schemeClr val="tx1">
+                    <a:lumMod val="75000"/>
+                    <a:lumOff val="25000"/>
+                  </a:schemeClr>
+                </a:solidFill>
+                <a:latin typeface="+mn-lt"/>
+                <a:ea typeface="+mn-ea"/>
+                <a:cs typeface="+mn-cs"/>
+              </a:defRPr>
+            </a:lvl1pPr>
+            <a:lvl2pPr marL="630000" indent="-306000" algn="l" defTabSz="457200" rtl="0" eaLnBrk="1" latinLnBrk="0" hangingPunct="1">
+              <a:spcBef>
+                <a:spcPct val="20000"/>
+              </a:spcBef>
+              <a:spcAft>
+                <a:spcPts val="600"/>
+              </a:spcAft>
+              <a:buClr>
+                <a:schemeClr val="accent1"/>
+              </a:buClr>
+              <a:buSzPct val="92000"/>
+              <a:buFont typeface="Wingdings 2" panose="05020102010507070707" pitchFamily="18" charset="2"/>
+              <a:buChar char=""/>
+              <a:defRPr sz="1400" kern="1200">
+                <a:solidFill>
+                  <a:schemeClr val="tx1">
+                    <a:lumMod val="75000"/>
+                    <a:lumOff val="25000"/>
+                  </a:schemeClr>
+                </a:solidFill>
+                <a:latin typeface="+mn-lt"/>
+                <a:ea typeface="+mn-ea"/>
+                <a:cs typeface="+mn-cs"/>
+              </a:defRPr>
+            </a:lvl2pPr>
+            <a:lvl3pPr marL="900000" indent="-270000" algn="l" defTabSz="457200" rtl="0" eaLnBrk="1" latinLnBrk="0" hangingPunct="1">
+              <a:spcBef>
+                <a:spcPct val="20000"/>
+              </a:spcBef>
+              <a:spcAft>
+                <a:spcPts val="600"/>
+              </a:spcAft>
+              <a:buClr>
+                <a:schemeClr val="accent1"/>
+              </a:buClr>
+              <a:buSzPct val="92000"/>
+              <a:buFont typeface="Wingdings 2" panose="05020102010507070707" pitchFamily="18" charset="2"/>
+              <a:buChar char=""/>
+              <a:defRPr sz="1300" kern="1200">
+                <a:solidFill>
+                  <a:schemeClr val="tx1">
+                    <a:lumMod val="75000"/>
+                    <a:lumOff val="25000"/>
+                  </a:schemeClr>
+                </a:solidFill>
+                <a:latin typeface="+mn-lt"/>
+                <a:ea typeface="+mn-ea"/>
+                <a:cs typeface="+mn-cs"/>
+              </a:defRPr>
+            </a:lvl3pPr>
+            <a:lvl4pPr marL="1242000" indent="-234000" algn="l" defTabSz="457200" rtl="0" eaLnBrk="1" latinLnBrk="0" hangingPunct="1">
+              <a:spcBef>
+                <a:spcPct val="20000"/>
+              </a:spcBef>
+              <a:spcAft>
+                <a:spcPts val="600"/>
+              </a:spcAft>
+              <a:buClr>
+                <a:schemeClr val="accent1"/>
+              </a:buClr>
+              <a:buSzPct val="92000"/>
+              <a:buFont typeface="Wingdings 2" panose="05020102010507070707" pitchFamily="18" charset="2"/>
+              <a:buChar char=""/>
+              <a:defRPr sz="1100" kern="1200">
+                <a:solidFill>
+                  <a:schemeClr val="tx1">
+                    <a:lumMod val="75000"/>
+                    <a:lumOff val="25000"/>
+                  </a:schemeClr>
+                </a:solidFill>
+                <a:latin typeface="+mn-lt"/>
+                <a:ea typeface="+mn-ea"/>
+                <a:cs typeface="+mn-cs"/>
+              </a:defRPr>
+            </a:lvl4pPr>
+            <a:lvl5pPr marL="1602000" indent="-234000" algn="l" defTabSz="457200" rtl="0" eaLnBrk="1" latinLnBrk="0" hangingPunct="1">
+              <a:spcBef>
+                <a:spcPct val="20000"/>
+              </a:spcBef>
+              <a:spcAft>
+                <a:spcPts val="600"/>
+              </a:spcAft>
+              <a:buClr>
+                <a:schemeClr val="accent1"/>
+              </a:buClr>
+              <a:buSzPct val="92000"/>
+              <a:buFont typeface="Wingdings 2" panose="05020102010507070707" pitchFamily="18" charset="2"/>
+              <a:buChar char=""/>
+              <a:defRPr sz="1100" kern="1200">
+                <a:solidFill>
+                  <a:schemeClr val="tx1">
+                    <a:lumMod val="75000"/>
+                    <a:lumOff val="25000"/>
+                  </a:schemeClr>
+                </a:solidFill>
+                <a:latin typeface="+mn-lt"/>
+                <a:ea typeface="+mn-ea"/>
+                <a:cs typeface="+mn-cs"/>
+              </a:defRPr>
+            </a:lvl5pPr>
+            <a:lvl6pPr marL="1900000" indent="-228600" algn="l" defTabSz="457200" rtl="0" eaLnBrk="1" latinLnBrk="0" hangingPunct="1">
+              <a:spcBef>
+                <a:spcPct val="20000"/>
+              </a:spcBef>
+              <a:spcAft>
+                <a:spcPts val="600"/>
+              </a:spcAft>
+              <a:buClr>
+                <a:schemeClr val="accent2"/>
+              </a:buClr>
+              <a:buSzPct val="92000"/>
+              <a:buFont typeface="Wingdings 2" panose="05020102010507070707" pitchFamily="18" charset="2"/>
+              <a:buChar char=""/>
+              <a:defRPr sz="1200" kern="1200">
+                <a:solidFill>
+                  <a:schemeClr val="tx2"/>
+                </a:solidFill>
+                <a:latin typeface="+mn-lt"/>
+                <a:ea typeface="+mn-ea"/>
+                <a:cs typeface="+mn-cs"/>
+              </a:defRPr>
+            </a:lvl6pPr>
+            <a:lvl7pPr marL="2200000" indent="-228600" algn="l" defTabSz="457200" rtl="0" eaLnBrk="1" latinLnBrk="0" hangingPunct="1">
+              <a:spcBef>
+                <a:spcPct val="20000"/>
+              </a:spcBef>
+              <a:spcAft>
+                <a:spcPts val="600"/>
+              </a:spcAft>
+              <a:buClr>
+                <a:schemeClr val="accent2"/>
+              </a:buClr>
+              <a:buSzPct val="92000"/>
+              <a:buFont typeface="Wingdings 2" panose="05020102010507070707" pitchFamily="18" charset="2"/>
+              <a:buChar char=""/>
+              <a:defRPr sz="1200" kern="1200">
+                <a:solidFill>
+                  <a:schemeClr val="tx2"/>
+                </a:solidFill>
+                <a:latin typeface="+mn-lt"/>
+                <a:ea typeface="+mn-ea"/>
+                <a:cs typeface="+mn-cs"/>
+              </a:defRPr>
+            </a:lvl7pPr>
+            <a:lvl8pPr marL="2500000" indent="-228600" algn="l" defTabSz="457200" rtl="0" eaLnBrk="1" latinLnBrk="0" hangingPunct="1">
+              <a:spcBef>
+                <a:spcPct val="20000"/>
+              </a:spcBef>
+              <a:spcAft>
+                <a:spcPts val="600"/>
+              </a:spcAft>
+              <a:buClr>
+                <a:schemeClr val="accent2"/>
+              </a:buClr>
+              <a:buSzPct val="92000"/>
+              <a:buFont typeface="Wingdings 2" panose="05020102010507070707" pitchFamily="18" charset="2"/>
+              <a:buChar char=""/>
+              <a:defRPr sz="1200" kern="1200">
+                <a:solidFill>
+                  <a:schemeClr val="tx2"/>
+                </a:solidFill>
+                <a:latin typeface="+mn-lt"/>
+                <a:ea typeface="+mn-ea"/>
+                <a:cs typeface="+mn-cs"/>
+              </a:defRPr>
+            </a:lvl8pPr>
+            <a:lvl9pPr marL="2800000" indent="-228600" algn="l" defTabSz="457200" rtl="0" eaLnBrk="1" latinLnBrk="0" hangingPunct="1">
+              <a:spcBef>
+                <a:spcPct val="20000"/>
+              </a:spcBef>
+              <a:spcAft>
+                <a:spcPts val="600"/>
+              </a:spcAft>
+              <a:buClr>
+                <a:schemeClr val="accent2"/>
+              </a:buClr>
+              <a:buSzPct val="92000"/>
+              <a:buFont typeface="Wingdings 2" panose="05020102010507070707" pitchFamily="18" charset="2"/>
+              <a:buChar char=""/>
+              <a:defRPr sz="1200" kern="1200">
+                <a:solidFill>
+                  <a:schemeClr val="tx2"/>
+                </a:solidFill>
+                <a:latin typeface="+mn-lt"/>
+                <a:ea typeface="+mn-ea"/>
+                <a:cs typeface="+mn-cs"/>
+              </a:defRPr>
+            </a:lvl9pPr>
+          </a:lstStyle>
+          <a:p>
+            <a:pPr marL="0" indent="0">
+              <a:buNone/>
+            </a:pPr>
+            <a:r>
+              <a:rPr lang="en-GB" sz="2000" b="1" dirty="0"/>
+              <a:t>NAME : BANTEILANG NONGSIEJ</a:t>
+            </a:r>
+          </a:p>
+          <a:p>
+            <a:pPr marL="0" indent="0">
+              <a:buNone/>
+            </a:pPr>
+            <a:r>
+              <a:rPr lang="en-GB" sz="2000" b="1" dirty="0"/>
+              <a:t>EMAIL : </a:t>
+            </a:r>
+            <a:r>
+              <a:rPr lang="en-GB" sz="2000" b="1" dirty="0">
+                <a:hlinkClick r:id="rId2"/>
               </a:rPr>
-              <a:t>Project Title: </a:t>
-            </a:r>
-            <a:r>
-              <a:rPr lang="en-GB" dirty="0">
-                <a:effectLst>
-                  <a:outerShdw blurRad="38100" dist="38100" dir="2700000" algn="tl">
-                    <a:srgbClr val="000000">
-                      <a:alpha val="43137"/>
-                    </a:srgbClr>
-                  </a:outerShdw>
-                </a:effectLst>
-              </a:rPr>
-              <a:t>Keylogger-  Capturing Key-Strokes</a:t>
-            </a:r>
-            <a:br>
-              <a:rPr lang="en-GB" dirty="0"/>
-            </a:br>
-            <a:endParaRPr lang="en-US" dirty="0"/>
+              <a:t>banteilangnongsiej04@gmail.com</a:t>
+            </a:r>
+            <a:endParaRPr lang="en-GB" sz="2000" b="1" dirty="0"/>
+          </a:p>
+          <a:p>
+            <a:pPr marL="0" indent="0">
+              <a:buNone/>
+            </a:pPr>
+            <a:r>
+              <a:rPr lang="en-GB" sz="2000" b="1" dirty="0"/>
+              <a:t>COLLEGE NAME : ST. ANTHONY’S COLLEGE, SHILLONG.</a:t>
+            </a:r>
+          </a:p>
+          <a:p>
+            <a:pPr marL="0" indent="0">
+              <a:buNone/>
+            </a:pPr>
+            <a:r>
+              <a:rPr lang="en-GB" sz="2000" b="1" dirty="0"/>
+              <a:t>COLLEGE STATE : MEGHALAYA</a:t>
+            </a:r>
+          </a:p>
+          <a:p>
+            <a:pPr marL="0" indent="0">
+              <a:buNone/>
+            </a:pPr>
+            <a:r>
+              <a:rPr lang="en-GB" sz="2000" b="1" dirty="0"/>
+              <a:t>DOMAIN : CYBERSECURITY</a:t>
+            </a:r>
+          </a:p>
+          <a:p>
+            <a:pPr marL="0" indent="0">
+              <a:buNone/>
+            </a:pPr>
+            <a:r>
+              <a:rPr lang="en-GB" sz="2000" b="1" dirty="0"/>
+              <a:t>DURATION : 14</a:t>
+            </a:r>
+            <a:r>
+              <a:rPr lang="en-GB" sz="2000" b="1" baseline="30000" dirty="0"/>
+              <a:t>th</a:t>
+            </a:r>
+            <a:r>
+              <a:rPr lang="en-GB" sz="2000" b="1" dirty="0"/>
+              <a:t> June 2023 – 24</a:t>
+            </a:r>
+            <a:r>
+              <a:rPr lang="en-GB" sz="2000" b="1" baseline="30000" dirty="0"/>
+              <a:t>th</a:t>
+            </a:r>
+            <a:r>
+              <a:rPr lang="en-GB" sz="2000" b="1" dirty="0"/>
+              <a:t> July 2023</a:t>
+            </a:r>
+          </a:p>
+          <a:p>
+            <a:endParaRPr lang="en-GB" dirty="0"/>
           </a:p>
         </p:txBody>
       </p:sp>
-      <p:sp>
-        <p:nvSpPr>
-          <p:cNvPr id="4" name="Content Placeholder 3">
+      <p:pic>
+        <p:nvPicPr>
+          <p:cNvPr id="10" name="Picture 9" descr="abstract image">
             <a:extLst>
               <a:ext uri="{FF2B5EF4-FFF2-40B4-BE49-F238E27FC236}">
-                <a16:creationId xmlns:a16="http://schemas.microsoft.com/office/drawing/2014/main" id="{7134D744-09BE-B2D2-5D4A-E9937600EE59}"/>
+                <a16:creationId xmlns:a16="http://schemas.microsoft.com/office/drawing/2014/main" id="{F1A8C364-94D4-4630-BAD0-78722F347055}"/>
               </a:ext>
             </a:extLst>
           </p:cNvPr>
-          <p:cNvSpPr>
-            <a:spLocks noGrp="1"/>
-          </p:cNvSpPr>
-          <p:nvPr>
-            <p:ph idx="1"/>
-          </p:nvPr>
-        </p:nvSpPr>
-        <p:spPr/>
-        <p:txBody>
-          <a:bodyPr/>
-          <a:lstStyle/>
-          <a:p>
-            <a:endParaRPr lang="en-IN"/>
-          </a:p>
-        </p:txBody>
-      </p:sp>
+          <p:cNvPicPr>
+            <a:picLocks noChangeAspect="1"/>
+          </p:cNvPicPr>
+          <p:nvPr/>
+        </p:nvPicPr>
+        <p:blipFill rotWithShape="1">
+          <a:blip r:embed="rId3">
+            <a:extLst>
+              <a:ext uri="{28A0092B-C50C-407E-A947-70E740481C1C}">
+                <a14:useLocalDpi xmlns:a14="http://schemas.microsoft.com/office/drawing/2010/main" val="0"/>
+              </a:ext>
+            </a:extLst>
+          </a:blip>
+          <a:srcRect/>
+          <a:stretch/>
+        </p:blipFill>
+        <p:spPr>
+          <a:xfrm>
+            <a:off x="465666" y="3325904"/>
+            <a:ext cx="11260667" cy="2734235"/>
+          </a:xfrm>
+          <a:prstGeom prst="rect">
+            <a:avLst/>
+          </a:prstGeom>
+        </p:spPr>
+      </p:pic>
     </p:spTree>
     <p:extLst>
       <p:ext uri="{BB962C8B-B14F-4D97-AF65-F5344CB8AC3E}">
@@ -4712,10 +4613,60 @@
       </p:grpSpPr>
       <p:sp>
         <p:nvSpPr>
+          <p:cNvPr id="2" name="Title 1">
+            <a:extLst>
+              <a:ext uri="{FF2B5EF4-FFF2-40B4-BE49-F238E27FC236}">
+                <a16:creationId xmlns:a16="http://schemas.microsoft.com/office/drawing/2014/main" id="{A03B2EC1-B7BF-CE7B-C9A6-7635DA95F4F6}"/>
+              </a:ext>
+            </a:extLst>
+          </p:cNvPr>
+          <p:cNvSpPr>
+            <a:spLocks noGrp="1"/>
+          </p:cNvSpPr>
+          <p:nvPr>
+            <p:ph type="title"/>
+          </p:nvPr>
+        </p:nvSpPr>
+        <p:spPr>
+          <a:xfrm>
+            <a:off x="581191" y="554508"/>
+            <a:ext cx="11029616" cy="1188720"/>
+          </a:xfrm>
+        </p:spPr>
+        <p:txBody>
+          <a:bodyPr anchor="ctr"/>
+          <a:lstStyle/>
+          <a:p>
+            <a:r>
+              <a:rPr lang="en-GB" dirty="0">
+                <a:effectLst>
+                  <a:outerShdw blurRad="38100" dist="38100" dir="2700000" algn="tl">
+                    <a:srgbClr val="000000">
+                      <a:alpha val="43137"/>
+                    </a:srgbClr>
+                  </a:outerShdw>
+                </a:effectLst>
+              </a:rPr>
+              <a:t>Results</a:t>
+            </a:r>
+            <a:endParaRPr lang="en-US" dirty="0">
+              <a:effectLst>
+                <a:outerShdw blurRad="38100" dist="38100" dir="2700000" algn="tl">
+                  <a:srgbClr val="000000">
+                    <a:alpha val="43137"/>
+                  </a:srgbClr>
+                </a:outerShdw>
+              </a:effectLst>
+            </a:endParaRPr>
+          </a:p>
+        </p:txBody>
+      </p:sp>
+      <p:sp>
+        <p:nvSpPr>
           <p:cNvPr id="3" name="Content Placeholder 2">
             <a:extLst>
               <a:ext uri="{FF2B5EF4-FFF2-40B4-BE49-F238E27FC236}">
-                <a16:creationId xmlns:a16="http://schemas.microsoft.com/office/drawing/2014/main" id="{78C62B33-3811-5FE9-214C-BE775C10915B}"/>
+                <a16:creationId xmlns:a16="http://schemas.microsoft.com/office/drawing/2014/main" id="{27EBACB0-5504-CAD6-951C-D14217A08A80}"/>
               </a:ext>
             </a:extLst>
           </p:cNvPr>
@@ -4728,13 +4679,13 @@
         </p:nvSpPr>
         <p:spPr>
           <a:xfrm>
-            <a:off x="407021" y="413657"/>
-            <a:ext cx="11029615" cy="674914"/>
+            <a:off x="722706" y="1524000"/>
+            <a:ext cx="10888101" cy="4069976"/>
           </a:xfrm>
         </p:spPr>
         <p:txBody>
           <a:bodyPr>
-            <a:normAutofit/>
+            <a:noAutofit/>
           </a:bodyPr>
           <a:lstStyle/>
           <a:p>
@@ -4742,134 +4693,104 @@
               <a:buNone/>
             </a:pPr>
             <a:r>
-              <a:rPr lang="en-IN" sz="1800" dirty="0">
-                <a:effectLst>
-                  <a:outerShdw blurRad="38100" dist="38100" dir="2700000" algn="tl">
-                    <a:srgbClr val="000000">
-                      <a:alpha val="43137"/>
-                    </a:srgbClr>
-                  </a:outerShdw>
-                </a:effectLst>
+              <a:rPr lang="en-US" sz="2000" b="0" i="0" dirty="0">
+                <a:solidFill>
+                  <a:schemeClr val="tx1"/>
+                </a:solidFill>
+                <a:effectLst/>
+                <a:latin typeface="Söhne"/>
               </a:rPr>
-              <a:t>Below are some screenshots presenting the result of the keylogger</a:t>
-            </a:r>
-          </a:p>
-        </p:txBody>
-      </p:sp>
-      <p:pic>
-        <p:nvPicPr>
-          <p:cNvPr id="23" name="Picture 22">
-            <a:extLst>
-              <a:ext uri="{FF2B5EF4-FFF2-40B4-BE49-F238E27FC236}">
-                <a16:creationId xmlns:a16="http://schemas.microsoft.com/office/drawing/2014/main" id="{9360B58D-85B5-4A16-098C-7810DDD672F6}"/>
-              </a:ext>
-            </a:extLst>
-          </p:cNvPr>
-          <p:cNvPicPr>
-            <a:picLocks noChangeAspect="1"/>
-          </p:cNvPicPr>
-          <p:nvPr/>
-        </p:nvPicPr>
-        <p:blipFill>
-          <a:blip r:embed="rId2"/>
-          <a:stretch>
-            <a:fillRect/>
-          </a:stretch>
-        </p:blipFill>
-        <p:spPr>
-          <a:xfrm>
-            <a:off x="0" y="897466"/>
-            <a:ext cx="6096000" cy="5850467"/>
-          </a:xfrm>
-          <a:prstGeom prst="rect">
-            <a:avLst/>
-          </a:prstGeom>
-        </p:spPr>
-      </p:pic>
-      <p:pic>
-        <p:nvPicPr>
-          <p:cNvPr id="25" name="Picture 24">
-            <a:extLst>
-              <a:ext uri="{FF2B5EF4-FFF2-40B4-BE49-F238E27FC236}">
-                <a16:creationId xmlns:a16="http://schemas.microsoft.com/office/drawing/2014/main" id="{4CB70AFA-5D10-90B8-DEAC-0D869195A641}"/>
-              </a:ext>
-            </a:extLst>
-          </p:cNvPr>
-          <p:cNvPicPr>
-            <a:picLocks noChangeAspect="1"/>
-          </p:cNvPicPr>
-          <p:nvPr/>
-        </p:nvPicPr>
-        <p:blipFill>
-          <a:blip r:embed="rId3"/>
-          <a:stretch>
-            <a:fillRect/>
-          </a:stretch>
-        </p:blipFill>
-        <p:spPr>
-          <a:xfrm>
-            <a:off x="5599785" y="897465"/>
-            <a:ext cx="6333067" cy="5850467"/>
-          </a:xfrm>
-          <a:prstGeom prst="rect">
-            <a:avLst/>
-          </a:prstGeom>
-        </p:spPr>
-      </p:pic>
-      <p:sp>
-        <p:nvSpPr>
-          <p:cNvPr id="26" name="TextBox 25">
-            <a:extLst>
-              <a:ext uri="{FF2B5EF4-FFF2-40B4-BE49-F238E27FC236}">
-                <a16:creationId xmlns:a16="http://schemas.microsoft.com/office/drawing/2014/main" id="{42366553-9146-1C2C-8B75-DDFF107F8FF9}"/>
-              </a:ext>
-            </a:extLst>
-          </p:cNvPr>
-          <p:cNvSpPr txBox="1"/>
-          <p:nvPr/>
-        </p:nvSpPr>
-        <p:spPr>
-          <a:xfrm>
-            <a:off x="2743201" y="2404533"/>
-            <a:ext cx="2590800" cy="1200329"/>
-          </a:xfrm>
-          <a:prstGeom prst="rect">
-            <a:avLst/>
-          </a:prstGeom>
-          <a:noFill/>
-        </p:spPr>
-        <p:txBody>
-          <a:bodyPr wrap="square" rtlCol="0">
-            <a:spAutoFit/>
-          </a:bodyPr>
-          <a:lstStyle/>
-          <a:p>
-            <a:r>
-              <a:rPr lang="en-US" sz="2400" dirty="0">
+              <a:t>The results of a keylogger vary depending on its purpose and the intentions of the user or attacker deploying it. Here are some potential results that can arise from the use of a keylogger:</a:t>
+            </a:r>
+          </a:p>
+          <a:p>
+            <a:pPr marL="0" indent="0">
+              <a:buNone/>
+            </a:pPr>
+            <a:r>
+              <a:rPr lang="en-US" sz="2000" dirty="0">
                 <a:solidFill>
-                  <a:srgbClr val="C00000"/>
+                  <a:schemeClr val="tx1"/>
                 </a:solidFill>
-                <a:effectLst>
-                  <a:outerShdw blurRad="38100" dist="38100" dir="2700000" algn="tl">
-                    <a:srgbClr val="000000">
-                      <a:alpha val="43137"/>
-                    </a:srgbClr>
-                  </a:outerShdw>
-                </a:effectLst>
+                <a:latin typeface="Söhne"/>
               </a:rPr>
-              <a:t>These are the codes of the keylogger Program</a:t>
-            </a:r>
-            <a:endParaRPr lang="en-IN" sz="2400" dirty="0">
+              <a:t>	a.) Captured Keystrokes</a:t>
+            </a:r>
+          </a:p>
+          <a:p>
+            <a:pPr marL="0" indent="0">
+              <a:buNone/>
+            </a:pPr>
+            <a:r>
+              <a:rPr lang="en-US" sz="2000" dirty="0">
+                <a:solidFill>
+                  <a:schemeClr val="tx1"/>
+                </a:solidFill>
+                <a:latin typeface="Söhne"/>
+              </a:rPr>
+              <a:t>	b.) Stolen Credentials</a:t>
+            </a:r>
+          </a:p>
+          <a:p>
+            <a:pPr marL="0" indent="0">
+              <a:buNone/>
+            </a:pPr>
+            <a:r>
+              <a:rPr lang="en-US" sz="2000" dirty="0">
+                <a:solidFill>
+                  <a:schemeClr val="tx1"/>
+                </a:solidFill>
+                <a:latin typeface="Söhne"/>
+              </a:rPr>
+              <a:t>	c.) Sensitive Information Theft</a:t>
+            </a:r>
+          </a:p>
+          <a:p>
+            <a:pPr marL="0" indent="0">
+              <a:buNone/>
+            </a:pPr>
+            <a:r>
+              <a:rPr lang="en-US" sz="2000" dirty="0">
+                <a:solidFill>
+                  <a:schemeClr val="tx1"/>
+                </a:solidFill>
+                <a:latin typeface="Söhne"/>
+              </a:rPr>
+              <a:t>	d.) Unauthorized Access</a:t>
+            </a:r>
+          </a:p>
+          <a:p>
+            <a:pPr marL="0" indent="0">
+              <a:buNone/>
+            </a:pPr>
+            <a:r>
+              <a:rPr lang="en-US" sz="2000" dirty="0">
+                <a:solidFill>
+                  <a:schemeClr val="tx1"/>
+                </a:solidFill>
+                <a:latin typeface="Söhne"/>
+              </a:rPr>
+              <a:t>	e.) Surveillance and  Monitoring</a:t>
+            </a:r>
+          </a:p>
+          <a:p>
+            <a:pPr marL="0" indent="0">
+              <a:buNone/>
+            </a:pPr>
+            <a:r>
+              <a:rPr lang="en-US" sz="2000" b="0" i="0" u="none" strike="noStrike" baseline="0" dirty="0">
+                <a:solidFill>
+                  <a:schemeClr val="tx1"/>
+                </a:solidFill>
+                <a:latin typeface="Times New Roman" panose="02020603050405020304" pitchFamily="18" charset="0"/>
+              </a:rPr>
+              <a:t>	The data obtained from the keystrokes were sent to a file which the deployer of the keylogger creates at the time of the creation of Keylogger</a:t>
+            </a:r>
+            <a:endParaRPr lang="en-US" sz="1800" dirty="0">
               <a:solidFill>
-                <a:srgbClr val="C00000"/>
+                <a:schemeClr val="tx1"/>
               </a:solidFill>
-              <a:effectLst>
-                <a:outerShdw blurRad="38100" dist="38100" dir="2700000" algn="tl">
-                  <a:srgbClr val="000000">
-                    <a:alpha val="43137"/>
-                  </a:srgbClr>
-                </a:outerShdw>
-              </a:effectLst>
+              <a:latin typeface="Söhne"/>
             </a:endParaRPr>
           </a:p>
         </p:txBody>
@@ -4877,25 +4798,362 @@
     </p:spTree>
     <p:extLst>
       <p:ext uri="{BB962C8B-B14F-4D97-AF65-F5344CB8AC3E}">
-        <p14:creationId xmlns:p14="http://schemas.microsoft.com/office/powerpoint/2010/main" val="3597299057"/>
+        <p14:creationId xmlns:p14="http://schemas.microsoft.com/office/powerpoint/2010/main" val="3319627397"/>
       </p:ext>
     </p:extLst>
   </p:cSld>
   <p:clrMapOvr>
     <a:masterClrMapping/>
   </p:clrMapOvr>
-  <mc:AlternateContent xmlns:mc="http://schemas.openxmlformats.org/markup-compatibility/2006" xmlns:p14="http://schemas.microsoft.com/office/powerpoint/2010/main">
-    <mc:Choice Requires="p14">
-      <p:transition spd="slow" p14:dur="1500">
-        <p:split orient="vert"/>
-      </p:transition>
-    </mc:Choice>
-    <mc:Fallback xmlns="">
-      <p:transition spd="slow">
-        <p:split orient="vert"/>
-      </p:transition>
-    </mc:Fallback>
-  </mc:AlternateContent>
+  <p:timing>
+    <p:tnLst>
+      <p:par>
+        <p:cTn id="1" dur="indefinite" restart="never" nodeType="tmRoot">
+          <p:childTnLst>
+            <p:seq concurrent="1" nextAc="seek">
+              <p:cTn id="2" dur="indefinite" nodeType="mainSeq">
+                <p:childTnLst>
+                  <p:par>
+                    <p:cTn id="3" fill="hold">
+                      <p:stCondLst>
+                        <p:cond delay="indefinite"/>
+                      </p:stCondLst>
+                      <p:childTnLst>
+                        <p:par>
+                          <p:cTn id="4" fill="hold">
+                            <p:stCondLst>
+                              <p:cond delay="0"/>
+                            </p:stCondLst>
+                            <p:childTnLst>
+                              <p:par>
+                                <p:cTn id="5" presetID="16" presetClass="entr" presetSubtype="21" fill="hold" nodeType="clickEffect">
+                                  <p:stCondLst>
+                                    <p:cond delay="0"/>
+                                  </p:stCondLst>
+                                  <p:childTnLst>
+                                    <p:set>
+                                      <p:cBhvr>
+                                        <p:cTn id="6" dur="1" fill="hold">
+                                          <p:stCondLst>
+                                            <p:cond delay="0"/>
+                                          </p:stCondLst>
+                                        </p:cTn>
+                                        <p:tgtEl>
+                                          <p:spTgt spid="3">
+                                            <p:txEl>
+                                              <p:pRg st="0" end="0"/>
+                                            </p:txEl>
+                                          </p:spTgt>
+                                        </p:tgtEl>
+                                        <p:attrNameLst>
+                                          <p:attrName>style.visibility</p:attrName>
+                                        </p:attrNameLst>
+                                      </p:cBhvr>
+                                      <p:to>
+                                        <p:strVal val="visible"/>
+                                      </p:to>
+                                    </p:set>
+                                    <p:animEffect transition="in" filter="barn(inVertical)">
+                                      <p:cBhvr>
+                                        <p:cTn id="7" dur="500"/>
+                                        <p:tgtEl>
+                                          <p:spTgt spid="3">
+                                            <p:txEl>
+                                              <p:pRg st="0" end="0"/>
+                                            </p:txEl>
+                                          </p:spTgt>
+                                        </p:tgtEl>
+                                      </p:cBhvr>
+                                    </p:animEffect>
+                                  </p:childTnLst>
+                                </p:cTn>
+                              </p:par>
+                              <p:par>
+                                <p:cTn id="8" presetID="16" presetClass="entr" presetSubtype="21" fill="hold" nodeType="withEffect">
+                                  <p:stCondLst>
+                                    <p:cond delay="0"/>
+                                  </p:stCondLst>
+                                  <p:childTnLst>
+                                    <p:set>
+                                      <p:cBhvr>
+                                        <p:cTn id="9" dur="1" fill="hold">
+                                          <p:stCondLst>
+                                            <p:cond delay="0"/>
+                                          </p:stCondLst>
+                                        </p:cTn>
+                                        <p:tgtEl>
+                                          <p:spTgt spid="3">
+                                            <p:txEl>
+                                              <p:pRg st="1" end="1"/>
+                                            </p:txEl>
+                                          </p:spTgt>
+                                        </p:tgtEl>
+                                        <p:attrNameLst>
+                                          <p:attrName>style.visibility</p:attrName>
+                                        </p:attrNameLst>
+                                      </p:cBhvr>
+                                      <p:to>
+                                        <p:strVal val="visible"/>
+                                      </p:to>
+                                    </p:set>
+                                    <p:animEffect transition="in" filter="barn(inVertical)">
+                                      <p:cBhvr>
+                                        <p:cTn id="10" dur="500"/>
+                                        <p:tgtEl>
+                                          <p:spTgt spid="3">
+                                            <p:txEl>
+                                              <p:pRg st="1" end="1"/>
+                                            </p:txEl>
+                                          </p:spTgt>
+                                        </p:tgtEl>
+                                      </p:cBhvr>
+                                    </p:animEffect>
+                                  </p:childTnLst>
+                                </p:cTn>
+                              </p:par>
+                              <p:par>
+                                <p:cTn id="11" presetID="16" presetClass="entr" presetSubtype="21" fill="hold" nodeType="withEffect">
+                                  <p:stCondLst>
+                                    <p:cond delay="0"/>
+                                  </p:stCondLst>
+                                  <p:childTnLst>
+                                    <p:set>
+                                      <p:cBhvr>
+                                        <p:cTn id="12" dur="1" fill="hold">
+                                          <p:stCondLst>
+                                            <p:cond delay="0"/>
+                                          </p:stCondLst>
+                                        </p:cTn>
+                                        <p:tgtEl>
+                                          <p:spTgt spid="3">
+                                            <p:txEl>
+                                              <p:pRg st="2" end="2"/>
+                                            </p:txEl>
+                                          </p:spTgt>
+                                        </p:tgtEl>
+                                        <p:attrNameLst>
+                                          <p:attrName>style.visibility</p:attrName>
+                                        </p:attrNameLst>
+                                      </p:cBhvr>
+                                      <p:to>
+                                        <p:strVal val="visible"/>
+                                      </p:to>
+                                    </p:set>
+                                    <p:animEffect transition="in" filter="barn(inVertical)">
+                                      <p:cBhvr>
+                                        <p:cTn id="13" dur="500"/>
+                                        <p:tgtEl>
+                                          <p:spTgt spid="3">
+                                            <p:txEl>
+                                              <p:pRg st="2" end="2"/>
+                                            </p:txEl>
+                                          </p:spTgt>
+                                        </p:tgtEl>
+                                      </p:cBhvr>
+                                    </p:animEffect>
+                                  </p:childTnLst>
+                                </p:cTn>
+                              </p:par>
+                              <p:par>
+                                <p:cTn id="14" presetID="16" presetClass="entr" presetSubtype="21" fill="hold" nodeType="withEffect">
+                                  <p:stCondLst>
+                                    <p:cond delay="0"/>
+                                  </p:stCondLst>
+                                  <p:childTnLst>
+                                    <p:set>
+                                      <p:cBhvr>
+                                        <p:cTn id="15" dur="1" fill="hold">
+                                          <p:stCondLst>
+                                            <p:cond delay="0"/>
+                                          </p:stCondLst>
+                                        </p:cTn>
+                                        <p:tgtEl>
+                                          <p:spTgt spid="3">
+                                            <p:txEl>
+                                              <p:pRg st="3" end="3"/>
+                                            </p:txEl>
+                                          </p:spTgt>
+                                        </p:tgtEl>
+                                        <p:attrNameLst>
+                                          <p:attrName>style.visibility</p:attrName>
+                                        </p:attrNameLst>
+                                      </p:cBhvr>
+                                      <p:to>
+                                        <p:strVal val="visible"/>
+                                      </p:to>
+                                    </p:set>
+                                    <p:animEffect transition="in" filter="barn(inVertical)">
+                                      <p:cBhvr>
+                                        <p:cTn id="16" dur="500"/>
+                                        <p:tgtEl>
+                                          <p:spTgt spid="3">
+                                            <p:txEl>
+                                              <p:pRg st="3" end="3"/>
+                                            </p:txEl>
+                                          </p:spTgt>
+                                        </p:tgtEl>
+                                      </p:cBhvr>
+                                    </p:animEffect>
+                                  </p:childTnLst>
+                                </p:cTn>
+                              </p:par>
+                              <p:par>
+                                <p:cTn id="17" presetID="16" presetClass="entr" presetSubtype="21" fill="hold" nodeType="withEffect">
+                                  <p:stCondLst>
+                                    <p:cond delay="0"/>
+                                  </p:stCondLst>
+                                  <p:childTnLst>
+                                    <p:set>
+                                      <p:cBhvr>
+                                        <p:cTn id="18" dur="1" fill="hold">
+                                          <p:stCondLst>
+                                            <p:cond delay="0"/>
+                                          </p:stCondLst>
+                                        </p:cTn>
+                                        <p:tgtEl>
+                                          <p:spTgt spid="3">
+                                            <p:txEl>
+                                              <p:pRg st="4" end="4"/>
+                                            </p:txEl>
+                                          </p:spTgt>
+                                        </p:tgtEl>
+                                        <p:attrNameLst>
+                                          <p:attrName>style.visibility</p:attrName>
+                                        </p:attrNameLst>
+                                      </p:cBhvr>
+                                      <p:to>
+                                        <p:strVal val="visible"/>
+                                      </p:to>
+                                    </p:set>
+                                    <p:animEffect transition="in" filter="barn(inVertical)">
+                                      <p:cBhvr>
+                                        <p:cTn id="19" dur="500"/>
+                                        <p:tgtEl>
+                                          <p:spTgt spid="3">
+                                            <p:txEl>
+                                              <p:pRg st="4" end="4"/>
+                                            </p:txEl>
+                                          </p:spTgt>
+                                        </p:tgtEl>
+                                      </p:cBhvr>
+                                    </p:animEffect>
+                                  </p:childTnLst>
+                                </p:cTn>
+                              </p:par>
+                              <p:par>
+                                <p:cTn id="20" presetID="16" presetClass="entr" presetSubtype="21" fill="hold" nodeType="withEffect">
+                                  <p:stCondLst>
+                                    <p:cond delay="0"/>
+                                  </p:stCondLst>
+                                  <p:childTnLst>
+                                    <p:set>
+                                      <p:cBhvr>
+                                        <p:cTn id="21" dur="1" fill="hold">
+                                          <p:stCondLst>
+                                            <p:cond delay="0"/>
+                                          </p:stCondLst>
+                                        </p:cTn>
+                                        <p:tgtEl>
+                                          <p:spTgt spid="3">
+                                            <p:txEl>
+                                              <p:pRg st="5" end="5"/>
+                                            </p:txEl>
+                                          </p:spTgt>
+                                        </p:tgtEl>
+                                        <p:attrNameLst>
+                                          <p:attrName>style.visibility</p:attrName>
+                                        </p:attrNameLst>
+                                      </p:cBhvr>
+                                      <p:to>
+                                        <p:strVal val="visible"/>
+                                      </p:to>
+                                    </p:set>
+                                    <p:animEffect transition="in" filter="barn(inVertical)">
+                                      <p:cBhvr>
+                                        <p:cTn id="22" dur="500"/>
+                                        <p:tgtEl>
+                                          <p:spTgt spid="3">
+                                            <p:txEl>
+                                              <p:pRg st="5" end="5"/>
+                                            </p:txEl>
+                                          </p:spTgt>
+                                        </p:tgtEl>
+                                      </p:cBhvr>
+                                    </p:animEffect>
+                                  </p:childTnLst>
+                                </p:cTn>
+                              </p:par>
+                              <p:par>
+                                <p:cTn id="23" presetID="16" presetClass="entr" presetSubtype="21" fill="hold" nodeType="withEffect">
+                                  <p:stCondLst>
+                                    <p:cond delay="0"/>
+                                  </p:stCondLst>
+                                  <p:childTnLst>
+                                    <p:set>
+                                      <p:cBhvr>
+                                        <p:cTn id="24" dur="1" fill="hold">
+                                          <p:stCondLst>
+                                            <p:cond delay="0"/>
+                                          </p:stCondLst>
+                                        </p:cTn>
+                                        <p:tgtEl>
+                                          <p:spTgt spid="3">
+                                            <p:txEl>
+                                              <p:pRg st="6" end="6"/>
+                                            </p:txEl>
+                                          </p:spTgt>
+                                        </p:tgtEl>
+                                        <p:attrNameLst>
+                                          <p:attrName>style.visibility</p:attrName>
+                                        </p:attrNameLst>
+                                      </p:cBhvr>
+                                      <p:to>
+                                        <p:strVal val="visible"/>
+                                      </p:to>
+                                    </p:set>
+                                    <p:animEffect transition="in" filter="barn(inVertical)">
+                                      <p:cBhvr>
+                                        <p:cTn id="25" dur="500"/>
+                                        <p:tgtEl>
+                                          <p:spTgt spid="3">
+                                            <p:txEl>
+                                              <p:pRg st="6" end="6"/>
+                                            </p:txEl>
+                                          </p:spTgt>
+                                        </p:tgtEl>
+                                      </p:cBhvr>
+                                    </p:animEffect>
+                                  </p:childTnLst>
+                                </p:cTn>
+                              </p:par>
+                            </p:childTnLst>
+                          </p:cTn>
+                        </p:par>
+                      </p:childTnLst>
+                    </p:cTn>
+                  </p:par>
+                </p:childTnLst>
+              </p:cTn>
+              <p:prevCondLst>
+                <p:cond evt="onPrev" delay="0">
+                  <p:tgtEl>
+                    <p:sldTgt/>
+                  </p:tgtEl>
+                </p:cond>
+              </p:prevCondLst>
+              <p:nextCondLst>
+                <p:cond evt="onNext" delay="0">
+                  <p:tgtEl>
+                    <p:sldTgt/>
+                  </p:tgtEl>
+                </p:cond>
+              </p:nextCondLst>
+            </p:seq>
+          </p:childTnLst>
+        </p:cTn>
+      </p:par>
+    </p:tnLst>
+  </p:timing>
 </p:sld>
 </file>
 
@@ -4916,621 +5174,9 @@
           <a:chExt cx="0" cy="0"/>
         </a:xfrm>
       </p:grpSpPr>
-      <p:pic>
-        <p:nvPicPr>
-          <p:cNvPr id="5" name="Picture 4">
-            <a:extLst>
-              <a:ext uri="{FF2B5EF4-FFF2-40B4-BE49-F238E27FC236}">
-                <a16:creationId xmlns:a16="http://schemas.microsoft.com/office/drawing/2014/main" id="{FA5AA365-1070-EA66-7500-AC3A301A9A24}"/>
-              </a:ext>
-            </a:extLst>
-          </p:cNvPr>
-          <p:cNvPicPr>
-            <a:picLocks noChangeAspect="1"/>
-          </p:cNvPicPr>
-          <p:nvPr/>
-        </p:nvPicPr>
-        <p:blipFill>
-          <a:blip r:embed="rId2"/>
-          <a:stretch>
-            <a:fillRect/>
-          </a:stretch>
-        </p:blipFill>
-        <p:spPr>
-          <a:xfrm>
-            <a:off x="8467" y="313267"/>
-            <a:ext cx="10291980" cy="6333067"/>
-          </a:xfrm>
-          <a:prstGeom prst="rect">
-            <a:avLst/>
-          </a:prstGeom>
-        </p:spPr>
-      </p:pic>
-      <p:pic>
-        <p:nvPicPr>
-          <p:cNvPr id="7" name="Picture 6">
-            <a:extLst>
-              <a:ext uri="{FF2B5EF4-FFF2-40B4-BE49-F238E27FC236}">
-                <a16:creationId xmlns:a16="http://schemas.microsoft.com/office/drawing/2014/main" id="{4D9716A1-49DA-D4E7-BC52-144CB5969382}"/>
-              </a:ext>
-            </a:extLst>
-          </p:cNvPr>
-          <p:cNvPicPr>
-            <a:picLocks noChangeAspect="1"/>
-          </p:cNvPicPr>
-          <p:nvPr/>
-        </p:nvPicPr>
-        <p:blipFill>
-          <a:blip r:embed="rId3"/>
-          <a:stretch>
-            <a:fillRect/>
-          </a:stretch>
-        </p:blipFill>
-        <p:spPr>
-          <a:xfrm>
-            <a:off x="6209080" y="33866"/>
-            <a:ext cx="5982919" cy="6333067"/>
-          </a:xfrm>
-          <a:prstGeom prst="rect">
-            <a:avLst/>
-          </a:prstGeom>
-        </p:spPr>
-      </p:pic>
       <mc:AlternateContent xmlns:mc="http://schemas.openxmlformats.org/markup-compatibility/2006" xmlns:p14="http://schemas.microsoft.com/office/powerpoint/2010/main">
         <mc:Choice Requires="p14">
-          <p:contentPart p14:bwMode="auto" r:id="rId4">
-            <p14:nvContentPartPr>
-              <p14:cNvPr id="8" name="Ink 7">
-                <a:extLst>
-                  <a:ext uri="{FF2B5EF4-FFF2-40B4-BE49-F238E27FC236}">
-                    <a16:creationId xmlns:a16="http://schemas.microsoft.com/office/drawing/2014/main" id="{35519A15-7C66-802D-328F-0AE186390B3B}"/>
-                  </a:ext>
-                </a:extLst>
-              </p14:cNvPr>
-              <p14:cNvContentPartPr/>
-              <p14:nvPr/>
-            </p14:nvContentPartPr>
-            <p14:xfrm>
-              <a:off x="1261067" y="1962947"/>
-              <a:ext cx="1136880" cy="1095840"/>
-            </p14:xfrm>
-          </p:contentPart>
-        </mc:Choice>
-        <mc:Fallback xmlns="">
-          <p:pic>
-            <p:nvPicPr>
-              <p:cNvPr id="8" name="Ink 7">
-                <a:extLst>
-                  <a:ext uri="{FF2B5EF4-FFF2-40B4-BE49-F238E27FC236}">
-                    <a16:creationId xmlns:a16="http://schemas.microsoft.com/office/drawing/2014/main" id="{35519A15-7C66-802D-328F-0AE186390B3B}"/>
-                  </a:ext>
-                </a:extLst>
-              </p:cNvPr>
-              <p:cNvPicPr/>
-              <p:nvPr/>
-            </p:nvPicPr>
-            <p:blipFill>
-              <a:blip r:embed="rId5"/>
-              <a:stretch>
-                <a:fillRect/>
-              </a:stretch>
-            </p:blipFill>
-            <p:spPr>
-              <a:xfrm>
-                <a:off x="1252067" y="1953947"/>
-                <a:ext cx="1154520" cy="1113480"/>
-              </a:xfrm>
-              <a:prstGeom prst="rect">
-                <a:avLst/>
-              </a:prstGeom>
-            </p:spPr>
-          </p:pic>
-        </mc:Fallback>
-      </mc:AlternateContent>
-      <mc:AlternateContent xmlns:mc="http://schemas.openxmlformats.org/markup-compatibility/2006" xmlns:p14="http://schemas.microsoft.com/office/powerpoint/2010/main">
-        <mc:Choice Requires="p14">
-          <p:contentPart p14:bwMode="auto" r:id="rId6">
-            <p14:nvContentPartPr>
-              <p14:cNvPr id="9" name="Ink 8">
-                <a:extLst>
-                  <a:ext uri="{FF2B5EF4-FFF2-40B4-BE49-F238E27FC236}">
-                    <a16:creationId xmlns:a16="http://schemas.microsoft.com/office/drawing/2014/main" id="{5AE3F8FA-68C4-6786-8D37-03C6985C4149}"/>
-                  </a:ext>
-                </a:extLst>
-              </p14:cNvPr>
-              <p14:cNvContentPartPr/>
-              <p14:nvPr/>
-            </p14:nvContentPartPr>
-            <p14:xfrm>
-              <a:off x="3727787" y="1217387"/>
-              <a:ext cx="1488240" cy="528120"/>
-            </p14:xfrm>
-          </p:contentPart>
-        </mc:Choice>
-        <mc:Fallback xmlns="">
-          <p:pic>
-            <p:nvPicPr>
-              <p:cNvPr id="9" name="Ink 8">
-                <a:extLst>
-                  <a:ext uri="{FF2B5EF4-FFF2-40B4-BE49-F238E27FC236}">
-                    <a16:creationId xmlns:a16="http://schemas.microsoft.com/office/drawing/2014/main" id="{5AE3F8FA-68C4-6786-8D37-03C6985C4149}"/>
-                  </a:ext>
-                </a:extLst>
-              </p:cNvPr>
-              <p:cNvPicPr/>
-              <p:nvPr/>
-            </p:nvPicPr>
-            <p:blipFill>
-              <a:blip r:embed="rId7"/>
-              <a:stretch>
-                <a:fillRect/>
-              </a:stretch>
-            </p:blipFill>
-            <p:spPr>
-              <a:xfrm>
-                <a:off x="3718787" y="1208387"/>
-                <a:ext cx="1505880" cy="545760"/>
-              </a:xfrm>
-              <a:prstGeom prst="rect">
-                <a:avLst/>
-              </a:prstGeom>
-            </p:spPr>
-          </p:pic>
-        </mc:Fallback>
-      </mc:AlternateContent>
-      <mc:AlternateContent xmlns:mc="http://schemas.openxmlformats.org/markup-compatibility/2006" xmlns:p14="http://schemas.microsoft.com/office/powerpoint/2010/main">
-        <mc:Choice Requires="p14">
-          <p:contentPart p14:bwMode="auto" r:id="rId8">
-            <p14:nvContentPartPr>
-              <p14:cNvPr id="10" name="Ink 9">
-                <a:extLst>
-                  <a:ext uri="{FF2B5EF4-FFF2-40B4-BE49-F238E27FC236}">
-                    <a16:creationId xmlns:a16="http://schemas.microsoft.com/office/drawing/2014/main" id="{60E53A69-7F8E-D8EE-3D2E-A5A5663425C9}"/>
-                  </a:ext>
-                </a:extLst>
-              </p14:cNvPr>
-              <p14:cNvContentPartPr/>
-              <p14:nvPr/>
-            </p14:nvContentPartPr>
-            <p14:xfrm>
-              <a:off x="1972787" y="3919907"/>
-              <a:ext cx="360" cy="360"/>
-            </p14:xfrm>
-          </p:contentPart>
-        </mc:Choice>
-        <mc:Fallback xmlns="">
-          <p:pic>
-            <p:nvPicPr>
-              <p:cNvPr id="10" name="Ink 9">
-                <a:extLst>
-                  <a:ext uri="{FF2B5EF4-FFF2-40B4-BE49-F238E27FC236}">
-                    <a16:creationId xmlns:a16="http://schemas.microsoft.com/office/drawing/2014/main" id="{60E53A69-7F8E-D8EE-3D2E-A5A5663425C9}"/>
-                  </a:ext>
-                </a:extLst>
-              </p:cNvPr>
-              <p:cNvPicPr/>
-              <p:nvPr/>
-            </p:nvPicPr>
-            <p:blipFill>
-              <a:blip r:embed="rId9"/>
-              <a:stretch>
-                <a:fillRect/>
-              </a:stretch>
-            </p:blipFill>
-            <p:spPr>
-              <a:xfrm>
-                <a:off x="1963787" y="3910907"/>
-                <a:ext cx="18000" cy="18000"/>
-              </a:xfrm>
-              <a:prstGeom prst="rect">
-                <a:avLst/>
-              </a:prstGeom>
-            </p:spPr>
-          </p:pic>
-        </mc:Fallback>
-      </mc:AlternateContent>
-      <mc:AlternateContent xmlns:mc="http://schemas.openxmlformats.org/markup-compatibility/2006" xmlns:p14="http://schemas.microsoft.com/office/powerpoint/2010/main">
-        <mc:Choice Requires="p14">
-          <p:contentPart p14:bwMode="auto" r:id="rId10">
-            <p14:nvContentPartPr>
-              <p14:cNvPr id="11" name="Ink 10">
-                <a:extLst>
-                  <a:ext uri="{FF2B5EF4-FFF2-40B4-BE49-F238E27FC236}">
-                    <a16:creationId xmlns:a16="http://schemas.microsoft.com/office/drawing/2014/main" id="{D6817CBE-6EA5-7626-B030-95FCEEF7123F}"/>
-                  </a:ext>
-                </a:extLst>
-              </p14:cNvPr>
-              <p14:cNvContentPartPr/>
-              <p14:nvPr/>
-            </p14:nvContentPartPr>
-            <p14:xfrm>
-              <a:off x="5935307" y="1413947"/>
-              <a:ext cx="360" cy="360"/>
-            </p14:xfrm>
-          </p:contentPart>
-        </mc:Choice>
-        <mc:Fallback xmlns="">
-          <p:pic>
-            <p:nvPicPr>
-              <p:cNvPr id="11" name="Ink 10">
-                <a:extLst>
-                  <a:ext uri="{FF2B5EF4-FFF2-40B4-BE49-F238E27FC236}">
-                    <a16:creationId xmlns:a16="http://schemas.microsoft.com/office/drawing/2014/main" id="{D6817CBE-6EA5-7626-B030-95FCEEF7123F}"/>
-                  </a:ext>
-                </a:extLst>
-              </p:cNvPr>
-              <p:cNvPicPr/>
-              <p:nvPr/>
-            </p:nvPicPr>
-            <p:blipFill>
-              <a:blip r:embed="rId9"/>
-              <a:stretch>
-                <a:fillRect/>
-              </a:stretch>
-            </p:blipFill>
-            <p:spPr>
-              <a:xfrm>
-                <a:off x="5926307" y="1404947"/>
-                <a:ext cx="18000" cy="18000"/>
-              </a:xfrm>
-              <a:prstGeom prst="rect">
-                <a:avLst/>
-              </a:prstGeom>
-            </p:spPr>
-          </p:pic>
-        </mc:Fallback>
-      </mc:AlternateContent>
-      <p:sp>
-        <p:nvSpPr>
-          <p:cNvPr id="14" name="TextBox 13">
-            <a:extLst>
-              <a:ext uri="{FF2B5EF4-FFF2-40B4-BE49-F238E27FC236}">
-                <a16:creationId xmlns:a16="http://schemas.microsoft.com/office/drawing/2014/main" id="{5BE8287A-7017-6E89-D17F-9F5BF9DC6EC5}"/>
-              </a:ext>
-            </a:extLst>
-          </p:cNvPr>
-          <p:cNvSpPr txBox="1"/>
-          <p:nvPr/>
-        </p:nvSpPr>
-        <p:spPr>
-          <a:xfrm>
-            <a:off x="753533" y="1016014"/>
-            <a:ext cx="1981200" cy="707886"/>
-          </a:xfrm>
-          <a:prstGeom prst="rect">
-            <a:avLst/>
-          </a:prstGeom>
-          <a:noFill/>
-        </p:spPr>
-        <p:txBody>
-          <a:bodyPr wrap="square" rtlCol="0">
-            <a:spAutoFit/>
-          </a:bodyPr>
-          <a:lstStyle/>
-          <a:p>
-            <a:r>
-              <a:rPr lang="en-US" sz="2000" b="1" dirty="0">
-                <a:solidFill>
-                  <a:srgbClr val="C00000"/>
-                </a:solidFill>
-                <a:effectLst>
-                  <a:outerShdw blurRad="38100" dist="38100" dir="2700000" algn="tl">
-                    <a:srgbClr val="000000">
-                      <a:alpha val="43137"/>
-                    </a:srgbClr>
-                  </a:outerShdw>
-                </a:effectLst>
-              </a:rPr>
-              <a:t>GUI to Start and Stop Keylogger</a:t>
-            </a:r>
-            <a:endParaRPr lang="en-IN" sz="2000" b="1" dirty="0">
-              <a:solidFill>
-                <a:srgbClr val="C00000"/>
-              </a:solidFill>
-              <a:effectLst>
-                <a:outerShdw blurRad="38100" dist="38100" dir="2700000" algn="tl">
-                  <a:srgbClr val="000000">
-                    <a:alpha val="43137"/>
-                  </a:srgbClr>
-                </a:outerShdw>
-              </a:effectLst>
-            </a:endParaRPr>
-          </a:p>
-        </p:txBody>
-      </p:sp>
-      <p:sp>
-        <p:nvSpPr>
-          <p:cNvPr id="15" name="TextBox 14">
-            <a:extLst>
-              <a:ext uri="{FF2B5EF4-FFF2-40B4-BE49-F238E27FC236}">
-                <a16:creationId xmlns:a16="http://schemas.microsoft.com/office/drawing/2014/main" id="{A19FAE00-8745-74D8-EB4D-2EFDD008B1EE}"/>
-              </a:ext>
-            </a:extLst>
-          </p:cNvPr>
-          <p:cNvSpPr txBox="1"/>
-          <p:nvPr/>
-        </p:nvSpPr>
-        <p:spPr>
-          <a:xfrm>
-            <a:off x="5216027" y="1154513"/>
-            <a:ext cx="3716866" cy="523220"/>
-          </a:xfrm>
-          <a:prstGeom prst="rect">
-            <a:avLst/>
-          </a:prstGeom>
-          <a:noFill/>
-        </p:spPr>
-        <p:txBody>
-          <a:bodyPr wrap="square" rtlCol="0">
-            <a:spAutoFit/>
-          </a:bodyPr>
-          <a:lstStyle/>
-          <a:p>
-            <a:r>
-              <a:rPr lang="en-US" sz="2800" b="1" dirty="0">
-                <a:solidFill>
-                  <a:srgbClr val="C00000"/>
-                </a:solidFill>
-                <a:effectLst>
-                  <a:outerShdw blurRad="38100" dist="38100" dir="2700000" algn="tl">
-                    <a:srgbClr val="000000">
-                      <a:alpha val="43137"/>
-                    </a:srgbClr>
-                  </a:outerShdw>
-                </a:effectLst>
-              </a:rPr>
-              <a:t>Some search queries</a:t>
-            </a:r>
-            <a:endParaRPr lang="en-IN" sz="2800" b="1" dirty="0">
-              <a:solidFill>
-                <a:srgbClr val="C00000"/>
-              </a:solidFill>
-              <a:effectLst>
-                <a:outerShdw blurRad="38100" dist="38100" dir="2700000" algn="tl">
-                  <a:srgbClr val="000000">
-                    <a:alpha val="43137"/>
-                  </a:srgbClr>
-                </a:outerShdw>
-              </a:effectLst>
-            </a:endParaRPr>
-          </a:p>
-        </p:txBody>
-      </p:sp>
-    </p:spTree>
-    <p:extLst>
-      <p:ext uri="{BB962C8B-B14F-4D97-AF65-F5344CB8AC3E}">
-        <p14:creationId xmlns:p14="http://schemas.microsoft.com/office/powerpoint/2010/main" val="2769336879"/>
-      </p:ext>
-    </p:extLst>
-  </p:cSld>
-  <p:clrMapOvr>
-    <a:masterClrMapping/>
-  </p:clrMapOvr>
-  <mc:AlternateContent xmlns:mc="http://schemas.openxmlformats.org/markup-compatibility/2006" xmlns:p14="http://schemas.microsoft.com/office/powerpoint/2010/main">
-    <mc:Choice Requires="p14">
-      <p:transition spd="slow" p14:dur="1500">
-        <p:split orient="vert"/>
-      </p:transition>
-    </mc:Choice>
-    <mc:Fallback xmlns="">
-      <p:transition spd="slow">
-        <p:split orient="vert"/>
-      </p:transition>
-    </mc:Fallback>
-  </mc:AlternateContent>
-</p:sld>
-</file>
-
-<file path=ppt/slides/slide12.xml><?xml version="1.0" encoding="utf-8"?>
-<p:sld xmlns:a="http://schemas.openxmlformats.org/drawingml/2006/main" xmlns:r="http://schemas.openxmlformats.org/officeDocument/2006/relationships" xmlns:p="http://schemas.openxmlformats.org/presentationml/2006/main">
-  <p:cSld>
-    <p:spTree>
-      <p:nvGrpSpPr>
-        <p:cNvPr id="1" name=""/>
-        <p:cNvGrpSpPr/>
-        <p:nvPr/>
-      </p:nvGrpSpPr>
-      <p:grpSpPr>
-        <a:xfrm>
-          <a:off x="0" y="0"/>
-          <a:ext cx="0" cy="0"/>
-          <a:chOff x="0" y="0"/>
-          <a:chExt cx="0" cy="0"/>
-        </a:xfrm>
-      </p:grpSpPr>
-      <p:pic>
-        <p:nvPicPr>
-          <p:cNvPr id="5" name="Picture 4">
-            <a:extLst>
-              <a:ext uri="{FF2B5EF4-FFF2-40B4-BE49-F238E27FC236}">
-                <a16:creationId xmlns:a16="http://schemas.microsoft.com/office/drawing/2014/main" id="{4B6A5D6B-2995-48AD-4E75-861B2844F022}"/>
-              </a:ext>
-            </a:extLst>
-          </p:cNvPr>
-          <p:cNvPicPr>
-            <a:picLocks noChangeAspect="1"/>
-          </p:cNvPicPr>
-          <p:nvPr/>
-        </p:nvPicPr>
-        <p:blipFill>
-          <a:blip r:embed="rId2"/>
-          <a:stretch>
-            <a:fillRect/>
-          </a:stretch>
-        </p:blipFill>
-        <p:spPr>
-          <a:xfrm>
-            <a:off x="510988" y="1272988"/>
-            <a:ext cx="11125200" cy="5424146"/>
-          </a:xfrm>
-          <a:prstGeom prst="rect">
-            <a:avLst/>
-          </a:prstGeom>
-        </p:spPr>
-      </p:pic>
-      <mc:AlternateContent xmlns:mc="http://schemas.openxmlformats.org/markup-compatibility/2006" xmlns:p14="http://schemas.microsoft.com/office/powerpoint/2010/main">
-        <mc:Choice Requires="p14">
-          <p:contentPart p14:bwMode="auto" r:id="rId3">
-            <p14:nvContentPartPr>
-              <p14:cNvPr id="8" name="Ink 7">
-                <a:extLst>
-                  <a:ext uri="{FF2B5EF4-FFF2-40B4-BE49-F238E27FC236}">
-                    <a16:creationId xmlns:a16="http://schemas.microsoft.com/office/drawing/2014/main" id="{81E21D37-70CC-6C46-B72F-91C0B99D5FF3}"/>
-                  </a:ext>
-                </a:extLst>
-              </p14:cNvPr>
-              <p14:cNvContentPartPr/>
-              <p14:nvPr/>
-            </p14:nvContentPartPr>
-            <p14:xfrm>
-              <a:off x="4545707" y="2590787"/>
-              <a:ext cx="1508760" cy="1220040"/>
-            </p14:xfrm>
-          </p:contentPart>
-        </mc:Choice>
-        <mc:Fallback xmlns="">
-          <p:pic>
-            <p:nvPicPr>
-              <p:cNvPr id="8" name="Ink 7">
-                <a:extLst>
-                  <a:ext uri="{FF2B5EF4-FFF2-40B4-BE49-F238E27FC236}">
-                    <a16:creationId xmlns:a16="http://schemas.microsoft.com/office/drawing/2014/main" id="{81E21D37-70CC-6C46-B72F-91C0B99D5FF3}"/>
-                  </a:ext>
-                </a:extLst>
-              </p:cNvPr>
-              <p:cNvPicPr/>
-              <p:nvPr/>
-            </p:nvPicPr>
-            <p:blipFill>
-              <a:blip r:embed="rId4"/>
-              <a:stretch>
-                <a:fillRect/>
-              </a:stretch>
-            </p:blipFill>
-            <p:spPr>
-              <a:xfrm>
-                <a:off x="4537067" y="2581787"/>
-                <a:ext cx="1526400" cy="1237680"/>
-              </a:xfrm>
-              <a:prstGeom prst="rect">
-                <a:avLst/>
-              </a:prstGeom>
-            </p:spPr>
-          </p:pic>
-        </mc:Fallback>
-      </mc:AlternateContent>
-      <p:sp>
-        <p:nvSpPr>
-          <p:cNvPr id="10" name="TextBox 9">
-            <a:extLst>
-              <a:ext uri="{FF2B5EF4-FFF2-40B4-BE49-F238E27FC236}">
-                <a16:creationId xmlns:a16="http://schemas.microsoft.com/office/drawing/2014/main" id="{D17AC8DF-03AE-3952-21E1-80C0F85B0C58}"/>
-              </a:ext>
-            </a:extLst>
-          </p:cNvPr>
-          <p:cNvSpPr txBox="1"/>
-          <p:nvPr/>
-        </p:nvSpPr>
-        <p:spPr>
-          <a:xfrm>
-            <a:off x="5850468" y="2514600"/>
-            <a:ext cx="4233334" cy="461665"/>
-          </a:xfrm>
-          <a:prstGeom prst="rect">
-            <a:avLst/>
-          </a:prstGeom>
-          <a:noFill/>
-        </p:spPr>
-        <p:txBody>
-          <a:bodyPr wrap="square" rtlCol="0">
-            <a:spAutoFit/>
-          </a:bodyPr>
-          <a:lstStyle/>
-          <a:p>
-            <a:r>
-              <a:rPr lang="en-US" sz="2400" b="1" dirty="0">
-                <a:solidFill>
-                  <a:srgbClr val="C00000"/>
-                </a:solidFill>
-                <a:effectLst>
-                  <a:outerShdw blurRad="38100" dist="38100" dir="2700000" algn="tl">
-                    <a:srgbClr val="000000">
-                      <a:alpha val="43137"/>
-                    </a:srgbClr>
-                  </a:outerShdw>
-                </a:effectLst>
-              </a:rPr>
-              <a:t>Result of the previous query</a:t>
-            </a:r>
-            <a:endParaRPr lang="en-IN" sz="2400" b="1" dirty="0">
-              <a:solidFill>
-                <a:srgbClr val="C00000"/>
-              </a:solidFill>
-              <a:effectLst>
-                <a:outerShdw blurRad="38100" dist="38100" dir="2700000" algn="tl">
-                  <a:srgbClr val="000000">
-                    <a:alpha val="43137"/>
-                  </a:srgbClr>
-                </a:outerShdw>
-              </a:effectLst>
-            </a:endParaRPr>
-          </a:p>
-        </p:txBody>
-      </p:sp>
-      <mc:AlternateContent xmlns:mc="http://schemas.openxmlformats.org/markup-compatibility/2006" xmlns:p14="http://schemas.microsoft.com/office/powerpoint/2010/main">
-        <mc:Choice Requires="p14">
-          <p:contentPart p14:bwMode="auto" r:id="rId5">
-            <p14:nvContentPartPr>
-              <p14:cNvPr id="11" name="Ink 10">
-                <a:extLst>
-                  <a:ext uri="{FF2B5EF4-FFF2-40B4-BE49-F238E27FC236}">
-                    <a16:creationId xmlns:a16="http://schemas.microsoft.com/office/drawing/2014/main" id="{74400F72-E3E6-80A4-E7A4-B3048494425F}"/>
-                  </a:ext>
-                </a:extLst>
-              </p14:cNvPr>
-              <p14:cNvContentPartPr/>
-              <p14:nvPr/>
-            </p14:nvContentPartPr>
-            <p14:xfrm>
-              <a:off x="1929947" y="2580707"/>
-              <a:ext cx="812880" cy="298800"/>
-            </p14:xfrm>
-          </p:contentPart>
-        </mc:Choice>
-        <mc:Fallback xmlns="">
-          <p:pic>
-            <p:nvPicPr>
-              <p:cNvPr id="11" name="Ink 10">
-                <a:extLst>
-                  <a:ext uri="{FF2B5EF4-FFF2-40B4-BE49-F238E27FC236}">
-                    <a16:creationId xmlns:a16="http://schemas.microsoft.com/office/drawing/2014/main" id="{74400F72-E3E6-80A4-E7A4-B3048494425F}"/>
-                  </a:ext>
-                </a:extLst>
-              </p:cNvPr>
-              <p:cNvPicPr/>
-              <p:nvPr/>
-            </p:nvPicPr>
-            <p:blipFill>
-              <a:blip r:embed="rId6"/>
-              <a:stretch>
-                <a:fillRect/>
-              </a:stretch>
-            </p:blipFill>
-            <p:spPr>
-              <a:xfrm>
-                <a:off x="1920947" y="2571707"/>
-                <a:ext cx="830520" cy="316440"/>
-              </a:xfrm>
-              <a:prstGeom prst="rect">
-                <a:avLst/>
-              </a:prstGeom>
-            </p:spPr>
-          </p:pic>
-        </mc:Fallback>
-      </mc:AlternateContent>
-      <mc:AlternateContent xmlns:mc="http://schemas.openxmlformats.org/markup-compatibility/2006" xmlns:p14="http://schemas.microsoft.com/office/powerpoint/2010/main">
-        <mc:Choice Requires="p14">
-          <p:contentPart p14:bwMode="auto" r:id="rId7">
+          <p:contentPart p14:bwMode="auto" r:id="rId2">
             <p14:nvContentPartPr>
               <p14:cNvPr id="12" name="Ink 11">
                 <a:extLst>
@@ -5579,147 +5225,9 @@
           </p:pic>
         </mc:Fallback>
       </mc:AlternateContent>
-      <p:sp>
-        <p:nvSpPr>
-          <p:cNvPr id="13" name="TextBox 12">
-            <a:extLst>
-              <a:ext uri="{FF2B5EF4-FFF2-40B4-BE49-F238E27FC236}">
-                <a16:creationId xmlns:a16="http://schemas.microsoft.com/office/drawing/2014/main" id="{B9ECDE3B-4BC7-950D-0812-D2DF5C55C8A3}"/>
-              </a:ext>
-            </a:extLst>
-          </p:cNvPr>
-          <p:cNvSpPr txBox="1"/>
-          <p:nvPr/>
-        </p:nvSpPr>
-        <p:spPr>
-          <a:xfrm>
-            <a:off x="1786466" y="3403325"/>
-            <a:ext cx="2675467" cy="923330"/>
-          </a:xfrm>
-          <a:prstGeom prst="rect">
-            <a:avLst/>
-          </a:prstGeom>
-          <a:noFill/>
-        </p:spPr>
-        <p:txBody>
-          <a:bodyPr wrap="square" rtlCol="0">
-            <a:spAutoFit/>
-          </a:bodyPr>
-          <a:lstStyle/>
-          <a:p>
-            <a:r>
-              <a:rPr lang="en-US" dirty="0"/>
-              <a:t>Text File Created after executing the keylogger files</a:t>
-            </a:r>
-            <a:endParaRPr lang="en-IN" dirty="0"/>
-          </a:p>
-        </p:txBody>
-      </p:sp>
       <mc:AlternateContent xmlns:mc="http://schemas.openxmlformats.org/markup-compatibility/2006" xmlns:p14="http://schemas.microsoft.com/office/powerpoint/2010/main">
         <mc:Choice Requires="p14">
           <p:contentPart p14:bwMode="auto" r:id="rId9">
-            <p14:nvContentPartPr>
-              <p14:cNvPr id="14" name="Ink 13">
-                <a:extLst>
-                  <a:ext uri="{FF2B5EF4-FFF2-40B4-BE49-F238E27FC236}">
-                    <a16:creationId xmlns:a16="http://schemas.microsoft.com/office/drawing/2014/main" id="{62E4FC09-330D-EB9D-08D6-0337DE466B20}"/>
-                  </a:ext>
-                </a:extLst>
-              </p14:cNvPr>
-              <p14:cNvContentPartPr/>
-              <p14:nvPr/>
-            </p14:nvContentPartPr>
-            <p14:xfrm>
-              <a:off x="2637707" y="2815067"/>
-              <a:ext cx="173160" cy="622440"/>
-            </p14:xfrm>
-          </p:contentPart>
-        </mc:Choice>
-        <mc:Fallback xmlns="">
-          <p:pic>
-            <p:nvPicPr>
-              <p:cNvPr id="14" name="Ink 13">
-                <a:extLst>
-                  <a:ext uri="{FF2B5EF4-FFF2-40B4-BE49-F238E27FC236}">
-                    <a16:creationId xmlns:a16="http://schemas.microsoft.com/office/drawing/2014/main" id="{62E4FC09-330D-EB9D-08D6-0337DE466B20}"/>
-                  </a:ext>
-                </a:extLst>
-              </p:cNvPr>
-              <p:cNvPicPr/>
-              <p:nvPr/>
-            </p:nvPicPr>
-            <p:blipFill>
-              <a:blip r:embed="rId10"/>
-              <a:stretch>
-                <a:fillRect/>
-              </a:stretch>
-            </p:blipFill>
-            <p:spPr>
-              <a:xfrm>
-                <a:off x="2629067" y="2806427"/>
-                <a:ext cx="190800" cy="640080"/>
-              </a:xfrm>
-              <a:prstGeom prst="rect">
-                <a:avLst/>
-              </a:prstGeom>
-            </p:spPr>
-          </p:pic>
-        </mc:Fallback>
-      </mc:AlternateContent>
-      <mc:AlternateContent xmlns:mc="http://schemas.openxmlformats.org/markup-compatibility/2006" xmlns:p14="http://schemas.microsoft.com/office/powerpoint/2010/main">
-        <mc:Choice Requires="p14">
-          <p:contentPart p14:bwMode="auto" r:id="rId11">
-            <p14:nvContentPartPr>
-              <p14:cNvPr id="15" name="Ink 14">
-                <a:extLst>
-                  <a:ext uri="{FF2B5EF4-FFF2-40B4-BE49-F238E27FC236}">
-                    <a16:creationId xmlns:a16="http://schemas.microsoft.com/office/drawing/2014/main" id="{6CB40E6E-0FFD-EE37-D2E3-160D79376E90}"/>
-                  </a:ext>
-                </a:extLst>
-              </p14:cNvPr>
-              <p14:cNvContentPartPr/>
-              <p14:nvPr/>
-            </p14:nvContentPartPr>
-            <p14:xfrm>
-              <a:off x="2542307" y="2810747"/>
-              <a:ext cx="308880" cy="216000"/>
-            </p14:xfrm>
-          </p:contentPart>
-        </mc:Choice>
-        <mc:Fallback xmlns="">
-          <p:pic>
-            <p:nvPicPr>
-              <p:cNvPr id="15" name="Ink 14">
-                <a:extLst>
-                  <a:ext uri="{FF2B5EF4-FFF2-40B4-BE49-F238E27FC236}">
-                    <a16:creationId xmlns:a16="http://schemas.microsoft.com/office/drawing/2014/main" id="{6CB40E6E-0FFD-EE37-D2E3-160D79376E90}"/>
-                  </a:ext>
-                </a:extLst>
-              </p:cNvPr>
-              <p:cNvPicPr/>
-              <p:nvPr/>
-            </p:nvPicPr>
-            <p:blipFill>
-              <a:blip r:embed="rId12"/>
-              <a:stretch>
-                <a:fillRect/>
-              </a:stretch>
-            </p:blipFill>
-            <p:spPr>
-              <a:xfrm>
-                <a:off x="2533307" y="2801747"/>
-                <a:ext cx="326520" cy="233640"/>
-              </a:xfrm>
-              <a:prstGeom prst="rect">
-                <a:avLst/>
-              </a:prstGeom>
-            </p:spPr>
-          </p:pic>
-        </mc:Fallback>
-      </mc:AlternateContent>
-      <mc:AlternateContent xmlns:mc="http://schemas.openxmlformats.org/markup-compatibility/2006" xmlns:p14="http://schemas.microsoft.com/office/powerpoint/2010/main">
-        <mc:Choice Requires="p14">
-          <p:contentPart p14:bwMode="auto" r:id="rId13">
             <p14:nvContentPartPr>
               <p14:cNvPr id="16" name="Ink 15">
                 <a:extLst>
@@ -5768,6 +5276,83 @@
           </p:pic>
         </mc:Fallback>
       </mc:AlternateContent>
+      <p:sp>
+        <p:nvSpPr>
+          <p:cNvPr id="5" name="TextBox 4">
+            <a:extLst>
+              <a:ext uri="{FF2B5EF4-FFF2-40B4-BE49-F238E27FC236}">
+                <a16:creationId xmlns:a16="http://schemas.microsoft.com/office/drawing/2014/main" id="{29982F1A-95A1-D3FD-4B1C-4F1D28E65F2A}"/>
+              </a:ext>
+            </a:extLst>
+          </p:cNvPr>
+          <p:cNvSpPr txBox="1"/>
+          <p:nvPr/>
+        </p:nvSpPr>
+        <p:spPr>
+          <a:xfrm>
+            <a:off x="699246" y="645459"/>
+            <a:ext cx="2949389" cy="523220"/>
+          </a:xfrm>
+          <a:prstGeom prst="rect">
+            <a:avLst/>
+          </a:prstGeom>
+          <a:noFill/>
+        </p:spPr>
+        <p:txBody>
+          <a:bodyPr wrap="square" rtlCol="0">
+            <a:spAutoFit/>
+          </a:bodyPr>
+          <a:lstStyle/>
+          <a:p>
+            <a:r>
+              <a:rPr lang="en-GB" sz="2800" dirty="0">
+                <a:effectLst>
+                  <a:outerShdw blurRad="38100" dist="38100" dir="2700000" algn="tl">
+                    <a:srgbClr val="000000">
+                      <a:alpha val="43137"/>
+                    </a:srgbClr>
+                  </a:outerShdw>
+                </a:effectLst>
+                <a:latin typeface="+mj-lt"/>
+              </a:rPr>
+              <a:t>OUTPUT SAMPLE</a:t>
+            </a:r>
+            <a:endParaRPr lang="en-IN" sz="2800" dirty="0">
+              <a:latin typeface="+mj-lt"/>
+            </a:endParaRPr>
+          </a:p>
+        </p:txBody>
+      </p:sp>
+      <p:pic>
+        <p:nvPicPr>
+          <p:cNvPr id="7" name="Picture 6">
+            <a:extLst>
+              <a:ext uri="{FF2B5EF4-FFF2-40B4-BE49-F238E27FC236}">
+                <a16:creationId xmlns:a16="http://schemas.microsoft.com/office/drawing/2014/main" id="{B328C53A-1101-B45D-2169-0089474712B3}"/>
+              </a:ext>
+            </a:extLst>
+          </p:cNvPr>
+          <p:cNvPicPr>
+            <a:picLocks noChangeAspect="1"/>
+          </p:cNvPicPr>
+          <p:nvPr/>
+        </p:nvPicPr>
+        <p:blipFill>
+          <a:blip r:embed="rId15"/>
+          <a:stretch>
+            <a:fillRect/>
+          </a:stretch>
+        </p:blipFill>
+        <p:spPr>
+          <a:xfrm>
+            <a:off x="779929" y="1255059"/>
+            <a:ext cx="10300447" cy="4491317"/>
+          </a:xfrm>
+          <a:prstGeom prst="rect">
+            <a:avLst/>
+          </a:prstGeom>
+        </p:spPr>
+      </p:pic>
     </p:spTree>
     <p:extLst>
       <p:ext uri="{BB962C8B-B14F-4D97-AF65-F5344CB8AC3E}">
@@ -5793,6 +5378,118 @@
 </p:sld>
 </file>
 
+<file path=ppt/slides/slide12.xml><?xml version="1.0" encoding="utf-8"?>
+<p:sld xmlns:a="http://schemas.openxmlformats.org/drawingml/2006/main" xmlns:r="http://schemas.openxmlformats.org/officeDocument/2006/relationships" xmlns:p="http://schemas.openxmlformats.org/presentationml/2006/main">
+  <p:cSld>
+    <p:spTree>
+      <p:nvGrpSpPr>
+        <p:cNvPr id="1" name=""/>
+        <p:cNvGrpSpPr/>
+        <p:nvPr/>
+      </p:nvGrpSpPr>
+      <p:grpSpPr>
+        <a:xfrm>
+          <a:off x="0" y="0"/>
+          <a:ext cx="0" cy="0"/>
+          <a:chOff x="0" y="0"/>
+          <a:chExt cx="0" cy="0"/>
+        </a:xfrm>
+      </p:grpSpPr>
+      <p:sp>
+        <p:nvSpPr>
+          <p:cNvPr id="2" name="Title 1">
+            <a:extLst>
+              <a:ext uri="{FF2B5EF4-FFF2-40B4-BE49-F238E27FC236}">
+                <a16:creationId xmlns:a16="http://schemas.microsoft.com/office/drawing/2014/main" id="{EE72DFC4-D1A8-46EA-6DC8-94F4F85CBF98}"/>
+              </a:ext>
+            </a:extLst>
+          </p:cNvPr>
+          <p:cNvSpPr>
+            <a:spLocks noGrp="1"/>
+          </p:cNvSpPr>
+          <p:nvPr>
+            <p:ph type="title"/>
+          </p:nvPr>
+        </p:nvSpPr>
+        <p:spPr>
+          <a:xfrm>
+            <a:off x="581192" y="702156"/>
+            <a:ext cx="11029616" cy="517044"/>
+          </a:xfrm>
+        </p:spPr>
+        <p:txBody>
+          <a:bodyPr>
+            <a:noAutofit/>
+          </a:bodyPr>
+          <a:lstStyle/>
+          <a:p>
+            <a:r>
+              <a:rPr lang="en-US" dirty="0">
+                <a:effectLst>
+                  <a:outerShdw blurRad="38100" dist="38100" dir="2700000" algn="tl">
+                    <a:srgbClr val="000000">
+                      <a:alpha val="43137"/>
+                    </a:srgbClr>
+                  </a:outerShdw>
+                </a:effectLst>
+              </a:rPr>
+              <a:t>Output Sample</a:t>
+            </a:r>
+            <a:endParaRPr lang="en-IN" dirty="0">
+              <a:effectLst>
+                <a:outerShdw blurRad="38100" dist="38100" dir="2700000" algn="tl">
+                  <a:srgbClr val="000000">
+                    <a:alpha val="43137"/>
+                  </a:srgbClr>
+                </a:outerShdw>
+              </a:effectLst>
+            </a:endParaRPr>
+          </a:p>
+        </p:txBody>
+      </p:sp>
+      <p:pic>
+        <p:nvPicPr>
+          <p:cNvPr id="5" name="Picture 4">
+            <a:extLst>
+              <a:ext uri="{FF2B5EF4-FFF2-40B4-BE49-F238E27FC236}">
+                <a16:creationId xmlns:a16="http://schemas.microsoft.com/office/drawing/2014/main" id="{FB0E5312-475E-B45E-D6C0-52F419469438}"/>
+              </a:ext>
+            </a:extLst>
+          </p:cNvPr>
+          <p:cNvPicPr>
+            <a:picLocks noChangeAspect="1"/>
+          </p:cNvPicPr>
+          <p:nvPr/>
+        </p:nvPicPr>
+        <p:blipFill>
+          <a:blip r:embed="rId2"/>
+          <a:stretch>
+            <a:fillRect/>
+          </a:stretch>
+        </p:blipFill>
+        <p:spPr>
+          <a:xfrm>
+            <a:off x="717176" y="1398494"/>
+            <a:ext cx="8947309" cy="4757350"/>
+          </a:xfrm>
+          <a:prstGeom prst="rect">
+            <a:avLst/>
+          </a:prstGeom>
+        </p:spPr>
+      </p:pic>
+    </p:spTree>
+    <p:extLst>
+      <p:ext uri="{BB962C8B-B14F-4D97-AF65-F5344CB8AC3E}">
+        <p14:creationId xmlns:p14="http://schemas.microsoft.com/office/powerpoint/2010/main" val="4186496321"/>
+      </p:ext>
+    </p:extLst>
+  </p:cSld>
+  <p:clrMapOvr>
+    <a:masterClrMapping/>
+  </p:clrMapOvr>
+</p:sld>
+</file>
+
 <file path=ppt/slides/slide13.xml><?xml version="1.0" encoding="utf-8"?>
 <p:sld xmlns:a="http://schemas.openxmlformats.org/drawingml/2006/main" xmlns:r="http://schemas.openxmlformats.org/officeDocument/2006/relationships" xmlns:p="http://schemas.openxmlformats.org/presentationml/2006/main">
   <p:cSld>
@@ -5810,12 +5507,64 @@
           <a:chExt cx="0" cy="0"/>
         </a:xfrm>
       </p:grpSpPr>
+      <p:sp>
+        <p:nvSpPr>
+          <p:cNvPr id="4" name="Title 1">
+            <a:extLst>
+              <a:ext uri="{FF2B5EF4-FFF2-40B4-BE49-F238E27FC236}">
+                <a16:creationId xmlns:a16="http://schemas.microsoft.com/office/drawing/2014/main" id="{9BCFD74A-EB68-4ABB-8837-3FDE7C9A9789}"/>
+              </a:ext>
+            </a:extLst>
+          </p:cNvPr>
+          <p:cNvSpPr>
+            <a:spLocks noGrp="1"/>
+          </p:cNvSpPr>
+          <p:nvPr>
+            <p:ph type="title"/>
+          </p:nvPr>
+        </p:nvSpPr>
+        <p:spPr>
+          <a:xfrm>
+            <a:off x="581025" y="701675"/>
+            <a:ext cx="10131799" cy="508560"/>
+          </a:xfrm>
+        </p:spPr>
+        <p:txBody>
+          <a:bodyPr>
+            <a:noAutofit/>
+          </a:bodyPr>
+          <a:lstStyle/>
+          <a:p>
+            <a:r>
+              <a:rPr lang="en-US" dirty="0">
+                <a:effectLst>
+                  <a:outerShdw blurRad="38100" dist="38100" dir="2700000" algn="tl">
+                    <a:srgbClr val="000000">
+                      <a:alpha val="43137"/>
+                    </a:srgbClr>
+                  </a:outerShdw>
+                </a:effectLst>
+              </a:rPr>
+              <a:t>Output sample</a:t>
+            </a:r>
+            <a:endParaRPr lang="en-IN" dirty="0">
+              <a:effectLst>
+                <a:outerShdw blurRad="38100" dist="38100" dir="2700000" algn="tl">
+                  <a:srgbClr val="000000">
+                    <a:alpha val="43137"/>
+                  </a:srgbClr>
+                </a:outerShdw>
+              </a:effectLst>
+            </a:endParaRPr>
+          </a:p>
+        </p:txBody>
+      </p:sp>
       <p:pic>
         <p:nvPicPr>
-          <p:cNvPr id="5" name="Picture 4">
+          <p:cNvPr id="6" name="Picture 5">
             <a:extLst>
               <a:ext uri="{FF2B5EF4-FFF2-40B4-BE49-F238E27FC236}">
-                <a16:creationId xmlns:a16="http://schemas.microsoft.com/office/drawing/2014/main" id="{BCDEF1D5-0D5E-2D65-8910-FA42CAD31BD3}"/>
+                <a16:creationId xmlns:a16="http://schemas.microsoft.com/office/drawing/2014/main" id="{932A8E48-A387-B743-61C1-B2A870B60E17}"/>
               </a:ext>
             </a:extLst>
           </p:cNvPr>
@@ -5832,393 +5581,68 @@
         </p:blipFill>
         <p:spPr>
           <a:xfrm>
-            <a:off x="261195" y="0"/>
-            <a:ext cx="9864938" cy="6858000"/>
+            <a:off x="708212" y="1210234"/>
+            <a:ext cx="9170894" cy="4141695"/>
           </a:xfrm>
           <a:prstGeom prst="rect">
             <a:avLst/>
           </a:prstGeom>
         </p:spPr>
       </p:pic>
-      <p:pic>
-        <p:nvPicPr>
-          <p:cNvPr id="7" name="Picture 6">
+      <p:sp>
+        <p:nvSpPr>
+          <p:cNvPr id="7" name="TextBox 6">
             <a:extLst>
               <a:ext uri="{FF2B5EF4-FFF2-40B4-BE49-F238E27FC236}">
-                <a16:creationId xmlns:a16="http://schemas.microsoft.com/office/drawing/2014/main" id="{DFE70923-C3C0-A47F-4C15-07D1752E69D8}"/>
+                <a16:creationId xmlns:a16="http://schemas.microsoft.com/office/drawing/2014/main" id="{4432DA0F-D590-99A7-D337-1E21861E768C}"/>
               </a:ext>
             </a:extLst>
           </p:cNvPr>
-          <p:cNvPicPr>
-            <a:picLocks noChangeAspect="1"/>
-          </p:cNvPicPr>
+          <p:cNvSpPr txBox="1"/>
           <p:nvPr/>
-        </p:nvPicPr>
-        <p:blipFill>
-          <a:blip r:embed="rId3"/>
-          <a:stretch>
-            <a:fillRect/>
-          </a:stretch>
-        </p:blipFill>
+        </p:nvSpPr>
         <p:spPr>
           <a:xfrm>
-            <a:off x="4165600" y="0"/>
-            <a:ext cx="8026400" cy="6858000"/>
+            <a:off x="708212" y="5351929"/>
+            <a:ext cx="11272837" cy="707886"/>
           </a:xfrm>
           <a:prstGeom prst="rect">
             <a:avLst/>
           </a:prstGeom>
+          <a:noFill/>
         </p:spPr>
-      </p:pic>
-      <mc:AlternateContent xmlns:mc="http://schemas.openxmlformats.org/markup-compatibility/2006" xmlns:p14="http://schemas.microsoft.com/office/powerpoint/2010/main">
-        <mc:Choice Requires="p14">
-          <p:contentPart p14:bwMode="auto" r:id="rId4">
-            <p14:nvContentPartPr>
-              <p14:cNvPr id="9" name="Ink 8">
-                <a:extLst>
-                  <a:ext uri="{FF2B5EF4-FFF2-40B4-BE49-F238E27FC236}">
-                    <a16:creationId xmlns:a16="http://schemas.microsoft.com/office/drawing/2014/main" id="{4BF6D50D-DA25-212F-825A-B367B7ECDB24}"/>
-                  </a:ext>
-                </a:extLst>
-              </p14:cNvPr>
-              <p14:cNvContentPartPr/>
-              <p14:nvPr/>
-            </p14:nvContentPartPr>
-            <p14:xfrm>
-              <a:off x="966587" y="912827"/>
-              <a:ext cx="2699280" cy="603720"/>
-            </p14:xfrm>
-          </p:contentPart>
-        </mc:Choice>
-        <mc:Fallback xmlns="">
-          <p:pic>
-            <p:nvPicPr>
-              <p:cNvPr id="9" name="Ink 8">
-                <a:extLst>
-                  <a:ext uri="{FF2B5EF4-FFF2-40B4-BE49-F238E27FC236}">
-                    <a16:creationId xmlns:a16="http://schemas.microsoft.com/office/drawing/2014/main" id="{4BF6D50D-DA25-212F-825A-B367B7ECDB24}"/>
-                  </a:ext>
-                </a:extLst>
-              </p:cNvPr>
-              <p:cNvPicPr/>
-              <p:nvPr/>
-            </p:nvPicPr>
-            <p:blipFill>
-              <a:blip r:embed="rId5"/>
-              <a:stretch>
-                <a:fillRect/>
-              </a:stretch>
-            </p:blipFill>
-            <p:spPr>
-              <a:xfrm>
-                <a:off x="957947" y="903827"/>
-                <a:ext cx="2716920" cy="621360"/>
-              </a:xfrm>
-              <a:prstGeom prst="rect">
-                <a:avLst/>
-              </a:prstGeom>
-            </p:spPr>
-          </p:pic>
-        </mc:Fallback>
-      </mc:AlternateContent>
-      <mc:AlternateContent xmlns:mc="http://schemas.openxmlformats.org/markup-compatibility/2006" xmlns:p14="http://schemas.microsoft.com/office/powerpoint/2010/main">
-        <mc:Choice Requires="p14">
-          <p:contentPart p14:bwMode="auto" r:id="rId6">
-            <p14:nvContentPartPr>
-              <p14:cNvPr id="10" name="Ink 9">
-                <a:extLst>
-                  <a:ext uri="{FF2B5EF4-FFF2-40B4-BE49-F238E27FC236}">
-                    <a16:creationId xmlns:a16="http://schemas.microsoft.com/office/drawing/2014/main" id="{3CE5135A-7E1F-DE13-653A-C216A71CE7DF}"/>
-                  </a:ext>
-                </a:extLst>
-              </p14:cNvPr>
-              <p14:cNvContentPartPr/>
-              <p14:nvPr/>
-            </p14:nvContentPartPr>
-            <p14:xfrm>
-              <a:off x="7211147" y="3106307"/>
-              <a:ext cx="2120040" cy="1932480"/>
-            </p14:xfrm>
-          </p:contentPart>
-        </mc:Choice>
-        <mc:Fallback xmlns="">
-          <p:pic>
-            <p:nvPicPr>
-              <p:cNvPr id="10" name="Ink 9">
-                <a:extLst>
-                  <a:ext uri="{FF2B5EF4-FFF2-40B4-BE49-F238E27FC236}">
-                    <a16:creationId xmlns:a16="http://schemas.microsoft.com/office/drawing/2014/main" id="{3CE5135A-7E1F-DE13-653A-C216A71CE7DF}"/>
-                  </a:ext>
-                </a:extLst>
-              </p:cNvPr>
-              <p:cNvPicPr/>
-              <p:nvPr/>
-            </p:nvPicPr>
-            <p:blipFill>
-              <a:blip r:embed="rId7"/>
-              <a:stretch>
-                <a:fillRect/>
-              </a:stretch>
-            </p:blipFill>
-            <p:spPr>
-              <a:xfrm>
-                <a:off x="7202147" y="3097307"/>
-                <a:ext cx="2137680" cy="1950120"/>
-              </a:xfrm>
-              <a:prstGeom prst="rect">
-                <a:avLst/>
-              </a:prstGeom>
-            </p:spPr>
-          </p:pic>
-        </mc:Fallback>
-      </mc:AlternateContent>
-      <mc:AlternateContent xmlns:mc="http://schemas.openxmlformats.org/markup-compatibility/2006" xmlns:p14="http://schemas.microsoft.com/office/powerpoint/2010/main">
-        <mc:Choice Requires="p14">
-          <p:contentPart p14:bwMode="auto" r:id="rId8">
-            <p14:nvContentPartPr>
-              <p14:cNvPr id="11" name="Ink 10">
-                <a:extLst>
-                  <a:ext uri="{FF2B5EF4-FFF2-40B4-BE49-F238E27FC236}">
-                    <a16:creationId xmlns:a16="http://schemas.microsoft.com/office/drawing/2014/main" id="{029498C9-ABA1-0A72-3F8D-C9A3CF17E24F}"/>
-                  </a:ext>
-                </a:extLst>
-              </p14:cNvPr>
-              <p14:cNvContentPartPr/>
-              <p14:nvPr/>
-            </p14:nvContentPartPr>
-            <p14:xfrm>
-              <a:off x="-338773" y="2675387"/>
-              <a:ext cx="360" cy="360"/>
-            </p14:xfrm>
-          </p:contentPart>
-        </mc:Choice>
-        <mc:Fallback xmlns="">
-          <p:pic>
-            <p:nvPicPr>
-              <p:cNvPr id="11" name="Ink 10">
-                <a:extLst>
-                  <a:ext uri="{FF2B5EF4-FFF2-40B4-BE49-F238E27FC236}">
-                    <a16:creationId xmlns:a16="http://schemas.microsoft.com/office/drawing/2014/main" id="{029498C9-ABA1-0A72-3F8D-C9A3CF17E24F}"/>
-                  </a:ext>
-                </a:extLst>
-              </p:cNvPr>
-              <p:cNvPicPr/>
-              <p:nvPr/>
-            </p:nvPicPr>
-            <p:blipFill>
-              <a:blip r:embed="rId9"/>
-              <a:stretch>
-                <a:fillRect/>
-              </a:stretch>
-            </p:blipFill>
-            <p:spPr>
-              <a:xfrm>
-                <a:off x="-347773" y="2666747"/>
-                <a:ext cx="18000" cy="18000"/>
-              </a:xfrm>
-              <a:prstGeom prst="rect">
-                <a:avLst/>
-              </a:prstGeom>
-            </p:spPr>
-          </p:pic>
-        </mc:Fallback>
-      </mc:AlternateContent>
-      <p:grpSp>
-        <p:nvGrpSpPr>
-          <p:cNvPr id="22" name="Group 21">
-            <a:extLst>
-              <a:ext uri="{FF2B5EF4-FFF2-40B4-BE49-F238E27FC236}">
-                <a16:creationId xmlns:a16="http://schemas.microsoft.com/office/drawing/2014/main" id="{EA185BEE-C16E-D9DF-8A94-3F4DBBC2A860}"/>
-              </a:ext>
-            </a:extLst>
-          </p:cNvPr>
-          <p:cNvGrpSpPr/>
-          <p:nvPr/>
-        </p:nvGrpSpPr>
-        <p:grpSpPr>
-          <a:xfrm>
-            <a:off x="3564347" y="1328987"/>
-            <a:ext cx="3954960" cy="2345760"/>
-            <a:chOff x="3564347" y="1328987"/>
-            <a:chExt cx="3954960" cy="2345760"/>
-          </a:xfrm>
-        </p:grpSpPr>
-        <mc:AlternateContent xmlns:mc="http://schemas.openxmlformats.org/markup-compatibility/2006" xmlns:p14="http://schemas.microsoft.com/office/powerpoint/2010/main">
-          <mc:Choice Requires="p14">
-            <p:contentPart p14:bwMode="auto" r:id="rId10">
-              <p14:nvContentPartPr>
-                <p14:cNvPr id="18" name="Ink 17">
-                  <a:extLst>
-                    <a:ext uri="{FF2B5EF4-FFF2-40B4-BE49-F238E27FC236}">
-                      <a16:creationId xmlns:a16="http://schemas.microsoft.com/office/drawing/2014/main" id="{F0652546-35F4-6674-93F1-B24D10245206}"/>
-                    </a:ext>
-                  </a:extLst>
-                </p14:cNvPr>
-                <p14:cNvContentPartPr/>
-                <p14:nvPr/>
-              </p14:nvContentPartPr>
-              <p14:xfrm>
-                <a:off x="3564347" y="1328987"/>
-                <a:ext cx="3954960" cy="2285280"/>
-              </p14:xfrm>
-            </p:contentPart>
-          </mc:Choice>
-          <mc:Fallback xmlns="">
-            <p:pic>
-              <p:nvPicPr>
-                <p:cNvPr id="18" name="Ink 17">
-                  <a:extLst>
-                    <a:ext uri="{FF2B5EF4-FFF2-40B4-BE49-F238E27FC236}">
-                      <a16:creationId xmlns:a16="http://schemas.microsoft.com/office/drawing/2014/main" id="{F0652546-35F4-6674-93F1-B24D10245206}"/>
-                    </a:ext>
-                  </a:extLst>
-                </p:cNvPr>
-                <p:cNvPicPr/>
-                <p:nvPr/>
-              </p:nvPicPr>
-              <p:blipFill>
-                <a:blip r:embed="rId11"/>
-                <a:stretch>
-                  <a:fillRect/>
-                </a:stretch>
-              </p:blipFill>
-              <p:spPr>
-                <a:xfrm>
-                  <a:off x="3555707" y="1320347"/>
-                  <a:ext cx="3972600" cy="2302920"/>
-                </a:xfrm>
-                <a:prstGeom prst="rect">
-                  <a:avLst/>
-                </a:prstGeom>
-              </p:spPr>
-            </p:pic>
-          </mc:Fallback>
-        </mc:AlternateContent>
-        <mc:AlternateContent xmlns:mc="http://schemas.openxmlformats.org/markup-compatibility/2006" xmlns:p14="http://schemas.microsoft.com/office/powerpoint/2010/main">
-          <mc:Choice Requires="p14">
-            <p:contentPart p14:bwMode="auto" r:id="rId12">
-              <p14:nvContentPartPr>
-                <p14:cNvPr id="19" name="Ink 18">
-                  <a:extLst>
-                    <a:ext uri="{FF2B5EF4-FFF2-40B4-BE49-F238E27FC236}">
-                      <a16:creationId xmlns:a16="http://schemas.microsoft.com/office/drawing/2014/main" id="{A7504B50-6D25-B106-4903-C30CDA3B3AD1}"/>
-                    </a:ext>
-                  </a:extLst>
-                </p14:cNvPr>
-                <p14:cNvContentPartPr/>
-                <p14:nvPr/>
-              </p14:nvContentPartPr>
-              <p14:xfrm>
-                <a:off x="7236707" y="3143747"/>
-                <a:ext cx="180720" cy="420840"/>
-              </p14:xfrm>
-            </p:contentPart>
-          </mc:Choice>
-          <mc:Fallback xmlns="">
-            <p:pic>
-              <p:nvPicPr>
-                <p:cNvPr id="19" name="Ink 18">
-                  <a:extLst>
-                    <a:ext uri="{FF2B5EF4-FFF2-40B4-BE49-F238E27FC236}">
-                      <a16:creationId xmlns:a16="http://schemas.microsoft.com/office/drawing/2014/main" id="{A7504B50-6D25-B106-4903-C30CDA3B3AD1}"/>
-                    </a:ext>
-                  </a:extLst>
-                </p:cNvPr>
-                <p:cNvPicPr/>
-                <p:nvPr/>
-              </p:nvPicPr>
-              <p:blipFill>
-                <a:blip r:embed="rId13"/>
-                <a:stretch>
-                  <a:fillRect/>
-                </a:stretch>
-              </p:blipFill>
-              <p:spPr>
-                <a:xfrm>
-                  <a:off x="7227707" y="3134747"/>
-                  <a:ext cx="198360" cy="438480"/>
-                </a:xfrm>
-                <a:prstGeom prst="rect">
-                  <a:avLst/>
-                </a:prstGeom>
-              </p:spPr>
-            </p:pic>
-          </mc:Fallback>
-        </mc:AlternateContent>
-        <mc:AlternateContent xmlns:mc="http://schemas.openxmlformats.org/markup-compatibility/2006" xmlns:p14="http://schemas.microsoft.com/office/powerpoint/2010/main">
-          <mc:Choice Requires="p14">
-            <p:contentPart p14:bwMode="auto" r:id="rId14">
-              <p14:nvContentPartPr>
-                <p14:cNvPr id="21" name="Ink 20">
-                  <a:extLst>
-                    <a:ext uri="{FF2B5EF4-FFF2-40B4-BE49-F238E27FC236}">
-                      <a16:creationId xmlns:a16="http://schemas.microsoft.com/office/drawing/2014/main" id="{4D566CA0-E4B3-D13E-82AD-793076458E2E}"/>
-                    </a:ext>
-                  </a:extLst>
-                </p14:cNvPr>
-                <p14:cNvContentPartPr/>
-                <p14:nvPr/>
-              </p14:nvContentPartPr>
-              <p14:xfrm>
-                <a:off x="6689147" y="3598067"/>
-                <a:ext cx="778680" cy="76680"/>
-              </p14:xfrm>
-            </p:contentPart>
-          </mc:Choice>
-          <mc:Fallback xmlns="">
-            <p:pic>
-              <p:nvPicPr>
-                <p:cNvPr id="21" name="Ink 20">
-                  <a:extLst>
-                    <a:ext uri="{FF2B5EF4-FFF2-40B4-BE49-F238E27FC236}">
-                      <a16:creationId xmlns:a16="http://schemas.microsoft.com/office/drawing/2014/main" id="{4D566CA0-E4B3-D13E-82AD-793076458E2E}"/>
-                    </a:ext>
-                  </a:extLst>
-                </p:cNvPr>
-                <p:cNvPicPr/>
-                <p:nvPr/>
-              </p:nvPicPr>
-              <p:blipFill>
-                <a:blip r:embed="rId15"/>
-                <a:stretch>
-                  <a:fillRect/>
-                </a:stretch>
-              </p:blipFill>
-              <p:spPr>
-                <a:xfrm>
-                  <a:off x="6680147" y="3589427"/>
-                  <a:ext cx="796320" cy="94320"/>
-                </a:xfrm>
-                <a:prstGeom prst="rect">
-                  <a:avLst/>
-                </a:prstGeom>
-              </p:spPr>
-            </p:pic>
-          </mc:Fallback>
-        </mc:AlternateContent>
-      </p:grpSp>
+        <p:txBody>
+          <a:bodyPr wrap="square" rtlCol="0">
+            <a:spAutoFit/>
+          </a:bodyPr>
+          <a:lstStyle/>
+          <a:p>
+            <a:r>
+              <a:rPr lang="en-US" sz="2000" dirty="0"/>
+              <a:t>As shown above, After clicking the start button as we type something in the browser as shown above three file are created. As shown above, the three file are </a:t>
+            </a:r>
+            <a:r>
+              <a:rPr lang="en-US" sz="2000" dirty="0" err="1"/>
+              <a:t>Keylogger.json</a:t>
+            </a:r>
+            <a:r>
+              <a:rPr lang="en-US" sz="2000" dirty="0"/>
+              <a:t>, keylogger.txt and log.txt.</a:t>
+            </a:r>
+            <a:endParaRPr lang="en-IN" sz="2000" dirty="0"/>
+          </a:p>
+        </p:txBody>
+      </p:sp>
     </p:spTree>
     <p:extLst>
       <p:ext uri="{BB962C8B-B14F-4D97-AF65-F5344CB8AC3E}">
-        <p14:creationId xmlns:p14="http://schemas.microsoft.com/office/powerpoint/2010/main" val="1384173597"/>
+        <p14:creationId xmlns:p14="http://schemas.microsoft.com/office/powerpoint/2010/main" val="1369558305"/>
       </p:ext>
     </p:extLst>
   </p:cSld>
   <p:clrMapOvr>
     <a:masterClrMapping/>
   </p:clrMapOvr>
-  <mc:AlternateContent xmlns:mc="http://schemas.openxmlformats.org/markup-compatibility/2006" xmlns:p14="http://schemas.microsoft.com/office/powerpoint/2010/main">
-    <mc:Choice Requires="p14">
-      <p:transition spd="slow" p14:dur="1500">
-        <p:split orient="vert"/>
-      </p:transition>
-    </mc:Choice>
-    <mc:Fallback xmlns="">
-      <p:transition spd="slow">
-        <p:split orient="vert"/>
-      </p:transition>
-    </mc:Fallback>
-  </mc:AlternateContent>
 </p:sld>
 </file>
 
@@ -6244,6 +5668,269 @@
           <p:cNvPr id="2" name="Title 1">
             <a:extLst>
               <a:ext uri="{FF2B5EF4-FFF2-40B4-BE49-F238E27FC236}">
+                <a16:creationId xmlns:a16="http://schemas.microsoft.com/office/drawing/2014/main" id="{1C5465AB-0767-87CE-4E50-7B525B4FD709}"/>
+              </a:ext>
+            </a:extLst>
+          </p:cNvPr>
+          <p:cNvSpPr>
+            <a:spLocks noGrp="1"/>
+          </p:cNvSpPr>
+          <p:nvPr>
+            <p:ph type="title"/>
+          </p:nvPr>
+        </p:nvSpPr>
+        <p:spPr>
+          <a:xfrm>
+            <a:off x="581192" y="702156"/>
+            <a:ext cx="10140596" cy="472220"/>
+          </a:xfrm>
+        </p:spPr>
+        <p:txBody>
+          <a:bodyPr>
+            <a:noAutofit/>
+          </a:bodyPr>
+          <a:lstStyle/>
+          <a:p>
+            <a:r>
+              <a:rPr lang="en-US" dirty="0">
+                <a:effectLst>
+                  <a:outerShdw blurRad="38100" dist="38100" dir="2700000" algn="tl">
+                    <a:srgbClr val="000000">
+                      <a:alpha val="43137"/>
+                    </a:srgbClr>
+                  </a:outerShdw>
+                </a:effectLst>
+              </a:rPr>
+              <a:t>Output samples</a:t>
+            </a:r>
+            <a:endParaRPr lang="en-IN" dirty="0"/>
+          </a:p>
+        </p:txBody>
+      </p:sp>
+      <p:pic>
+        <p:nvPicPr>
+          <p:cNvPr id="6" name="Picture 5">
+            <a:extLst>
+              <a:ext uri="{FF2B5EF4-FFF2-40B4-BE49-F238E27FC236}">
+                <a16:creationId xmlns:a16="http://schemas.microsoft.com/office/drawing/2014/main" id="{BF859305-6787-A19C-9EC5-5029272C4097}"/>
+              </a:ext>
+            </a:extLst>
+          </p:cNvPr>
+          <p:cNvPicPr>
+            <a:picLocks noChangeAspect="1"/>
+          </p:cNvPicPr>
+          <p:nvPr/>
+        </p:nvPicPr>
+        <p:blipFill>
+          <a:blip r:embed="rId2"/>
+          <a:stretch>
+            <a:fillRect/>
+          </a:stretch>
+        </p:blipFill>
+        <p:spPr>
+          <a:xfrm>
+            <a:off x="2038713" y="1574486"/>
+            <a:ext cx="8114573" cy="4772458"/>
+          </a:xfrm>
+          <a:prstGeom prst="rect">
+            <a:avLst/>
+          </a:prstGeom>
+        </p:spPr>
+      </p:pic>
+      <p:sp>
+        <p:nvSpPr>
+          <p:cNvPr id="7" name="TextBox 6">
+            <a:extLst>
+              <a:ext uri="{FF2B5EF4-FFF2-40B4-BE49-F238E27FC236}">
+                <a16:creationId xmlns:a16="http://schemas.microsoft.com/office/drawing/2014/main" id="{D09B4B64-EA63-EACD-57DC-6F19CA573453}"/>
+              </a:ext>
+            </a:extLst>
+          </p:cNvPr>
+          <p:cNvSpPr txBox="1"/>
+          <p:nvPr/>
+        </p:nvSpPr>
+        <p:spPr>
+          <a:xfrm>
+            <a:off x="581192" y="1174376"/>
+            <a:ext cx="11272837" cy="400110"/>
+          </a:xfrm>
+          <a:prstGeom prst="rect">
+            <a:avLst/>
+          </a:prstGeom>
+          <a:noFill/>
+        </p:spPr>
+        <p:txBody>
+          <a:bodyPr wrap="square" rtlCol="0">
+            <a:spAutoFit/>
+          </a:bodyPr>
+          <a:lstStyle/>
+          <a:p>
+            <a:r>
+              <a:rPr lang="en-US" sz="2000" dirty="0"/>
+              <a:t>Sample of Three created files.</a:t>
+            </a:r>
+            <a:endParaRPr lang="en-IN" sz="2000" dirty="0"/>
+          </a:p>
+        </p:txBody>
+      </p:sp>
+      <p:sp>
+        <p:nvSpPr>
+          <p:cNvPr id="8" name="TextBox 7">
+            <a:extLst>
+              <a:ext uri="{FF2B5EF4-FFF2-40B4-BE49-F238E27FC236}">
+                <a16:creationId xmlns:a16="http://schemas.microsoft.com/office/drawing/2014/main" id="{BCB563EE-033A-BB1C-4A2B-5688CEDA4B9E}"/>
+              </a:ext>
+            </a:extLst>
+          </p:cNvPr>
+          <p:cNvSpPr txBox="1"/>
+          <p:nvPr/>
+        </p:nvSpPr>
+        <p:spPr>
+          <a:xfrm>
+            <a:off x="2070847" y="3244333"/>
+            <a:ext cx="1265537" cy="307777"/>
+          </a:xfrm>
+          <a:prstGeom prst="rect">
+            <a:avLst/>
+          </a:prstGeom>
+          <a:noFill/>
+          <a:ln>
+            <a:solidFill>
+              <a:srgbClr val="FF0000"/>
+            </a:solidFill>
+          </a:ln>
+        </p:spPr>
+        <p:txBody>
+          <a:bodyPr wrap="square" rtlCol="0">
+            <a:spAutoFit/>
+          </a:bodyPr>
+          <a:lstStyle/>
+          <a:p>
+            <a:r>
+              <a:rPr lang="en-US" sz="1400" dirty="0" err="1"/>
+              <a:t>keylogger.json</a:t>
+            </a:r>
+            <a:endParaRPr lang="en-IN" sz="1400" dirty="0"/>
+          </a:p>
+        </p:txBody>
+      </p:sp>
+      <p:sp>
+        <p:nvSpPr>
+          <p:cNvPr id="9" name="TextBox 8">
+            <a:extLst>
+              <a:ext uri="{FF2B5EF4-FFF2-40B4-BE49-F238E27FC236}">
+                <a16:creationId xmlns:a16="http://schemas.microsoft.com/office/drawing/2014/main" id="{B4528BEB-4ABA-D3D3-5444-4E8A74079D41}"/>
+              </a:ext>
+            </a:extLst>
+          </p:cNvPr>
+          <p:cNvSpPr txBox="1"/>
+          <p:nvPr/>
+        </p:nvSpPr>
+        <p:spPr>
+          <a:xfrm>
+            <a:off x="2038713" y="5529735"/>
+            <a:ext cx="664903" cy="307777"/>
+          </a:xfrm>
+          <a:prstGeom prst="rect">
+            <a:avLst/>
+          </a:prstGeom>
+          <a:noFill/>
+          <a:ln>
+            <a:solidFill>
+              <a:srgbClr val="FF0000"/>
+            </a:solidFill>
+          </a:ln>
+        </p:spPr>
+        <p:txBody>
+          <a:bodyPr wrap="square" rtlCol="0">
+            <a:spAutoFit/>
+          </a:bodyPr>
+          <a:lstStyle/>
+          <a:p>
+            <a:r>
+              <a:rPr lang="en-US" sz="1400" dirty="0"/>
+              <a:t>log.txt</a:t>
+            </a:r>
+            <a:endParaRPr lang="en-IN" sz="1400" dirty="0"/>
+          </a:p>
+        </p:txBody>
+      </p:sp>
+      <p:sp>
+        <p:nvSpPr>
+          <p:cNvPr id="10" name="TextBox 9">
+            <a:extLst>
+              <a:ext uri="{FF2B5EF4-FFF2-40B4-BE49-F238E27FC236}">
+                <a16:creationId xmlns:a16="http://schemas.microsoft.com/office/drawing/2014/main" id="{21C879F9-0965-2DA1-3D72-EEEF6E62358F}"/>
+              </a:ext>
+            </a:extLst>
+          </p:cNvPr>
+          <p:cNvSpPr txBox="1"/>
+          <p:nvPr/>
+        </p:nvSpPr>
+        <p:spPr>
+          <a:xfrm>
+            <a:off x="6217610" y="5529734"/>
+            <a:ext cx="1265537" cy="307777"/>
+          </a:xfrm>
+          <a:prstGeom prst="rect">
+            <a:avLst/>
+          </a:prstGeom>
+          <a:noFill/>
+          <a:ln>
+            <a:solidFill>
+              <a:srgbClr val="FF0000"/>
+            </a:solidFill>
+          </a:ln>
+        </p:spPr>
+        <p:txBody>
+          <a:bodyPr wrap="square" rtlCol="0">
+            <a:spAutoFit/>
+          </a:bodyPr>
+          <a:lstStyle/>
+          <a:p>
+            <a:r>
+              <a:rPr lang="en-US" sz="1400" dirty="0"/>
+              <a:t>keylogger.txt</a:t>
+            </a:r>
+            <a:endParaRPr lang="en-IN" sz="1400" dirty="0"/>
+          </a:p>
+        </p:txBody>
+      </p:sp>
+    </p:spTree>
+    <p:extLst>
+      <p:ext uri="{BB962C8B-B14F-4D97-AF65-F5344CB8AC3E}">
+        <p14:creationId xmlns:p14="http://schemas.microsoft.com/office/powerpoint/2010/main" val="1578782465"/>
+      </p:ext>
+    </p:extLst>
+  </p:cSld>
+  <p:clrMapOvr>
+    <a:masterClrMapping/>
+  </p:clrMapOvr>
+</p:sld>
+</file>
+
+<file path=ppt/slides/slide15.xml><?xml version="1.0" encoding="utf-8"?>
+<p:sld xmlns:a="http://schemas.openxmlformats.org/drawingml/2006/main" xmlns:r="http://schemas.openxmlformats.org/officeDocument/2006/relationships" xmlns:p="http://schemas.openxmlformats.org/presentationml/2006/main">
+  <p:cSld>
+    <p:spTree>
+      <p:nvGrpSpPr>
+        <p:cNvPr id="1" name=""/>
+        <p:cNvGrpSpPr/>
+        <p:nvPr/>
+      </p:nvGrpSpPr>
+      <p:grpSpPr>
+        <a:xfrm>
+          <a:off x="0" y="0"/>
+          <a:ext cx="0" cy="0"/>
+          <a:chOff x="0" y="0"/>
+          <a:chExt cx="0" cy="0"/>
+        </a:xfrm>
+      </p:grpSpPr>
+      <p:sp>
+        <p:nvSpPr>
+          <p:cNvPr id="2" name="Title 1">
+            <a:extLst>
+              <a:ext uri="{FF2B5EF4-FFF2-40B4-BE49-F238E27FC236}">
                 <a16:creationId xmlns:a16="http://schemas.microsoft.com/office/drawing/2014/main" id="{A03B2EC1-B7BF-CE7B-C9A6-7635DA95F4F6}"/>
               </a:ext>
             </a:extLst>
@@ -6319,20 +6006,53 @@
           <a:p>
             <a:r>
               <a:rPr lang="en-US" sz="2000" dirty="0"/>
-              <a:t>Reference taken from the YouTube Video </a:t>
-            </a:r>
-          </a:p>
-          <a:p>
+              <a:t>Reference taken from the Provide video</a:t>
+            </a:r>
+          </a:p>
+          <a:p>
+            <a:pPr marL="0" indent="0">
+              <a:buNone/>
+            </a:pPr>
             <a:r>
               <a:rPr lang="en-US" sz="2000" dirty="0"/>
-              <a:t>Google Drive Link:&gt;&gt;</a:t>
-            </a:r>
+              <a:t>		https://skillsbuild.edunetworld.com/courses/cs/</a:t>
+            </a:r>
+            <a:r>
+              <a:rPr lang="en-US" sz="2000"/>
+              <a:t>keylogger-capturing-key-strokes/</a:t>
+            </a:r>
+            <a:endParaRPr lang="en-US" sz="2000" dirty="0"/>
+          </a:p>
+          <a:p>
+            <a:pPr marL="0" indent="0">
+              <a:buNone/>
+            </a:pPr>
+            <a:endParaRPr lang="en-US" sz="2000" dirty="0"/>
           </a:p>
           <a:p>
             <a:r>
               <a:rPr lang="en-US" sz="2000" dirty="0"/>
-              <a:t>GitHub Profile</a:t>
-            </a:r>
+              <a:t>Code Link : </a:t>
+            </a:r>
+            <a:r>
+              <a:rPr lang="en-IN" sz="2000" dirty="0">
+                <a:hlinkClick r:id="rId2"/>
+              </a:rPr>
+              <a:t>Keylogger/keylogger_project.py at main · </a:t>
+            </a:r>
+            <a:r>
+              <a:rPr lang="en-IN" sz="2000" dirty="0" err="1">
+                <a:hlinkClick r:id="rId2"/>
+              </a:rPr>
+              <a:t>BanteiNongsiej</a:t>
+            </a:r>
+            <a:r>
+              <a:rPr lang="en-IN" sz="2000" dirty="0">
+                <a:hlinkClick r:id="rId2"/>
+              </a:rPr>
+              <a:t>/Keylogger (github.com)</a:t>
+            </a:r>
+            <a:endParaRPr lang="en-US" sz="2000" dirty="0"/>
           </a:p>
           <a:p>
             <a:endParaRPr lang="en-US" sz="2000" dirty="0"/>
@@ -6472,6 +6192,121 @@
                       </p:childTnLst>
                     </p:cTn>
                   </p:par>
+                  <p:par>
+                    <p:cTn id="10" fill="hold">
+                      <p:stCondLst>
+                        <p:cond delay="indefinite"/>
+                      </p:stCondLst>
+                      <p:childTnLst>
+                        <p:par>
+                          <p:cTn id="11" fill="hold">
+                            <p:stCondLst>
+                              <p:cond delay="0"/>
+                            </p:stCondLst>
+                            <p:childTnLst>
+                              <p:par>
+                                <p:cTn id="12" presetID="42" presetClass="entr" presetSubtype="0" fill="hold" nodeType="clickEffect">
+                                  <p:stCondLst>
+                                    <p:cond delay="0"/>
+                                  </p:stCondLst>
+                                  <p:childTnLst>
+                                    <p:set>
+                                      <p:cBhvr>
+                                        <p:cTn id="13" dur="1" fill="hold">
+                                          <p:stCondLst>
+                                            <p:cond delay="0"/>
+                                          </p:stCondLst>
+                                        </p:cTn>
+                                        <p:tgtEl>
+                                          <p:spTgt spid="3">
+                                            <p:txEl>
+                                              <p:pRg st="1" end="1"/>
+                                            </p:txEl>
+                                          </p:spTgt>
+                                        </p:tgtEl>
+                                        <p:attrNameLst>
+                                          <p:attrName>style.visibility</p:attrName>
+                                        </p:attrNameLst>
+                                      </p:cBhvr>
+                                      <p:to>
+                                        <p:strVal val="visible"/>
+                                      </p:to>
+                                    </p:set>
+                                    <p:animEffect transition="in" filter="fade">
+                                      <p:cBhvr>
+                                        <p:cTn id="14" dur="1000"/>
+                                        <p:tgtEl>
+                                          <p:spTgt spid="3">
+                                            <p:txEl>
+                                              <p:pRg st="1" end="1"/>
+                                            </p:txEl>
+                                          </p:spTgt>
+                                        </p:tgtEl>
+                                      </p:cBhvr>
+                                    </p:animEffect>
+                                    <p:anim calcmode="lin" valueType="num">
+                                      <p:cBhvr>
+                                        <p:cTn id="15" dur="1000" fill="hold"/>
+                                        <p:tgtEl>
+                                          <p:spTgt spid="3">
+                                            <p:txEl>
+                                              <p:pRg st="1" end="1"/>
+                                            </p:txEl>
+                                          </p:spTgt>
+                                        </p:tgtEl>
+                                        <p:attrNameLst>
+                                          <p:attrName>ppt_x</p:attrName>
+                                        </p:attrNameLst>
+                                      </p:cBhvr>
+                                      <p:tavLst>
+                                        <p:tav tm="0">
+                                          <p:val>
+                                            <p:strVal val="#ppt_x"/>
+                                          </p:val>
+                                        </p:tav>
+                                        <p:tav tm="100000">
+                                          <p:val>
+                                            <p:strVal val="#ppt_x"/>
+                                          </p:val>
+                                        </p:tav>
+                                      </p:tavLst>
+                                    </p:anim>
+                                    <p:anim calcmode="lin" valueType="num">
+                                      <p:cBhvr>
+                                        <p:cTn id="16" dur="1000" fill="hold"/>
+                                        <p:tgtEl>
+                                          <p:spTgt spid="3">
+                                            <p:txEl>
+                                              <p:pRg st="1" end="1"/>
+                                            </p:txEl>
+                                          </p:spTgt>
+                                        </p:tgtEl>
+                                        <p:attrNameLst>
+                                          <p:attrName>ppt_y</p:attrName>
+                                        </p:attrNameLst>
+                                      </p:cBhvr>
+                                      <p:tavLst>
+                                        <p:tav tm="0">
+                                          <p:val>
+                                            <p:strVal val="#ppt_y+.1"/>
+                                          </p:val>
+                                        </p:tav>
+                                        <p:tav tm="100000">
+                                          <p:val>
+                                            <p:strVal val="#ppt_y"/>
+                                          </p:val>
+                                        </p:tav>
+                                      </p:tavLst>
+                                    </p:anim>
+                                  </p:childTnLst>
+                                </p:cTn>
+                              </p:par>
+                            </p:childTnLst>
+                          </p:cTn>
+                        </p:par>
+                      </p:childTnLst>
+                    </p:cTn>
+                  </p:par>
                 </p:childTnLst>
               </p:cTn>
               <p:prevCondLst>
@@ -6497,7 +6332,7 @@
 </p:sld>
 </file>
 
-<file path=ppt/slides/slide15.xml><?xml version="1.0" encoding="utf-8"?>
+<file path=ppt/slides/slide16.xml><?xml version="1.0" encoding="utf-8"?>
 <p:sld xmlns:a="http://schemas.openxmlformats.org/drawingml/2006/main" xmlns:r="http://schemas.openxmlformats.org/officeDocument/2006/relationships" xmlns:p="http://schemas.openxmlformats.org/presentationml/2006/main">
   <p:cSld>
     <p:spTree>
@@ -6601,6 +6436,95 @@
       </p:grpSpPr>
       <p:sp>
         <p:nvSpPr>
+          <p:cNvPr id="4" name="Title 1">
+            <a:extLst>
+              <a:ext uri="{FF2B5EF4-FFF2-40B4-BE49-F238E27FC236}">
+                <a16:creationId xmlns:a16="http://schemas.microsoft.com/office/drawing/2014/main" id="{AFA8F839-7E8B-4616-5B2A-1307CA7859DD}"/>
+              </a:ext>
+            </a:extLst>
+          </p:cNvPr>
+          <p:cNvSpPr>
+            <a:spLocks noGrp="1"/>
+          </p:cNvSpPr>
+          <p:nvPr>
+            <p:ph type="title"/>
+          </p:nvPr>
+        </p:nvSpPr>
+        <p:spPr>
+          <a:xfrm>
+            <a:off x="509307" y="2073275"/>
+            <a:ext cx="11029950" cy="1189038"/>
+          </a:xfrm>
+        </p:spPr>
+        <p:txBody>
+          <a:bodyPr>
+            <a:normAutofit/>
+          </a:bodyPr>
+          <a:lstStyle/>
+          <a:p>
+            <a:r>
+              <a:rPr lang="en-GB" u="sng" dirty="0">
+                <a:effectLst>
+                  <a:outerShdw blurRad="38100" dist="38100" dir="2700000" algn="tl">
+                    <a:srgbClr val="000000">
+                      <a:alpha val="43137"/>
+                    </a:srgbClr>
+                  </a:outerShdw>
+                </a:effectLst>
+              </a:rPr>
+              <a:t>Project Title</a:t>
+            </a:r>
+            <a:r>
+              <a:rPr lang="en-GB" dirty="0">
+                <a:effectLst>
+                  <a:outerShdw blurRad="38100" dist="38100" dir="2700000" algn="tl">
+                    <a:srgbClr val="000000">
+                      <a:alpha val="43137"/>
+                    </a:srgbClr>
+                  </a:outerShdw>
+                </a:effectLst>
+              </a:rPr>
+              <a:t>:  Keylogger-  Capturing Key-Strokes</a:t>
+            </a:r>
+            <a:br>
+              <a:rPr lang="en-GB" dirty="0"/>
+            </a:br>
+            <a:endParaRPr lang="en-US" dirty="0"/>
+          </a:p>
+        </p:txBody>
+      </p:sp>
+    </p:spTree>
+    <p:extLst>
+      <p:ext uri="{BB962C8B-B14F-4D97-AF65-F5344CB8AC3E}">
+        <p14:creationId xmlns:p14="http://schemas.microsoft.com/office/powerpoint/2010/main" val="1372376914"/>
+      </p:ext>
+    </p:extLst>
+  </p:cSld>
+  <p:clrMapOvr>
+    <a:masterClrMapping/>
+  </p:clrMapOvr>
+</p:sld>
+</file>
+
+<file path=ppt/slides/slide3.xml><?xml version="1.0" encoding="utf-8"?>
+<p:sld xmlns:a="http://schemas.openxmlformats.org/drawingml/2006/main" xmlns:r="http://schemas.openxmlformats.org/officeDocument/2006/relationships" xmlns:p="http://schemas.openxmlformats.org/presentationml/2006/main">
+  <p:cSld>
+    <p:spTree>
+      <p:nvGrpSpPr>
+        <p:cNvPr id="1" name=""/>
+        <p:cNvGrpSpPr/>
+        <p:nvPr/>
+      </p:nvGrpSpPr>
+      <p:grpSpPr>
+        <a:xfrm>
+          <a:off x="0" y="0"/>
+          <a:ext cx="0" cy="0"/>
+          <a:chOff x="0" y="0"/>
+          <a:chExt cx="0" cy="0"/>
+        </a:xfrm>
+      </p:grpSpPr>
+      <p:sp>
+        <p:nvSpPr>
           <p:cNvPr id="2" name="Title 1">
             <a:extLst>
               <a:ext uri="{FF2B5EF4-FFF2-40B4-BE49-F238E27FC236}">
@@ -6774,7 +6698,7 @@
 </p:sld>
 </file>
 
-<file path=ppt/slides/slide3.xml><?xml version="1.0" encoding="utf-8"?>
+<file path=ppt/slides/slide4.xml><?xml version="1.0" encoding="utf-8"?>
 <p:sld xmlns:a="http://schemas.openxmlformats.org/drawingml/2006/main" xmlns:r="http://schemas.openxmlformats.org/officeDocument/2006/relationships" xmlns:p="http://schemas.openxmlformats.org/presentationml/2006/main">
   <p:cSld>
     <p:spTree>
@@ -7082,7 +7006,7 @@
 </p:sld>
 </file>
 
-<file path=ppt/slides/slide4.xml><?xml version="1.0" encoding="utf-8"?>
+<file path=ppt/slides/slide5.xml><?xml version="1.0" encoding="utf-8"?>
 <p:sld xmlns:a="http://schemas.openxmlformats.org/drawingml/2006/main" xmlns:r="http://schemas.openxmlformats.org/officeDocument/2006/relationships" xmlns:p="http://schemas.openxmlformats.org/presentationml/2006/main">
   <p:cSld>
     <p:spTree>
@@ -7117,8 +7041,8 @@
         </p:nvSpPr>
         <p:spPr>
           <a:xfrm>
-            <a:off x="581191" y="1049290"/>
-            <a:ext cx="9970267" cy="1188720"/>
+            <a:off x="643945" y="681318"/>
+            <a:ext cx="9907513" cy="1335741"/>
           </a:xfrm>
         </p:spPr>
         <p:txBody>
@@ -7137,7 +7061,7 @@
                   </a:outerShdw>
                 </a:effectLst>
               </a:rPr>
-              <a:t>Advantages and Disadvantages of Using a Keylogger</a:t>
+              <a:t>Advantages and Disadvantages of a Keylogger</a:t>
             </a:r>
             <a:br>
               <a:rPr lang="en-US" b="1" dirty="0">
@@ -7574,7 +7498,7 @@
 </p:sld>
 </file>
 
-<file path=ppt/slides/slide5.xml><?xml version="1.0" encoding="utf-8"?>
+<file path=ppt/slides/slide6.xml><?xml version="1.0" encoding="utf-8"?>
 <p:sld xmlns:a="http://schemas.openxmlformats.org/drawingml/2006/main" xmlns:r="http://schemas.openxmlformats.org/officeDocument/2006/relationships" xmlns:p="http://schemas.openxmlformats.org/presentationml/2006/main">
   <p:cSld>
     <p:spTree>
@@ -8199,7 +8123,7 @@
 </p:sld>
 </file>
 
-<file path=ppt/slides/slide6.xml><?xml version="1.0" encoding="utf-8"?>
+<file path=ppt/slides/slide7.xml><?xml version="1.0" encoding="utf-8"?>
 <p:sld xmlns:a="http://schemas.openxmlformats.org/drawingml/2006/main" xmlns:r="http://schemas.openxmlformats.org/officeDocument/2006/relationships" xmlns:p="http://schemas.openxmlformats.org/presentationml/2006/main">
   <p:cSld>
     <p:spTree>
@@ -8562,7 +8486,7 @@
 </p:sld>
 </file>
 
-<file path=ppt/slides/slide7.xml><?xml version="1.0" encoding="utf-8"?>
+<file path=ppt/slides/slide8.xml><?xml version="1.0" encoding="utf-8"?>
 <p:sld xmlns:a="http://schemas.openxmlformats.org/drawingml/2006/main" xmlns:r="http://schemas.openxmlformats.org/officeDocument/2006/relationships" xmlns:p="http://schemas.openxmlformats.org/presentationml/2006/main">
   <p:cSld>
     <p:spTree>
@@ -9161,7 +9085,7 @@
 </p:sld>
 </file>
 
-<file path=ppt/slides/slide8.xml><?xml version="1.0" encoding="utf-8"?>
+<file path=ppt/slides/slide9.xml><?xml version="1.0" encoding="utf-8"?>
 <p:sld xmlns:a="http://schemas.openxmlformats.org/drawingml/2006/main" xmlns:r="http://schemas.openxmlformats.org/officeDocument/2006/relationships" xmlns:p="http://schemas.openxmlformats.org/presentationml/2006/main">
   <p:cSld>
     <p:spTree>
@@ -9704,569 +9628,6 @@
                                           <p:spTgt spid="3">
                                             <p:txEl>
                                               <p:pRg st="4" end="4"/>
-                                            </p:txEl>
-                                          </p:spTgt>
-                                        </p:tgtEl>
-                                      </p:cBhvr>
-                                    </p:animEffect>
-                                  </p:childTnLst>
-                                </p:cTn>
-                              </p:par>
-                            </p:childTnLst>
-                          </p:cTn>
-                        </p:par>
-                      </p:childTnLst>
-                    </p:cTn>
-                  </p:par>
-                </p:childTnLst>
-              </p:cTn>
-              <p:prevCondLst>
-                <p:cond evt="onPrev" delay="0">
-                  <p:tgtEl>
-                    <p:sldTgt/>
-                  </p:tgtEl>
-                </p:cond>
-              </p:prevCondLst>
-              <p:nextCondLst>
-                <p:cond evt="onNext" delay="0">
-                  <p:tgtEl>
-                    <p:sldTgt/>
-                  </p:tgtEl>
-                </p:cond>
-              </p:nextCondLst>
-            </p:seq>
-          </p:childTnLst>
-        </p:cTn>
-      </p:par>
-    </p:tnLst>
-  </p:timing>
-</p:sld>
-</file>
-
-<file path=ppt/slides/slide9.xml><?xml version="1.0" encoding="utf-8"?>
-<p:sld xmlns:a="http://schemas.openxmlformats.org/drawingml/2006/main" xmlns:r="http://schemas.openxmlformats.org/officeDocument/2006/relationships" xmlns:p="http://schemas.openxmlformats.org/presentationml/2006/main">
-  <p:cSld>
-    <p:spTree>
-      <p:nvGrpSpPr>
-        <p:cNvPr id="1" name=""/>
-        <p:cNvGrpSpPr/>
-        <p:nvPr/>
-      </p:nvGrpSpPr>
-      <p:grpSpPr>
-        <a:xfrm>
-          <a:off x="0" y="0"/>
-          <a:ext cx="0" cy="0"/>
-          <a:chOff x="0" y="0"/>
-          <a:chExt cx="0" cy="0"/>
-        </a:xfrm>
-      </p:grpSpPr>
-      <p:sp>
-        <p:nvSpPr>
-          <p:cNvPr id="2" name="Title 1">
-            <a:extLst>
-              <a:ext uri="{FF2B5EF4-FFF2-40B4-BE49-F238E27FC236}">
-                <a16:creationId xmlns:a16="http://schemas.microsoft.com/office/drawing/2014/main" id="{A03B2EC1-B7BF-CE7B-C9A6-7635DA95F4F6}"/>
-              </a:ext>
-            </a:extLst>
-          </p:cNvPr>
-          <p:cNvSpPr>
-            <a:spLocks noGrp="1"/>
-          </p:cNvSpPr>
-          <p:nvPr>
-            <p:ph type="title"/>
-          </p:nvPr>
-        </p:nvSpPr>
-        <p:spPr>
-          <a:xfrm>
-            <a:off x="581191" y="554508"/>
-            <a:ext cx="11029616" cy="1188720"/>
-          </a:xfrm>
-        </p:spPr>
-        <p:txBody>
-          <a:bodyPr anchor="ctr"/>
-          <a:lstStyle/>
-          <a:p>
-            <a:r>
-              <a:rPr lang="en-GB" dirty="0">
-                <a:effectLst>
-                  <a:outerShdw blurRad="38100" dist="38100" dir="2700000" algn="tl">
-                    <a:srgbClr val="000000">
-                      <a:alpha val="43137"/>
-                    </a:srgbClr>
-                  </a:outerShdw>
-                </a:effectLst>
-              </a:rPr>
-              <a:t>Results</a:t>
-            </a:r>
-            <a:endParaRPr lang="en-US" dirty="0">
-              <a:effectLst>
-                <a:outerShdw blurRad="38100" dist="38100" dir="2700000" algn="tl">
-                  <a:srgbClr val="000000">
-                    <a:alpha val="43137"/>
-                  </a:srgbClr>
-                </a:outerShdw>
-              </a:effectLst>
-            </a:endParaRPr>
-          </a:p>
-        </p:txBody>
-      </p:sp>
-      <p:sp>
-        <p:nvSpPr>
-          <p:cNvPr id="3" name="Content Placeholder 2">
-            <a:extLst>
-              <a:ext uri="{FF2B5EF4-FFF2-40B4-BE49-F238E27FC236}">
-                <a16:creationId xmlns:a16="http://schemas.microsoft.com/office/drawing/2014/main" id="{27EBACB0-5504-CAD6-951C-D14217A08A80}"/>
-              </a:ext>
-            </a:extLst>
-          </p:cNvPr>
-          <p:cNvSpPr>
-            <a:spLocks noGrp="1"/>
-          </p:cNvSpPr>
-          <p:nvPr>
-            <p:ph idx="1"/>
-          </p:nvPr>
-        </p:nvSpPr>
-        <p:spPr>
-          <a:xfrm>
-            <a:off x="722706" y="1524000"/>
-            <a:ext cx="10888101" cy="4069976"/>
-          </a:xfrm>
-        </p:spPr>
-        <p:txBody>
-          <a:bodyPr>
-            <a:noAutofit/>
-          </a:bodyPr>
-          <a:lstStyle/>
-          <a:p>
-            <a:pPr marL="0" indent="0">
-              <a:buNone/>
-            </a:pPr>
-            <a:r>
-              <a:rPr lang="en-US" sz="2000" b="0" i="0" dirty="0">
-                <a:solidFill>
-                  <a:schemeClr val="tx1"/>
-                </a:solidFill>
-                <a:effectLst/>
-                <a:latin typeface="Söhne"/>
-              </a:rPr>
-              <a:t>The results of a keylogger vary depending on its purpose and the intentions of the user or attacker deploying it. Here are some potential results that can arise from the use of a keylogger:</a:t>
-            </a:r>
-          </a:p>
-          <a:p>
-            <a:pPr marL="0" indent="0">
-              <a:buNone/>
-            </a:pPr>
-            <a:r>
-              <a:rPr lang="en-US" sz="2000" dirty="0">
-                <a:solidFill>
-                  <a:schemeClr val="tx1"/>
-                </a:solidFill>
-                <a:latin typeface="Söhne"/>
-              </a:rPr>
-              <a:t>	a.) Captured Keystrokes</a:t>
-            </a:r>
-          </a:p>
-          <a:p>
-            <a:pPr marL="0" indent="0">
-              <a:buNone/>
-            </a:pPr>
-            <a:r>
-              <a:rPr lang="en-US" sz="2000" dirty="0">
-                <a:solidFill>
-                  <a:schemeClr val="tx1"/>
-                </a:solidFill>
-                <a:latin typeface="Söhne"/>
-              </a:rPr>
-              <a:t>	b.) Stolen Credentials</a:t>
-            </a:r>
-          </a:p>
-          <a:p>
-            <a:pPr marL="0" indent="0">
-              <a:buNone/>
-            </a:pPr>
-            <a:r>
-              <a:rPr lang="en-US" sz="2000" dirty="0">
-                <a:solidFill>
-                  <a:schemeClr val="tx1"/>
-                </a:solidFill>
-                <a:latin typeface="Söhne"/>
-              </a:rPr>
-              <a:t>	c.) Sensitive Information Theft</a:t>
-            </a:r>
-          </a:p>
-          <a:p>
-            <a:pPr marL="0" indent="0">
-              <a:buNone/>
-            </a:pPr>
-            <a:r>
-              <a:rPr lang="en-US" sz="2000" dirty="0">
-                <a:solidFill>
-                  <a:schemeClr val="tx1"/>
-                </a:solidFill>
-                <a:latin typeface="Söhne"/>
-              </a:rPr>
-              <a:t>	d.) Unauthorized Access</a:t>
-            </a:r>
-          </a:p>
-          <a:p>
-            <a:pPr marL="0" indent="0">
-              <a:buNone/>
-            </a:pPr>
-            <a:r>
-              <a:rPr lang="en-US" sz="2000" dirty="0">
-                <a:solidFill>
-                  <a:schemeClr val="tx1"/>
-                </a:solidFill>
-                <a:latin typeface="Söhne"/>
-              </a:rPr>
-              <a:t>	e.) Surveillance and  Monitoring</a:t>
-            </a:r>
-          </a:p>
-          <a:p>
-            <a:pPr marL="0" indent="0">
-              <a:buNone/>
-            </a:pPr>
-            <a:r>
-              <a:rPr lang="en-US" sz="2000" b="0" i="0" u="none" strike="noStrike" baseline="0" dirty="0">
-                <a:solidFill>
-                  <a:schemeClr val="tx1"/>
-                </a:solidFill>
-                <a:latin typeface="Times New Roman" panose="02020603050405020304" pitchFamily="18" charset="0"/>
-              </a:rPr>
-              <a:t>	The data obtained from the keystrokes were sent to a file which the deployer of the keylogger creates at the time of the creation of Keylogger</a:t>
-            </a:r>
-            <a:endParaRPr lang="en-US" sz="1800" dirty="0">
-              <a:solidFill>
-                <a:schemeClr val="tx1"/>
-              </a:solidFill>
-              <a:latin typeface="Söhne"/>
-            </a:endParaRPr>
-          </a:p>
-        </p:txBody>
-      </p:sp>
-    </p:spTree>
-    <p:extLst>
-      <p:ext uri="{BB962C8B-B14F-4D97-AF65-F5344CB8AC3E}">
-        <p14:creationId xmlns:p14="http://schemas.microsoft.com/office/powerpoint/2010/main" val="3319627397"/>
-      </p:ext>
-    </p:extLst>
-  </p:cSld>
-  <p:clrMapOvr>
-    <a:masterClrMapping/>
-  </p:clrMapOvr>
-  <p:timing>
-    <p:tnLst>
-      <p:par>
-        <p:cTn id="1" dur="indefinite" restart="never" nodeType="tmRoot">
-          <p:childTnLst>
-            <p:seq concurrent="1" nextAc="seek">
-              <p:cTn id="2" dur="indefinite" nodeType="mainSeq">
-                <p:childTnLst>
-                  <p:par>
-                    <p:cTn id="3" fill="hold">
-                      <p:stCondLst>
-                        <p:cond delay="indefinite"/>
-                      </p:stCondLst>
-                      <p:childTnLst>
-                        <p:par>
-                          <p:cTn id="4" fill="hold">
-                            <p:stCondLst>
-                              <p:cond delay="0"/>
-                            </p:stCondLst>
-                            <p:childTnLst>
-                              <p:par>
-                                <p:cTn id="5" presetID="16" presetClass="entr" presetSubtype="21" fill="hold" nodeType="clickEffect">
-                                  <p:stCondLst>
-                                    <p:cond delay="0"/>
-                                  </p:stCondLst>
-                                  <p:childTnLst>
-                                    <p:set>
-                                      <p:cBhvr>
-                                        <p:cTn id="6" dur="1" fill="hold">
-                                          <p:stCondLst>
-                                            <p:cond delay="0"/>
-                                          </p:stCondLst>
-                                        </p:cTn>
-                                        <p:tgtEl>
-                                          <p:spTgt spid="3">
-                                            <p:txEl>
-                                              <p:pRg st="0" end="0"/>
-                                            </p:txEl>
-                                          </p:spTgt>
-                                        </p:tgtEl>
-                                        <p:attrNameLst>
-                                          <p:attrName>style.visibility</p:attrName>
-                                        </p:attrNameLst>
-                                      </p:cBhvr>
-                                      <p:to>
-                                        <p:strVal val="visible"/>
-                                      </p:to>
-                                    </p:set>
-                                    <p:animEffect transition="in" filter="barn(inVertical)">
-                                      <p:cBhvr>
-                                        <p:cTn id="7" dur="500"/>
-                                        <p:tgtEl>
-                                          <p:spTgt spid="3">
-                                            <p:txEl>
-                                              <p:pRg st="0" end="0"/>
-                                            </p:txEl>
-                                          </p:spTgt>
-                                        </p:tgtEl>
-                                      </p:cBhvr>
-                                    </p:animEffect>
-                                  </p:childTnLst>
-                                </p:cTn>
-                              </p:par>
-                              <p:par>
-                                <p:cTn id="8" presetID="16" presetClass="entr" presetSubtype="21" fill="hold" nodeType="withEffect">
-                                  <p:stCondLst>
-                                    <p:cond delay="0"/>
-                                  </p:stCondLst>
-                                  <p:childTnLst>
-                                    <p:set>
-                                      <p:cBhvr>
-                                        <p:cTn id="9" dur="1" fill="hold">
-                                          <p:stCondLst>
-                                            <p:cond delay="0"/>
-                                          </p:stCondLst>
-                                        </p:cTn>
-                                        <p:tgtEl>
-                                          <p:spTgt spid="3">
-                                            <p:txEl>
-                                              <p:pRg st="1" end="1"/>
-                                            </p:txEl>
-                                          </p:spTgt>
-                                        </p:tgtEl>
-                                        <p:attrNameLst>
-                                          <p:attrName>style.visibility</p:attrName>
-                                        </p:attrNameLst>
-                                      </p:cBhvr>
-                                      <p:to>
-                                        <p:strVal val="visible"/>
-                                      </p:to>
-                                    </p:set>
-                                    <p:animEffect transition="in" filter="barn(inVertical)">
-                                      <p:cBhvr>
-                                        <p:cTn id="10" dur="500"/>
-                                        <p:tgtEl>
-                                          <p:spTgt spid="3">
-                                            <p:txEl>
-                                              <p:pRg st="1" end="1"/>
-                                            </p:txEl>
-                                          </p:spTgt>
-                                        </p:tgtEl>
-                                      </p:cBhvr>
-                                    </p:animEffect>
-                                  </p:childTnLst>
-                                </p:cTn>
-                              </p:par>
-                              <p:par>
-                                <p:cTn id="11" presetID="16" presetClass="entr" presetSubtype="21" fill="hold" nodeType="withEffect">
-                                  <p:stCondLst>
-                                    <p:cond delay="0"/>
-                                  </p:stCondLst>
-                                  <p:childTnLst>
-                                    <p:set>
-                                      <p:cBhvr>
-                                        <p:cTn id="12" dur="1" fill="hold">
-                                          <p:stCondLst>
-                                            <p:cond delay="0"/>
-                                          </p:stCondLst>
-                                        </p:cTn>
-                                        <p:tgtEl>
-                                          <p:spTgt spid="3">
-                                            <p:txEl>
-                                              <p:pRg st="2" end="2"/>
-                                            </p:txEl>
-                                          </p:spTgt>
-                                        </p:tgtEl>
-                                        <p:attrNameLst>
-                                          <p:attrName>style.visibility</p:attrName>
-                                        </p:attrNameLst>
-                                      </p:cBhvr>
-                                      <p:to>
-                                        <p:strVal val="visible"/>
-                                      </p:to>
-                                    </p:set>
-                                    <p:animEffect transition="in" filter="barn(inVertical)">
-                                      <p:cBhvr>
-                                        <p:cTn id="13" dur="500"/>
-                                        <p:tgtEl>
-                                          <p:spTgt spid="3">
-                                            <p:txEl>
-                                              <p:pRg st="2" end="2"/>
-                                            </p:txEl>
-                                          </p:spTgt>
-                                        </p:tgtEl>
-                                      </p:cBhvr>
-                                    </p:animEffect>
-                                  </p:childTnLst>
-                                </p:cTn>
-                              </p:par>
-                              <p:par>
-                                <p:cTn id="14" presetID="16" presetClass="entr" presetSubtype="21" fill="hold" nodeType="withEffect">
-                                  <p:stCondLst>
-                                    <p:cond delay="0"/>
-                                  </p:stCondLst>
-                                  <p:childTnLst>
-                                    <p:set>
-                                      <p:cBhvr>
-                                        <p:cTn id="15" dur="1" fill="hold">
-                                          <p:stCondLst>
-                                            <p:cond delay="0"/>
-                                          </p:stCondLst>
-                                        </p:cTn>
-                                        <p:tgtEl>
-                                          <p:spTgt spid="3">
-                                            <p:txEl>
-                                              <p:pRg st="3" end="3"/>
-                                            </p:txEl>
-                                          </p:spTgt>
-                                        </p:tgtEl>
-                                        <p:attrNameLst>
-                                          <p:attrName>style.visibility</p:attrName>
-                                        </p:attrNameLst>
-                                      </p:cBhvr>
-                                      <p:to>
-                                        <p:strVal val="visible"/>
-                                      </p:to>
-                                    </p:set>
-                                    <p:animEffect transition="in" filter="barn(inVertical)">
-                                      <p:cBhvr>
-                                        <p:cTn id="16" dur="500"/>
-                                        <p:tgtEl>
-                                          <p:spTgt spid="3">
-                                            <p:txEl>
-                                              <p:pRg st="3" end="3"/>
-                                            </p:txEl>
-                                          </p:spTgt>
-                                        </p:tgtEl>
-                                      </p:cBhvr>
-                                    </p:animEffect>
-                                  </p:childTnLst>
-                                </p:cTn>
-                              </p:par>
-                              <p:par>
-                                <p:cTn id="17" presetID="16" presetClass="entr" presetSubtype="21" fill="hold" nodeType="withEffect">
-                                  <p:stCondLst>
-                                    <p:cond delay="0"/>
-                                  </p:stCondLst>
-                                  <p:childTnLst>
-                                    <p:set>
-                                      <p:cBhvr>
-                                        <p:cTn id="18" dur="1" fill="hold">
-                                          <p:stCondLst>
-                                            <p:cond delay="0"/>
-                                          </p:stCondLst>
-                                        </p:cTn>
-                                        <p:tgtEl>
-                                          <p:spTgt spid="3">
-                                            <p:txEl>
-                                              <p:pRg st="4" end="4"/>
-                                            </p:txEl>
-                                          </p:spTgt>
-                                        </p:tgtEl>
-                                        <p:attrNameLst>
-                                          <p:attrName>style.visibility</p:attrName>
-                                        </p:attrNameLst>
-                                      </p:cBhvr>
-                                      <p:to>
-                                        <p:strVal val="visible"/>
-                                      </p:to>
-                                    </p:set>
-                                    <p:animEffect transition="in" filter="barn(inVertical)">
-                                      <p:cBhvr>
-                                        <p:cTn id="19" dur="500"/>
-                                        <p:tgtEl>
-                                          <p:spTgt spid="3">
-                                            <p:txEl>
-                                              <p:pRg st="4" end="4"/>
-                                            </p:txEl>
-                                          </p:spTgt>
-                                        </p:tgtEl>
-                                      </p:cBhvr>
-                                    </p:animEffect>
-                                  </p:childTnLst>
-                                </p:cTn>
-                              </p:par>
-                              <p:par>
-                                <p:cTn id="20" presetID="16" presetClass="entr" presetSubtype="21" fill="hold" nodeType="withEffect">
-                                  <p:stCondLst>
-                                    <p:cond delay="0"/>
-                                  </p:stCondLst>
-                                  <p:childTnLst>
-                                    <p:set>
-                                      <p:cBhvr>
-                                        <p:cTn id="21" dur="1" fill="hold">
-                                          <p:stCondLst>
-                                            <p:cond delay="0"/>
-                                          </p:stCondLst>
-                                        </p:cTn>
-                                        <p:tgtEl>
-                                          <p:spTgt spid="3">
-                                            <p:txEl>
-                                              <p:pRg st="5" end="5"/>
-                                            </p:txEl>
-                                          </p:spTgt>
-                                        </p:tgtEl>
-                                        <p:attrNameLst>
-                                          <p:attrName>style.visibility</p:attrName>
-                                        </p:attrNameLst>
-                                      </p:cBhvr>
-                                      <p:to>
-                                        <p:strVal val="visible"/>
-                                      </p:to>
-                                    </p:set>
-                                    <p:animEffect transition="in" filter="barn(inVertical)">
-                                      <p:cBhvr>
-                                        <p:cTn id="22" dur="500"/>
-                                        <p:tgtEl>
-                                          <p:spTgt spid="3">
-                                            <p:txEl>
-                                              <p:pRg st="5" end="5"/>
-                                            </p:txEl>
-                                          </p:spTgt>
-                                        </p:tgtEl>
-                                      </p:cBhvr>
-                                    </p:animEffect>
-                                  </p:childTnLst>
-                                </p:cTn>
-                              </p:par>
-                              <p:par>
-                                <p:cTn id="23" presetID="16" presetClass="entr" presetSubtype="21" fill="hold" nodeType="withEffect">
-                                  <p:stCondLst>
-                                    <p:cond delay="0"/>
-                                  </p:stCondLst>
-                                  <p:childTnLst>
-                                    <p:set>
-                                      <p:cBhvr>
-                                        <p:cTn id="24" dur="1" fill="hold">
-                                          <p:stCondLst>
-                                            <p:cond delay="0"/>
-                                          </p:stCondLst>
-                                        </p:cTn>
-                                        <p:tgtEl>
-                                          <p:spTgt spid="3">
-                                            <p:txEl>
-                                              <p:pRg st="6" end="6"/>
-                                            </p:txEl>
-                                          </p:spTgt>
-                                        </p:tgtEl>
-                                        <p:attrNameLst>
-                                          <p:attrName>style.visibility</p:attrName>
-                                        </p:attrNameLst>
-                                      </p:cBhvr>
-                                      <p:to>
-                                        <p:strVal val="visible"/>
-                                      </p:to>
-                                    </p:set>
-                                    <p:animEffect transition="in" filter="barn(inVertical)">
-                                      <p:cBhvr>
-                                        <p:cTn id="25" dur="500"/>
-                                        <p:tgtEl>
-                                          <p:spTgt spid="3">
-                                            <p:txEl>
-                                              <p:pRg st="6" end="6"/>
                                             </p:txEl>
                                           </p:spTgt>
                                         </p:tgtEl>
@@ -10871,15 +10232,6 @@
 </file>
 
 <file path=customXml/item1.xml><?xml version="1.0" encoding="utf-8"?>
-<p:properties xmlns:p="http://schemas.microsoft.com/office/2006/metadata/properties" xmlns:xsi="http://www.w3.org/2001/XMLSchema-instance" xmlns:pc="http://schemas.microsoft.com/office/infopath/2007/PartnerControls">
-  <documentManagement>
-    <Status xmlns="71af3243-3dd4-4a8d-8c0d-dd76da1f02a5">Not started</Status>
-    <MediaServiceKeyPoints xmlns="71af3243-3dd4-4a8d-8c0d-dd76da1f02a5" xsi:nil="true"/>
-  </documentManagement>
-</p:properties>
-</file>
-
-<file path=customXml/item2.xml><?xml version="1.0" encoding="utf-8"?>
 <ct:contentTypeSchema xmlns:ct="http://schemas.microsoft.com/office/2006/metadata/contentType" xmlns:ma="http://schemas.microsoft.com/office/2006/metadata/properties/metaAttributes" ct:_="" ma:_="" ma:contentTypeName="Document" ma:contentTypeID="0x01010079F111ED35F8CC479449609E8A0923A6" ma:contentTypeVersion="12" ma:contentTypeDescription="Create a new document." ma:contentTypeScope="" ma:versionID="a410dd7f93c95333ffa1b60ed6adedd1">
   <xsd:schema xmlns:xsd="http://www.w3.org/2001/XMLSchema" xmlns:xs="http://www.w3.org/2001/XMLSchema" xmlns:p="http://schemas.microsoft.com/office/2006/metadata/properties" xmlns:ns2="71af3243-3dd4-4a8d-8c0d-dd76da1f02a5" xmlns:ns3="16c05727-aa75-4e4a-9b5f-8a80a1165891" targetNamespace="http://schemas.microsoft.com/office/2006/metadata/properties" ma:root="true" ma:fieldsID="a936d9baba76aa3866493feff160faab" ns2:_="" ns3:_="">
     <xsd:import namespace="71af3243-3dd4-4a8d-8c0d-dd76da1f02a5"/>
@@ -11100,6 +10452,15 @@
 </ct:contentTypeSchema>
 </file>
 
+<file path=customXml/item2.xml><?xml version="1.0" encoding="utf-8"?>
+<p:properties xmlns:p="http://schemas.microsoft.com/office/2006/metadata/properties" xmlns:xsi="http://www.w3.org/2001/XMLSchema-instance" xmlns:pc="http://schemas.microsoft.com/office/infopath/2007/PartnerControls">
+  <documentManagement>
+    <Status xmlns="71af3243-3dd4-4a8d-8c0d-dd76da1f02a5">Not started</Status>
+    <MediaServiceKeyPoints xmlns="71af3243-3dd4-4a8d-8c0d-dd76da1f02a5" xsi:nil="true"/>
+  </documentManagement>
+</p:properties>
+</file>
+
 <file path=customXml/item3.xml><?xml version="1.0" encoding="utf-8"?>
 <?mso-contentType ?>
 <FormTemplates xmlns="http://schemas.microsoft.com/sharepoint/v3/contenttype/forms">
@@ -11110,23 +10471,6 @@
 </file>
 
 <file path=customXml/itemProps1.xml><?xml version="1.0" encoding="utf-8"?>
-<ds:datastoreItem xmlns:ds="http://schemas.openxmlformats.org/officeDocument/2006/customXml" ds:itemID="{8D289AE2-D2AE-49D1-AFAC-3A79F6794255}">
-  <ds:schemaRefs>
-    <ds:schemaRef ds:uri="http://schemas.openxmlformats.org/package/2006/metadata/core-properties"/>
-    <ds:schemaRef ds:uri="http://schemas.microsoft.com/office/2006/metadata/properties"/>
-    <ds:schemaRef ds:uri="16c05727-aa75-4e4a-9b5f-8a80a1165891"/>
-    <ds:schemaRef ds:uri="http://purl.org/dc/dcmitype/"/>
-    <ds:schemaRef ds:uri="http://schemas.microsoft.com/office/2006/documentManagement/types"/>
-    <ds:schemaRef ds:uri="71af3243-3dd4-4a8d-8c0d-dd76da1f02a5"/>
-    <ds:schemaRef ds:uri="http://purl.org/dc/elements/1.1/"/>
-    <ds:schemaRef ds:uri="http://schemas.microsoft.com/office/infopath/2007/PartnerControls"/>
-    <ds:schemaRef ds:uri="http://www.w3.org/XML/1998/namespace"/>
-    <ds:schemaRef ds:uri="http://purl.org/dc/terms/"/>
-  </ds:schemaRefs>
-</ds:datastoreItem>
-</file>
-
-<file path=customXml/itemProps2.xml><?xml version="1.0" encoding="utf-8"?>
 <ds:datastoreItem xmlns:ds="http://schemas.openxmlformats.org/officeDocument/2006/customXml" ds:itemID="{41E7CA09-9778-4414-AE97-8064B12DA30E}">
   <ds:schemaRefs>
     <ds:schemaRef ds:uri="16c05727-aa75-4e4a-9b5f-8a80a1165891"/>
@@ -11145,6 +10489,23 @@
 </ds:datastoreItem>
 </file>
 
+<file path=customXml/itemProps2.xml><?xml version="1.0" encoding="utf-8"?>
+<ds:datastoreItem xmlns:ds="http://schemas.openxmlformats.org/officeDocument/2006/customXml" ds:itemID="{8D289AE2-D2AE-49D1-AFAC-3A79F6794255}">
+  <ds:schemaRefs>
+    <ds:schemaRef ds:uri="http://schemas.openxmlformats.org/package/2006/metadata/core-properties"/>
+    <ds:schemaRef ds:uri="http://schemas.microsoft.com/office/2006/metadata/properties"/>
+    <ds:schemaRef ds:uri="16c05727-aa75-4e4a-9b5f-8a80a1165891"/>
+    <ds:schemaRef ds:uri="http://purl.org/dc/dcmitype/"/>
+    <ds:schemaRef ds:uri="http://schemas.microsoft.com/office/2006/documentManagement/types"/>
+    <ds:schemaRef ds:uri="71af3243-3dd4-4a8d-8c0d-dd76da1f02a5"/>
+    <ds:schemaRef ds:uri="http://purl.org/dc/elements/1.1/"/>
+    <ds:schemaRef ds:uri="http://schemas.microsoft.com/office/infopath/2007/PartnerControls"/>
+    <ds:schemaRef ds:uri="http://www.w3.org/XML/1998/namespace"/>
+    <ds:schemaRef ds:uri="http://purl.org/dc/terms/"/>
+  </ds:schemaRefs>
+</ds:datastoreItem>
+</file>
+
 <file path=customXml/itemProps3.xml><?xml version="1.0" encoding="utf-8"?>
 <ds:datastoreItem xmlns:ds="http://schemas.openxmlformats.org/officeDocument/2006/customXml" ds:itemID="{927BD4C1-B6B1-4715-ABF9-E660A51A4EA0}">
   <ds:schemaRefs>
